--- a/S1.1_Workshop_Intro.pptx
+++ b/S1.1_Workshop_Intro.pptx
@@ -6,7 +6,7 @@
     <p:sldMasterId id="2147483732" r:id="rId2"/>
   </p:sldMasterIdLst>
   <p:notesMasterIdLst>
-    <p:notesMasterId r:id="rId27"/>
+    <p:notesMasterId r:id="rId18"/>
   </p:notesMasterIdLst>
   <p:sldIdLst>
     <p:sldId id="335" r:id="rId3"/>
@@ -24,15 +24,6 @@
     <p:sldId id="364" r:id="rId15"/>
     <p:sldId id="349" r:id="rId16"/>
     <p:sldId id="359" r:id="rId17"/>
-    <p:sldId id="358" r:id="rId18"/>
-    <p:sldId id="370" r:id="rId19"/>
-    <p:sldId id="355" r:id="rId20"/>
-    <p:sldId id="371" r:id="rId21"/>
-    <p:sldId id="360" r:id="rId22"/>
-    <p:sldId id="351" r:id="rId23"/>
-    <p:sldId id="372" r:id="rId24"/>
-    <p:sldId id="362" r:id="rId25"/>
-    <p:sldId id="312" r:id="rId26"/>
   </p:sldIdLst>
   <p:sldSz cx="9144000" cy="6858000" type="screen4x3"/>
   <p:notesSz cx="7077075" cy="9051925"/>
@@ -134,2581 +125,6 @@
 </p:presentation>
 </file>
 
-<file path=ppt/diagrams/colors1.xml><?xml version="1.0" encoding="utf-8"?>
-<dgm:colorsDef xmlns:dgm="http://schemas.openxmlformats.org/drawingml/2006/diagram" xmlns:a="http://schemas.openxmlformats.org/drawingml/2006/main" uniqueId="urn:microsoft.com/office/officeart/2005/8/colors/accent0_3">
-  <dgm:title val=""/>
-  <dgm:desc val=""/>
-  <dgm:catLst>
-    <dgm:cat type="mainScheme" pri="10300"/>
-  </dgm:catLst>
-  <dgm:styleLbl name="node0">
-    <dgm:fillClrLst meth="repeat">
-      <a:schemeClr val="dk2"/>
-    </dgm:fillClrLst>
-    <dgm:linClrLst meth="repeat">
-      <a:schemeClr val="lt2"/>
-    </dgm:linClrLst>
-    <dgm:effectClrLst/>
-    <dgm:txLinClrLst/>
-    <dgm:txFillClrLst/>
-    <dgm:txEffectClrLst/>
-  </dgm:styleLbl>
-  <dgm:styleLbl name="alignNode1">
-    <dgm:fillClrLst meth="repeat">
-      <a:schemeClr val="dk2"/>
-    </dgm:fillClrLst>
-    <dgm:linClrLst meth="repeat">
-      <a:schemeClr val="dk2"/>
-    </dgm:linClrLst>
-    <dgm:effectClrLst/>
-    <dgm:txLinClrLst/>
-    <dgm:txFillClrLst/>
-    <dgm:txEffectClrLst/>
-  </dgm:styleLbl>
-  <dgm:styleLbl name="node1">
-    <dgm:fillClrLst meth="repeat">
-      <a:schemeClr val="dk2"/>
-    </dgm:fillClrLst>
-    <dgm:linClrLst meth="repeat">
-      <a:schemeClr val="lt2"/>
-    </dgm:linClrLst>
-    <dgm:effectClrLst/>
-    <dgm:txLinClrLst/>
-    <dgm:txFillClrLst/>
-    <dgm:txEffectClrLst/>
-  </dgm:styleLbl>
-  <dgm:styleLbl name="lnNode1">
-    <dgm:fillClrLst meth="repeat">
-      <a:schemeClr val="dk2"/>
-    </dgm:fillClrLst>
-    <dgm:linClrLst meth="repeat">
-      <a:schemeClr val="lt2"/>
-    </dgm:linClrLst>
-    <dgm:effectClrLst/>
-    <dgm:txLinClrLst/>
-    <dgm:txFillClrLst/>
-    <dgm:txEffectClrLst/>
-  </dgm:styleLbl>
-  <dgm:styleLbl name="vennNode1">
-    <dgm:fillClrLst meth="repeat">
-      <a:schemeClr val="dk2">
-        <a:alpha val="50000"/>
-      </a:schemeClr>
-    </dgm:fillClrLst>
-    <dgm:linClrLst meth="repeat">
-      <a:schemeClr val="lt2"/>
-    </dgm:linClrLst>
-    <dgm:effectClrLst/>
-    <dgm:txLinClrLst/>
-    <dgm:txFillClrLst/>
-    <dgm:txEffectClrLst/>
-  </dgm:styleLbl>
-  <dgm:styleLbl name="node2">
-    <dgm:fillClrLst meth="repeat">
-      <a:schemeClr val="dk2"/>
-    </dgm:fillClrLst>
-    <dgm:linClrLst meth="repeat">
-      <a:schemeClr val="lt2"/>
-    </dgm:linClrLst>
-    <dgm:effectClrLst/>
-    <dgm:txLinClrLst/>
-    <dgm:txFillClrLst/>
-    <dgm:txEffectClrLst/>
-  </dgm:styleLbl>
-  <dgm:styleLbl name="node3">
-    <dgm:fillClrLst meth="repeat">
-      <a:schemeClr val="dk2"/>
-    </dgm:fillClrLst>
-    <dgm:linClrLst meth="repeat">
-      <a:schemeClr val="lt2"/>
-    </dgm:linClrLst>
-    <dgm:effectClrLst/>
-    <dgm:txLinClrLst/>
-    <dgm:txFillClrLst/>
-    <dgm:txEffectClrLst/>
-  </dgm:styleLbl>
-  <dgm:styleLbl name="node4">
-    <dgm:fillClrLst meth="repeat">
-      <a:schemeClr val="dk2"/>
-    </dgm:fillClrLst>
-    <dgm:linClrLst meth="repeat">
-      <a:schemeClr val="lt2"/>
-    </dgm:linClrLst>
-    <dgm:effectClrLst/>
-    <dgm:txLinClrLst/>
-    <dgm:txFillClrLst/>
-    <dgm:txEffectClrLst/>
-  </dgm:styleLbl>
-  <dgm:styleLbl name="fgImgPlace1">
-    <dgm:fillClrLst meth="repeat">
-      <a:schemeClr val="dk2">
-        <a:tint val="50000"/>
-      </a:schemeClr>
-    </dgm:fillClrLst>
-    <dgm:linClrLst meth="repeat">
-      <a:schemeClr val="lt2"/>
-    </dgm:linClrLst>
-    <dgm:effectClrLst/>
-    <dgm:txLinClrLst/>
-    <dgm:txFillClrLst meth="repeat">
-      <a:schemeClr val="lt2"/>
-    </dgm:txFillClrLst>
-    <dgm:txEffectClrLst/>
-  </dgm:styleLbl>
-  <dgm:styleLbl name="alignImgPlace1">
-    <dgm:fillClrLst meth="repeat">
-      <a:schemeClr val="dk2">
-        <a:tint val="50000"/>
-      </a:schemeClr>
-    </dgm:fillClrLst>
-    <dgm:linClrLst meth="repeat">
-      <a:schemeClr val="dk2">
-        <a:shade val="80000"/>
-      </a:schemeClr>
-    </dgm:linClrLst>
-    <dgm:effectClrLst/>
-    <dgm:txLinClrLst/>
-    <dgm:txFillClrLst meth="repeat">
-      <a:schemeClr val="lt2"/>
-    </dgm:txFillClrLst>
-    <dgm:txEffectClrLst/>
-  </dgm:styleLbl>
-  <dgm:styleLbl name="bgImgPlace1">
-    <dgm:fillClrLst meth="repeat">
-      <a:schemeClr val="dk2">
-        <a:tint val="50000"/>
-      </a:schemeClr>
-    </dgm:fillClrLst>
-    <dgm:linClrLst meth="repeat">
-      <a:schemeClr val="dk2">
-        <a:shade val="80000"/>
-      </a:schemeClr>
-    </dgm:linClrLst>
-    <dgm:effectClrLst/>
-    <dgm:txLinClrLst/>
-    <dgm:txFillClrLst meth="repeat">
-      <a:schemeClr val="lt2"/>
-    </dgm:txFillClrLst>
-    <dgm:txEffectClrLst/>
-  </dgm:styleLbl>
-  <dgm:styleLbl name="sibTrans2D1">
-    <dgm:fillClrLst meth="repeat">
-      <a:schemeClr val="dk2">
-        <a:tint val="60000"/>
-      </a:schemeClr>
-    </dgm:fillClrLst>
-    <dgm:linClrLst meth="repeat">
-      <a:schemeClr val="dk2">
-        <a:tint val="60000"/>
-      </a:schemeClr>
-    </dgm:linClrLst>
-    <dgm:effectClrLst/>
-    <dgm:txLinClrLst/>
-    <dgm:txFillClrLst/>
-    <dgm:txEffectClrLst/>
-  </dgm:styleLbl>
-  <dgm:styleLbl name="fgSibTrans2D1">
-    <dgm:fillClrLst meth="repeat">
-      <a:schemeClr val="dk2">
-        <a:tint val="60000"/>
-      </a:schemeClr>
-    </dgm:fillClrLst>
-    <dgm:linClrLst meth="repeat">
-      <a:schemeClr val="dk2">
-        <a:tint val="60000"/>
-      </a:schemeClr>
-    </dgm:linClrLst>
-    <dgm:effectClrLst/>
-    <dgm:txLinClrLst/>
-    <dgm:txFillClrLst/>
-    <dgm:txEffectClrLst/>
-  </dgm:styleLbl>
-  <dgm:styleLbl name="bgSibTrans2D1">
-    <dgm:fillClrLst meth="repeat">
-      <a:schemeClr val="dk2">
-        <a:tint val="60000"/>
-      </a:schemeClr>
-    </dgm:fillClrLst>
-    <dgm:linClrLst meth="repeat">
-      <a:schemeClr val="dk2">
-        <a:tint val="60000"/>
-      </a:schemeClr>
-    </dgm:linClrLst>
-    <dgm:effectClrLst/>
-    <dgm:txLinClrLst/>
-    <dgm:txFillClrLst/>
-    <dgm:txEffectClrLst/>
-  </dgm:styleLbl>
-  <dgm:styleLbl name="sibTrans1D1">
-    <dgm:fillClrLst meth="repeat">
-      <a:schemeClr val="dk2"/>
-    </dgm:fillClrLst>
-    <dgm:linClrLst meth="repeat">
-      <a:schemeClr val="dk2"/>
-    </dgm:linClrLst>
-    <dgm:effectClrLst/>
-    <dgm:txLinClrLst/>
-    <dgm:txFillClrLst meth="repeat">
-      <a:schemeClr val="lt2"/>
-    </dgm:txFillClrLst>
-    <dgm:txEffectClrLst/>
-  </dgm:styleLbl>
-  <dgm:styleLbl name="callout">
-    <dgm:fillClrLst meth="repeat">
-      <a:schemeClr val="dk2"/>
-    </dgm:fillClrLst>
-    <dgm:linClrLst meth="repeat">
-      <a:schemeClr val="dk2">
-        <a:tint val="50000"/>
-      </a:schemeClr>
-    </dgm:linClrLst>
-    <dgm:effectClrLst/>
-    <dgm:txLinClrLst/>
-    <dgm:txFillClrLst meth="repeat">
-      <a:schemeClr val="lt2"/>
-    </dgm:txFillClrLst>
-    <dgm:txEffectClrLst/>
-  </dgm:styleLbl>
-  <dgm:styleLbl name="asst0">
-    <dgm:fillClrLst meth="repeat">
-      <a:schemeClr val="dk2"/>
-    </dgm:fillClrLst>
-    <dgm:linClrLst meth="repeat">
-      <a:schemeClr val="lt2"/>
-    </dgm:linClrLst>
-    <dgm:effectClrLst/>
-    <dgm:txLinClrLst/>
-    <dgm:txFillClrLst/>
-    <dgm:txEffectClrLst/>
-  </dgm:styleLbl>
-  <dgm:styleLbl name="asst1">
-    <dgm:fillClrLst meth="repeat">
-      <a:schemeClr val="dk2"/>
-    </dgm:fillClrLst>
-    <dgm:linClrLst meth="repeat">
-      <a:schemeClr val="lt2"/>
-    </dgm:linClrLst>
-    <dgm:effectClrLst/>
-    <dgm:txLinClrLst/>
-    <dgm:txFillClrLst/>
-    <dgm:txEffectClrLst/>
-  </dgm:styleLbl>
-  <dgm:styleLbl name="asst2">
-    <dgm:fillClrLst meth="repeat">
-      <a:schemeClr val="dk2"/>
-    </dgm:fillClrLst>
-    <dgm:linClrLst meth="repeat">
-      <a:schemeClr val="lt2"/>
-    </dgm:linClrLst>
-    <dgm:effectClrLst/>
-    <dgm:txLinClrLst/>
-    <dgm:txFillClrLst/>
-    <dgm:txEffectClrLst/>
-  </dgm:styleLbl>
-  <dgm:styleLbl name="asst3">
-    <dgm:fillClrLst meth="repeat">
-      <a:schemeClr val="dk2"/>
-    </dgm:fillClrLst>
-    <dgm:linClrLst meth="repeat">
-      <a:schemeClr val="lt2"/>
-    </dgm:linClrLst>
-    <dgm:effectClrLst/>
-    <dgm:txLinClrLst/>
-    <dgm:txFillClrLst/>
-    <dgm:txEffectClrLst/>
-  </dgm:styleLbl>
-  <dgm:styleLbl name="asst4">
-    <dgm:fillClrLst meth="repeat">
-      <a:schemeClr val="dk2"/>
-    </dgm:fillClrLst>
-    <dgm:linClrLst meth="repeat">
-      <a:schemeClr val="lt2"/>
-    </dgm:linClrLst>
-    <dgm:effectClrLst/>
-    <dgm:txLinClrLst/>
-    <dgm:txFillClrLst/>
-    <dgm:txEffectClrLst/>
-  </dgm:styleLbl>
-  <dgm:styleLbl name="parChTrans2D1">
-    <dgm:fillClrLst meth="repeat">
-      <a:schemeClr val="dk2">
-        <a:tint val="60000"/>
-      </a:schemeClr>
-    </dgm:fillClrLst>
-    <dgm:linClrLst meth="repeat">
-      <a:schemeClr val="dk2">
-        <a:tint val="60000"/>
-      </a:schemeClr>
-    </dgm:linClrLst>
-    <dgm:effectClrLst/>
-    <dgm:txLinClrLst/>
-    <dgm:txFillClrLst meth="repeat">
-      <a:schemeClr val="lt2"/>
-    </dgm:txFillClrLst>
-    <dgm:txEffectClrLst/>
-  </dgm:styleLbl>
-  <dgm:styleLbl name="parChTrans2D2">
-    <dgm:fillClrLst meth="repeat">
-      <a:schemeClr val="dk2"/>
-    </dgm:fillClrLst>
-    <dgm:linClrLst meth="repeat">
-      <a:schemeClr val="dk2"/>
-    </dgm:linClrLst>
-    <dgm:effectClrLst/>
-    <dgm:txLinClrLst/>
-    <dgm:txFillClrLst meth="repeat">
-      <a:schemeClr val="lt2"/>
-    </dgm:txFillClrLst>
-    <dgm:txEffectClrLst/>
-  </dgm:styleLbl>
-  <dgm:styleLbl name="parChTrans2D3">
-    <dgm:fillClrLst meth="repeat">
-      <a:schemeClr val="dk2"/>
-    </dgm:fillClrLst>
-    <dgm:linClrLst meth="repeat">
-      <a:schemeClr val="dk2"/>
-    </dgm:linClrLst>
-    <dgm:effectClrLst/>
-    <dgm:txLinClrLst/>
-    <dgm:txFillClrLst meth="repeat">
-      <a:schemeClr val="lt2"/>
-    </dgm:txFillClrLst>
-    <dgm:txEffectClrLst/>
-  </dgm:styleLbl>
-  <dgm:styleLbl name="parChTrans2D4">
-    <dgm:fillClrLst meth="repeat">
-      <a:schemeClr val="dk2"/>
-    </dgm:fillClrLst>
-    <dgm:linClrLst meth="repeat">
-      <a:schemeClr val="dk2"/>
-    </dgm:linClrLst>
-    <dgm:effectClrLst/>
-    <dgm:txLinClrLst/>
-    <dgm:txFillClrLst meth="repeat">
-      <a:schemeClr val="lt2"/>
-    </dgm:txFillClrLst>
-    <dgm:txEffectClrLst/>
-  </dgm:styleLbl>
-  <dgm:styleLbl name="parChTrans1D1">
-    <dgm:fillClrLst meth="repeat">
-      <a:schemeClr val="dk2"/>
-    </dgm:fillClrLst>
-    <dgm:linClrLst meth="repeat">
-      <a:schemeClr val="dk2">
-        <a:shade val="60000"/>
-      </a:schemeClr>
-    </dgm:linClrLst>
-    <dgm:effectClrLst/>
-    <dgm:txLinClrLst/>
-    <dgm:txFillClrLst meth="repeat">
-      <a:schemeClr val="tx1"/>
-    </dgm:txFillClrLst>
-    <dgm:txEffectClrLst/>
-  </dgm:styleLbl>
-  <dgm:styleLbl name="parChTrans1D2">
-    <dgm:fillClrLst meth="repeat">
-      <a:schemeClr val="dk2"/>
-    </dgm:fillClrLst>
-    <dgm:linClrLst meth="repeat">
-      <a:schemeClr val="dk2">
-        <a:shade val="60000"/>
-      </a:schemeClr>
-    </dgm:linClrLst>
-    <dgm:effectClrLst/>
-    <dgm:txLinClrLst/>
-    <dgm:txFillClrLst meth="repeat">
-      <a:schemeClr val="tx1"/>
-    </dgm:txFillClrLst>
-    <dgm:txEffectClrLst/>
-  </dgm:styleLbl>
-  <dgm:styleLbl name="parChTrans1D3">
-    <dgm:fillClrLst meth="repeat">
-      <a:schemeClr val="dk2"/>
-    </dgm:fillClrLst>
-    <dgm:linClrLst meth="repeat">
-      <a:schemeClr val="dk2">
-        <a:shade val="80000"/>
-      </a:schemeClr>
-    </dgm:linClrLst>
-    <dgm:effectClrLst/>
-    <dgm:txLinClrLst/>
-    <dgm:txFillClrLst meth="repeat">
-      <a:schemeClr val="tx1"/>
-    </dgm:txFillClrLst>
-    <dgm:txEffectClrLst/>
-  </dgm:styleLbl>
-  <dgm:styleLbl name="parChTrans1D4">
-    <dgm:fillClrLst meth="repeat">
-      <a:schemeClr val="dk2"/>
-    </dgm:fillClrLst>
-    <dgm:linClrLst meth="repeat">
-      <a:schemeClr val="dk2">
-        <a:shade val="80000"/>
-      </a:schemeClr>
-    </dgm:linClrLst>
-    <dgm:effectClrLst/>
-    <dgm:txLinClrLst/>
-    <dgm:txFillClrLst meth="repeat">
-      <a:schemeClr val="tx1"/>
-    </dgm:txFillClrLst>
-    <dgm:txEffectClrLst/>
-  </dgm:styleLbl>
-  <dgm:styleLbl name="fgAcc1">
-    <dgm:fillClrLst meth="repeat">
-      <a:schemeClr val="lt2">
-        <a:alpha val="90000"/>
-      </a:schemeClr>
-    </dgm:fillClrLst>
-    <dgm:linClrLst meth="repeat">
-      <a:schemeClr val="dk2"/>
-    </dgm:linClrLst>
-    <dgm:effectClrLst/>
-    <dgm:txLinClrLst/>
-    <dgm:txFillClrLst meth="repeat">
-      <a:schemeClr val="dk1"/>
-    </dgm:txFillClrLst>
-    <dgm:txEffectClrLst/>
-  </dgm:styleLbl>
-  <dgm:styleLbl name="conFgAcc1">
-    <dgm:fillClrLst meth="repeat">
-      <a:schemeClr val="lt2">
-        <a:alpha val="90000"/>
-      </a:schemeClr>
-    </dgm:fillClrLst>
-    <dgm:linClrLst meth="repeat">
-      <a:schemeClr val="dk2"/>
-    </dgm:linClrLst>
-    <dgm:effectClrLst/>
-    <dgm:txLinClrLst/>
-    <dgm:txFillClrLst meth="repeat">
-      <a:schemeClr val="dk1"/>
-    </dgm:txFillClrLst>
-    <dgm:txEffectClrLst/>
-  </dgm:styleLbl>
-  <dgm:styleLbl name="alignAcc1">
-    <dgm:fillClrLst meth="repeat">
-      <a:schemeClr val="lt2">
-        <a:alpha val="90000"/>
-      </a:schemeClr>
-    </dgm:fillClrLst>
-    <dgm:linClrLst meth="repeat">
-      <a:schemeClr val="dk2"/>
-    </dgm:linClrLst>
-    <dgm:effectClrLst/>
-    <dgm:txLinClrLst/>
-    <dgm:txFillClrLst meth="repeat">
-      <a:schemeClr val="dk1"/>
-    </dgm:txFillClrLst>
-    <dgm:txEffectClrLst/>
-  </dgm:styleLbl>
-  <dgm:styleLbl name="trAlignAcc1">
-    <dgm:fillClrLst meth="repeat">
-      <a:schemeClr val="lt2">
-        <a:alpha val="40000"/>
-      </a:schemeClr>
-    </dgm:fillClrLst>
-    <dgm:linClrLst meth="repeat">
-      <a:schemeClr val="dk2"/>
-    </dgm:linClrLst>
-    <dgm:effectClrLst/>
-    <dgm:txLinClrLst/>
-    <dgm:txFillClrLst meth="repeat">
-      <a:schemeClr val="dk1"/>
-    </dgm:txFillClrLst>
-    <dgm:txEffectClrLst/>
-  </dgm:styleLbl>
-  <dgm:styleLbl name="bgAcc1">
-    <dgm:fillClrLst meth="repeat">
-      <a:schemeClr val="lt2">
-        <a:alpha val="90000"/>
-      </a:schemeClr>
-    </dgm:fillClrLst>
-    <dgm:linClrLst meth="repeat">
-      <a:schemeClr val="dk2"/>
-    </dgm:linClrLst>
-    <dgm:effectClrLst/>
-    <dgm:txLinClrLst/>
-    <dgm:txFillClrLst meth="repeat">
-      <a:schemeClr val="dk1"/>
-    </dgm:txFillClrLst>
-    <dgm:txEffectClrLst/>
-  </dgm:styleLbl>
-  <dgm:styleLbl name="solidFgAcc1">
-    <dgm:fillClrLst meth="repeat">
-      <a:schemeClr val="lt2"/>
-    </dgm:fillClrLst>
-    <dgm:linClrLst meth="repeat">
-      <a:schemeClr val="dk2"/>
-    </dgm:linClrLst>
-    <dgm:effectClrLst/>
-    <dgm:txLinClrLst/>
-    <dgm:txFillClrLst meth="repeat">
-      <a:schemeClr val="dk1"/>
-    </dgm:txFillClrLst>
-    <dgm:txEffectClrLst/>
-  </dgm:styleLbl>
-  <dgm:styleLbl name="solidAlignAcc1">
-    <dgm:fillClrLst meth="repeat">
-      <a:schemeClr val="lt2"/>
-    </dgm:fillClrLst>
-    <dgm:linClrLst meth="repeat">
-      <a:schemeClr val="dk2"/>
-    </dgm:linClrLst>
-    <dgm:effectClrLst/>
-    <dgm:txLinClrLst/>
-    <dgm:txFillClrLst meth="repeat">
-      <a:schemeClr val="dk1"/>
-    </dgm:txFillClrLst>
-    <dgm:txEffectClrLst/>
-  </dgm:styleLbl>
-  <dgm:styleLbl name="solidBgAcc1">
-    <dgm:fillClrLst meth="repeat">
-      <a:schemeClr val="lt2"/>
-    </dgm:fillClrLst>
-    <dgm:linClrLst meth="repeat">
-      <a:schemeClr val="dk2"/>
-    </dgm:linClrLst>
-    <dgm:effectClrLst/>
-    <dgm:txLinClrLst/>
-    <dgm:txFillClrLst meth="repeat">
-      <a:schemeClr val="dk1"/>
-    </dgm:txFillClrLst>
-    <dgm:txEffectClrLst/>
-  </dgm:styleLbl>
-  <dgm:styleLbl name="fgAccFollowNode1">
-    <dgm:fillClrLst meth="repeat">
-      <a:schemeClr val="dk2">
-        <a:alpha val="90000"/>
-        <a:tint val="40000"/>
-      </a:schemeClr>
-    </dgm:fillClrLst>
-    <dgm:linClrLst meth="repeat">
-      <a:schemeClr val="dk2">
-        <a:alpha val="90000"/>
-        <a:tint val="40000"/>
-      </a:schemeClr>
-    </dgm:linClrLst>
-    <dgm:effectClrLst/>
-    <dgm:txLinClrLst/>
-    <dgm:txFillClrLst meth="repeat">
-      <a:schemeClr val="dk1"/>
-    </dgm:txFillClrLst>
-    <dgm:txEffectClrLst/>
-  </dgm:styleLbl>
-  <dgm:styleLbl name="alignAccFollowNode1">
-    <dgm:fillClrLst meth="repeat">
-      <a:schemeClr val="dk2">
-        <a:alpha val="90000"/>
-        <a:tint val="40000"/>
-      </a:schemeClr>
-    </dgm:fillClrLst>
-    <dgm:linClrLst meth="repeat">
-      <a:schemeClr val="dk2">
-        <a:alpha val="90000"/>
-        <a:tint val="40000"/>
-      </a:schemeClr>
-    </dgm:linClrLst>
-    <dgm:effectClrLst/>
-    <dgm:txLinClrLst/>
-    <dgm:txFillClrLst meth="repeat">
-      <a:schemeClr val="dk1"/>
-    </dgm:txFillClrLst>
-    <dgm:txEffectClrLst/>
-  </dgm:styleLbl>
-  <dgm:styleLbl name="bgAccFollowNode1">
-    <dgm:fillClrLst meth="repeat">
-      <a:schemeClr val="dk2">
-        <a:alpha val="90000"/>
-        <a:tint val="40000"/>
-      </a:schemeClr>
-    </dgm:fillClrLst>
-    <dgm:linClrLst meth="repeat">
-      <a:schemeClr val="dk2">
-        <a:alpha val="90000"/>
-        <a:tint val="40000"/>
-      </a:schemeClr>
-    </dgm:linClrLst>
-    <dgm:effectClrLst/>
-    <dgm:txLinClrLst/>
-    <dgm:txFillClrLst meth="repeat">
-      <a:schemeClr val="dk1"/>
-    </dgm:txFillClrLst>
-    <dgm:txEffectClrLst/>
-  </dgm:styleLbl>
-  <dgm:styleLbl name="fgAcc0">
-    <dgm:fillClrLst meth="repeat">
-      <a:schemeClr val="lt2">
-        <a:alpha val="90000"/>
-      </a:schemeClr>
-    </dgm:fillClrLst>
-    <dgm:linClrLst meth="repeat">
-      <a:schemeClr val="dk2"/>
-    </dgm:linClrLst>
-    <dgm:effectClrLst/>
-    <dgm:txLinClrLst/>
-    <dgm:txFillClrLst meth="repeat">
-      <a:schemeClr val="dk1"/>
-    </dgm:txFillClrLst>
-    <dgm:txEffectClrLst/>
-  </dgm:styleLbl>
-  <dgm:styleLbl name="fgAcc2">
-    <dgm:fillClrLst meth="repeat">
-      <a:schemeClr val="lt2">
-        <a:alpha val="90000"/>
-      </a:schemeClr>
-    </dgm:fillClrLst>
-    <dgm:linClrLst meth="repeat">
-      <a:schemeClr val="dk2"/>
-    </dgm:linClrLst>
-    <dgm:effectClrLst/>
-    <dgm:txLinClrLst/>
-    <dgm:txFillClrLst meth="repeat">
-      <a:schemeClr val="dk1"/>
-    </dgm:txFillClrLst>
-    <dgm:txEffectClrLst/>
-  </dgm:styleLbl>
-  <dgm:styleLbl name="fgAcc3">
-    <dgm:fillClrLst meth="repeat">
-      <a:schemeClr val="lt2">
-        <a:alpha val="90000"/>
-      </a:schemeClr>
-    </dgm:fillClrLst>
-    <dgm:linClrLst meth="repeat">
-      <a:schemeClr val="dk2"/>
-    </dgm:linClrLst>
-    <dgm:effectClrLst/>
-    <dgm:txLinClrLst/>
-    <dgm:txFillClrLst meth="repeat">
-      <a:schemeClr val="dk1"/>
-    </dgm:txFillClrLst>
-    <dgm:txEffectClrLst/>
-  </dgm:styleLbl>
-  <dgm:styleLbl name="fgAcc4">
-    <dgm:fillClrLst meth="repeat">
-      <a:schemeClr val="lt2">
-        <a:alpha val="90000"/>
-      </a:schemeClr>
-    </dgm:fillClrLst>
-    <dgm:linClrLst meth="repeat">
-      <a:schemeClr val="dk2"/>
-    </dgm:linClrLst>
-    <dgm:effectClrLst/>
-    <dgm:txLinClrLst/>
-    <dgm:txFillClrLst meth="repeat">
-      <a:schemeClr val="dk1"/>
-    </dgm:txFillClrLst>
-    <dgm:txEffectClrLst/>
-  </dgm:styleLbl>
-  <dgm:styleLbl name="bgShp">
-    <dgm:fillClrLst meth="repeat">
-      <a:schemeClr val="dk2">
-        <a:tint val="40000"/>
-      </a:schemeClr>
-    </dgm:fillClrLst>
-    <dgm:linClrLst meth="repeat">
-      <a:schemeClr val="dk2"/>
-    </dgm:linClrLst>
-    <dgm:effectClrLst/>
-    <dgm:txLinClrLst/>
-    <dgm:txFillClrLst meth="repeat">
-      <a:schemeClr val="dk1"/>
-    </dgm:txFillClrLst>
-    <dgm:txEffectClrLst/>
-  </dgm:styleLbl>
-  <dgm:styleLbl name="dkBgShp">
-    <dgm:fillClrLst meth="repeat">
-      <a:schemeClr val="dk2">
-        <a:shade val="80000"/>
-      </a:schemeClr>
-    </dgm:fillClrLst>
-    <dgm:linClrLst meth="repeat">
-      <a:schemeClr val="dk2"/>
-    </dgm:linClrLst>
-    <dgm:effectClrLst/>
-    <dgm:txLinClrLst/>
-    <dgm:txFillClrLst meth="repeat">
-      <a:schemeClr val="lt1"/>
-    </dgm:txFillClrLst>
-    <dgm:txEffectClrLst/>
-  </dgm:styleLbl>
-  <dgm:styleLbl name="trBgShp">
-    <dgm:fillClrLst meth="repeat">
-      <a:schemeClr val="dk2">
-        <a:tint val="50000"/>
-        <a:alpha val="40000"/>
-      </a:schemeClr>
-    </dgm:fillClrLst>
-    <dgm:linClrLst meth="repeat">
-      <a:schemeClr val="dk2"/>
-    </dgm:linClrLst>
-    <dgm:effectClrLst/>
-    <dgm:txLinClrLst/>
-    <dgm:txFillClrLst meth="repeat">
-      <a:schemeClr val="lt1"/>
-    </dgm:txFillClrLst>
-    <dgm:txEffectClrLst/>
-  </dgm:styleLbl>
-  <dgm:styleLbl name="fgShp">
-    <dgm:fillClrLst meth="repeat">
-      <a:schemeClr val="dk2">
-        <a:tint val="60000"/>
-      </a:schemeClr>
-    </dgm:fillClrLst>
-    <dgm:linClrLst meth="repeat">
-      <a:schemeClr val="lt2"/>
-    </dgm:linClrLst>
-    <dgm:effectClrLst/>
-    <dgm:txLinClrLst/>
-    <dgm:txFillClrLst meth="repeat">
-      <a:schemeClr val="dk1"/>
-    </dgm:txFillClrLst>
-    <dgm:txEffectClrLst/>
-  </dgm:styleLbl>
-  <dgm:styleLbl name="revTx">
-    <dgm:fillClrLst meth="repeat">
-      <a:schemeClr val="lt2">
-        <a:alpha val="0"/>
-      </a:schemeClr>
-    </dgm:fillClrLst>
-    <dgm:linClrLst meth="repeat">
-      <a:schemeClr val="dk1">
-        <a:alpha val="0"/>
-      </a:schemeClr>
-    </dgm:linClrLst>
-    <dgm:effectClrLst/>
-    <dgm:txLinClrLst/>
-    <dgm:txFillClrLst meth="repeat">
-      <a:schemeClr val="tx1"/>
-    </dgm:txFillClrLst>
-    <dgm:txEffectClrLst/>
-  </dgm:styleLbl>
-</dgm:colorsDef>
-</file>
-
-<file path=ppt/diagrams/data1.xml><?xml version="1.0" encoding="utf-8"?>
-<dgm:dataModel xmlns:dgm="http://schemas.openxmlformats.org/drawingml/2006/diagram" xmlns:a="http://schemas.openxmlformats.org/drawingml/2006/main">
-  <dgm:ptLst>
-    <dgm:pt modelId="{CB2BEC53-6885-4779-B31C-4B6E068797E9}" type="doc">
-      <dgm:prSet loTypeId="urn:microsoft.com/office/officeart/2008/layout/AlternatingPictureCircles" loCatId="picture" qsTypeId="urn:microsoft.com/office/officeart/2005/8/quickstyle/simple1" qsCatId="simple" csTypeId="urn:microsoft.com/office/officeart/2005/8/colors/accent0_3" csCatId="mainScheme" phldr="1"/>
-      <dgm:spPr/>
-    </dgm:pt>
-    <dgm:pt modelId="{40A1BAC4-76B5-417E-8F05-1F478E33B032}">
-      <dgm:prSet phldrT="[Text]"/>
-      <dgm:spPr/>
-      <dgm:t>
-        <a:bodyPr/>
-        <a:lstStyle/>
-        <a:p>
-          <a:r>
-            <a:rPr lang="en-US" dirty="0" smtClean="0"/>
-            <a:t>Discussion?</a:t>
-          </a:r>
-          <a:endParaRPr lang="en-US" dirty="0"/>
-        </a:p>
-      </dgm:t>
-    </dgm:pt>
-    <dgm:pt modelId="{7691AE96-0682-4969-B4A0-70BF094AB789}" type="parTrans" cxnId="{D38D83D8-24BD-48DC-9E09-86F58036D4C9}">
-      <dgm:prSet/>
-      <dgm:spPr/>
-      <dgm:t>
-        <a:bodyPr/>
-        <a:lstStyle/>
-        <a:p>
-          <a:endParaRPr lang="en-US"/>
-        </a:p>
-      </dgm:t>
-    </dgm:pt>
-    <dgm:pt modelId="{EEAE361C-8056-485B-BC1B-3EF4A0F2C79F}" type="sibTrans" cxnId="{D38D83D8-24BD-48DC-9E09-86F58036D4C9}">
-      <dgm:prSet/>
-      <dgm:spPr/>
-      <dgm:t>
-        <a:bodyPr/>
-        <a:lstStyle/>
-        <a:p>
-          <a:endParaRPr lang="en-US"/>
-        </a:p>
-      </dgm:t>
-    </dgm:pt>
-    <dgm:pt modelId="{AB2785D8-E269-4033-A7AD-73FC7DC015A2}" type="pres">
-      <dgm:prSet presAssocID="{CB2BEC53-6885-4779-B31C-4B6E068797E9}" presName="Name0" presStyleCnt="0">
-        <dgm:presLayoutVars>
-          <dgm:chMax/>
-          <dgm:chPref/>
-          <dgm:dir/>
-        </dgm:presLayoutVars>
-      </dgm:prSet>
-      <dgm:spPr/>
-    </dgm:pt>
-    <dgm:pt modelId="{04B4BF85-B073-4F0D-90B8-B05052A1C8B6}" type="pres">
-      <dgm:prSet presAssocID="{40A1BAC4-76B5-417E-8F05-1F478E33B032}" presName="composite" presStyleCnt="0"/>
-      <dgm:spPr/>
-    </dgm:pt>
-    <dgm:pt modelId="{EEABF6C4-8225-4D5D-927C-F303C290B1F2}" type="pres">
-      <dgm:prSet presAssocID="{40A1BAC4-76B5-417E-8F05-1F478E33B032}" presName="Accent" presStyleLbl="alignNode1" presStyleIdx="0" presStyleCnt="1" custLinFactNeighborX="23467" custLinFactNeighborY="-620">
-        <dgm:presLayoutVars>
-          <dgm:chMax val="0"/>
-          <dgm:chPref val="0"/>
-        </dgm:presLayoutVars>
-      </dgm:prSet>
-      <dgm:spPr/>
-    </dgm:pt>
-    <dgm:pt modelId="{2397C4DF-DB7B-4F50-830E-5D4587003BCA}" type="pres">
-      <dgm:prSet presAssocID="{40A1BAC4-76B5-417E-8F05-1F478E33B032}" presName="Image" presStyleLbl="bgImgPlace1" presStyleIdx="0" presStyleCnt="1">
-        <dgm:presLayoutVars>
-          <dgm:chMax val="0"/>
-          <dgm:chPref val="0"/>
-          <dgm:bulletEnabled val="1"/>
-        </dgm:presLayoutVars>
-      </dgm:prSet>
-      <dgm:spPr>
-        <a:blipFill>
-          <a:blip xmlns:r="http://schemas.openxmlformats.org/officeDocument/2006/relationships" r:embed="rId1">
-            <a:extLst>
-              <a:ext uri="{28A0092B-C50C-407E-A947-70E740481C1C}">
-                <a14:useLocalDpi xmlns:a14="http://schemas.microsoft.com/office/drawing/2010/main" val="0"/>
-              </a:ext>
-            </a:extLst>
-          </a:blip>
-          <a:srcRect/>
-          <a:stretch>
-            <a:fillRect t="-16000" b="-16000"/>
-          </a:stretch>
-        </a:blipFill>
-      </dgm:spPr>
-      <dgm:extLst>
-        <a:ext uri="{E40237B7-FDA0-4F09-8148-C483321AD2D9}">
-          <dgm14:cNvPr xmlns:dgm14="http://schemas.microsoft.com/office/drawing/2010/diagram" id="0" name="" descr="C:\Users\stansmith\AppData\Local\Microsoft\Windows\Temporary Internet Files\Content.IE5\4739N7I8\MC900358967[1].wmf"/>
-        </a:ext>
-      </dgm:extLst>
-    </dgm:pt>
-    <dgm:pt modelId="{CD27130B-FFCF-4E83-83D9-EB721D50A772}" type="pres">
-      <dgm:prSet presAssocID="{40A1BAC4-76B5-417E-8F05-1F478E33B032}" presName="Parent" presStyleLbl="fgAccFollowNode1" presStyleIdx="0" presStyleCnt="1">
-        <dgm:presLayoutVars>
-          <dgm:chMax val="0"/>
-          <dgm:chPref val="0"/>
-          <dgm:bulletEnabled val="1"/>
-        </dgm:presLayoutVars>
-      </dgm:prSet>
-      <dgm:spPr/>
-      <dgm:t>
-        <a:bodyPr/>
-        <a:lstStyle/>
-        <a:p>
-          <a:endParaRPr lang="en-US"/>
-        </a:p>
-      </dgm:t>
-    </dgm:pt>
-    <dgm:pt modelId="{B40F30EE-DE0D-4EE2-98E2-DB39C2834E8D}" type="pres">
-      <dgm:prSet presAssocID="{40A1BAC4-76B5-417E-8F05-1F478E33B032}" presName="Space" presStyleCnt="0">
-        <dgm:presLayoutVars>
-          <dgm:chMax val="0"/>
-          <dgm:chPref val="0"/>
-        </dgm:presLayoutVars>
-      </dgm:prSet>
-      <dgm:spPr/>
-    </dgm:pt>
-  </dgm:ptLst>
-  <dgm:cxnLst>
-    <dgm:cxn modelId="{D38D83D8-24BD-48DC-9E09-86F58036D4C9}" srcId="{CB2BEC53-6885-4779-B31C-4B6E068797E9}" destId="{40A1BAC4-76B5-417E-8F05-1F478E33B032}" srcOrd="0" destOrd="0" parTransId="{7691AE96-0682-4969-B4A0-70BF094AB789}" sibTransId="{EEAE361C-8056-485B-BC1B-3EF4A0F2C79F}"/>
-    <dgm:cxn modelId="{A886019D-43FC-457C-A150-90B4C890F7F6}" type="presOf" srcId="{40A1BAC4-76B5-417E-8F05-1F478E33B032}" destId="{CD27130B-FFCF-4E83-83D9-EB721D50A772}" srcOrd="0" destOrd="0" presId="urn:microsoft.com/office/officeart/2008/layout/AlternatingPictureCircles"/>
-    <dgm:cxn modelId="{17958C98-3B83-4E0E-A39F-54073EAD0AE0}" type="presOf" srcId="{CB2BEC53-6885-4779-B31C-4B6E068797E9}" destId="{AB2785D8-E269-4033-A7AD-73FC7DC015A2}" srcOrd="0" destOrd="0" presId="urn:microsoft.com/office/officeart/2008/layout/AlternatingPictureCircles"/>
-    <dgm:cxn modelId="{B243002D-008E-4517-B793-48891E0B6A71}" type="presParOf" srcId="{AB2785D8-E269-4033-A7AD-73FC7DC015A2}" destId="{04B4BF85-B073-4F0D-90B8-B05052A1C8B6}" srcOrd="0" destOrd="0" presId="urn:microsoft.com/office/officeart/2008/layout/AlternatingPictureCircles"/>
-    <dgm:cxn modelId="{BBE08A98-E136-4083-9DAA-0A0821B6AA54}" type="presParOf" srcId="{04B4BF85-B073-4F0D-90B8-B05052A1C8B6}" destId="{EEABF6C4-8225-4D5D-927C-F303C290B1F2}" srcOrd="0" destOrd="0" presId="urn:microsoft.com/office/officeart/2008/layout/AlternatingPictureCircles"/>
-    <dgm:cxn modelId="{5859977F-6AC9-4E45-BC03-0707C49ED6E8}" type="presParOf" srcId="{04B4BF85-B073-4F0D-90B8-B05052A1C8B6}" destId="{2397C4DF-DB7B-4F50-830E-5D4587003BCA}" srcOrd="1" destOrd="0" presId="urn:microsoft.com/office/officeart/2008/layout/AlternatingPictureCircles"/>
-    <dgm:cxn modelId="{8B068D0F-06DA-4F26-BF86-D5ED73ED5265}" type="presParOf" srcId="{04B4BF85-B073-4F0D-90B8-B05052A1C8B6}" destId="{CD27130B-FFCF-4E83-83D9-EB721D50A772}" srcOrd="2" destOrd="0" presId="urn:microsoft.com/office/officeart/2008/layout/AlternatingPictureCircles"/>
-    <dgm:cxn modelId="{210EE17C-46F6-438A-857C-6EBFE4E37C5A}" type="presParOf" srcId="{04B4BF85-B073-4F0D-90B8-B05052A1C8B6}" destId="{B40F30EE-DE0D-4EE2-98E2-DB39C2834E8D}" srcOrd="3" destOrd="0" presId="urn:microsoft.com/office/officeart/2008/layout/AlternatingPictureCircles"/>
-  </dgm:cxnLst>
-  <dgm:bg/>
-  <dgm:whole/>
-  <dgm:extLst>
-    <a:ext uri="http://schemas.microsoft.com/office/drawing/2008/diagram">
-      <dsp:dataModelExt xmlns:dsp="http://schemas.microsoft.com/office/drawing/2008/diagram" relId="rId7" minVer="http://schemas.openxmlformats.org/drawingml/2006/diagram"/>
-    </a:ext>
-  </dgm:extLst>
-</dgm:dataModel>
-</file>
-
-<file path=ppt/diagrams/drawing1.xml><?xml version="1.0" encoding="utf-8"?>
-<dsp:drawing xmlns:dgm="http://schemas.openxmlformats.org/drawingml/2006/diagram" xmlns:dsp="http://schemas.microsoft.com/office/drawing/2008/diagram" xmlns:a="http://schemas.openxmlformats.org/drawingml/2006/main">
-  <dsp:spTree>
-    <dsp:nvGrpSpPr>
-      <dsp:cNvPr id="0" name=""/>
-      <dsp:cNvGrpSpPr/>
-    </dsp:nvGrpSpPr>
-    <dsp:grpSpPr/>
-    <dsp:sp modelId="{EEABF6C4-8225-4D5D-927C-F303C290B1F2}">
-      <dsp:nvSpPr>
-        <dsp:cNvPr id="0" name=""/>
-        <dsp:cNvSpPr/>
-      </dsp:nvSpPr>
-      <dsp:spPr>
-        <a:xfrm>
-          <a:off x="3009913" y="533391"/>
-          <a:ext cx="3086086" cy="3085951"/>
-        </a:xfrm>
-        <a:prstGeom prst="donut">
-          <a:avLst>
-            <a:gd name="adj" fmla="val 11010"/>
-          </a:avLst>
-        </a:prstGeom>
-        <a:solidFill>
-          <a:schemeClr val="dk2">
-            <a:hueOff val="0"/>
-            <a:satOff val="0"/>
-            <a:lumOff val="0"/>
-            <a:alphaOff val="0"/>
-          </a:schemeClr>
-        </a:solidFill>
-        <a:ln w="28575" cap="flat" cmpd="sng" algn="ctr">
-          <a:solidFill>
-            <a:schemeClr val="dk2">
-              <a:hueOff val="0"/>
-              <a:satOff val="0"/>
-              <a:lumOff val="0"/>
-              <a:alphaOff val="0"/>
-            </a:schemeClr>
-          </a:solidFill>
-          <a:prstDash val="solid"/>
-        </a:ln>
-        <a:effectLst/>
-      </dsp:spPr>
-      <dsp:style>
-        <a:lnRef idx="2">
-          <a:scrgbClr r="0" g="0" b="0"/>
-        </a:lnRef>
-        <a:fillRef idx="1">
-          <a:scrgbClr r="0" g="0" b="0"/>
-        </a:fillRef>
-        <a:effectRef idx="0">
-          <a:scrgbClr r="0" g="0" b="0"/>
-        </a:effectRef>
-        <a:fontRef idx="minor">
-          <a:schemeClr val="lt1"/>
-        </a:fontRef>
-      </dsp:style>
-    </dsp:sp>
-    <dsp:sp modelId="{2397C4DF-DB7B-4F50-830E-5D4587003BCA}">
-      <dsp:nvSpPr>
-        <dsp:cNvPr id="0" name=""/>
-        <dsp:cNvSpPr/>
-      </dsp:nvSpPr>
-      <dsp:spPr>
-        <a:xfrm>
-          <a:off x="314" y="660527"/>
-          <a:ext cx="3795587" cy="2869809"/>
-        </a:xfrm>
-        <a:prstGeom prst="rect">
-          <a:avLst/>
-        </a:prstGeom>
-        <a:blipFill>
-          <a:blip xmlns:r="http://schemas.openxmlformats.org/officeDocument/2006/relationships" r:embed="rId1">
-            <a:extLst>
-              <a:ext uri="{28A0092B-C50C-407E-A947-70E740481C1C}">
-                <a14:useLocalDpi xmlns:a14="http://schemas.microsoft.com/office/drawing/2010/main" val="0"/>
-              </a:ext>
-            </a:extLst>
-          </a:blip>
-          <a:srcRect/>
-          <a:stretch>
-            <a:fillRect t="-16000" b="-16000"/>
-          </a:stretch>
-        </a:blipFill>
-        <a:ln w="28575" cap="flat" cmpd="sng" algn="ctr">
-          <a:solidFill>
-            <a:schemeClr val="dk2">
-              <a:shade val="80000"/>
-              <a:hueOff val="0"/>
-              <a:satOff val="0"/>
-              <a:lumOff val="0"/>
-              <a:alphaOff val="0"/>
-            </a:schemeClr>
-          </a:solidFill>
-          <a:prstDash val="solid"/>
-        </a:ln>
-        <a:effectLst/>
-      </dsp:spPr>
-      <dsp:style>
-        <a:lnRef idx="2">
-          <a:scrgbClr r="0" g="0" b="0"/>
-        </a:lnRef>
-        <a:fillRef idx="1">
-          <a:scrgbClr r="0" g="0" b="0"/>
-        </a:fillRef>
-        <a:effectRef idx="0">
-          <a:scrgbClr r="0" g="0" b="0"/>
-        </a:effectRef>
-        <a:fontRef idx="minor"/>
-      </dsp:style>
-    </dsp:sp>
-    <dsp:sp modelId="{CD27130B-FFCF-4E83-83D9-EB721D50A772}">
-      <dsp:nvSpPr>
-        <dsp:cNvPr id="0" name=""/>
-        <dsp:cNvSpPr/>
-      </dsp:nvSpPr>
-      <dsp:spPr>
-        <a:xfrm>
-          <a:off x="3349111" y="891964"/>
-          <a:ext cx="2407061" cy="2406956"/>
-        </a:xfrm>
-        <a:prstGeom prst="ellipse">
-          <a:avLst/>
-        </a:prstGeom>
-        <a:solidFill>
-          <a:schemeClr val="dk2">
-            <a:alpha val="90000"/>
-            <a:tint val="40000"/>
-            <a:hueOff val="0"/>
-            <a:satOff val="0"/>
-            <a:lumOff val="0"/>
-            <a:alphaOff val="0"/>
-          </a:schemeClr>
-        </a:solidFill>
-        <a:ln w="28575" cap="flat" cmpd="sng" algn="ctr">
-          <a:solidFill>
-            <a:schemeClr val="dk2">
-              <a:alpha val="90000"/>
-              <a:tint val="40000"/>
-              <a:hueOff val="0"/>
-              <a:satOff val="0"/>
-              <a:lumOff val="0"/>
-              <a:alphaOff val="0"/>
-            </a:schemeClr>
-          </a:solidFill>
-          <a:prstDash val="solid"/>
-        </a:ln>
-        <a:effectLst/>
-      </dsp:spPr>
-      <dsp:style>
-        <a:lnRef idx="2">
-          <a:scrgbClr r="0" g="0" b="0"/>
-        </a:lnRef>
-        <a:fillRef idx="1">
-          <a:scrgbClr r="0" g="0" b="0"/>
-        </a:fillRef>
-        <a:effectRef idx="0">
-          <a:scrgbClr r="0" g="0" b="0"/>
-        </a:effectRef>
-        <a:fontRef idx="minor"/>
-      </dsp:style>
-      <dsp:txBody>
-        <a:bodyPr spcFirstLastPara="0" vert="horz" wrap="square" lIns="0" tIns="0" rIns="0" bIns="0" numCol="1" spcCol="1270" anchor="ctr" anchorCtr="0">
-          <a:noAutofit/>
-        </a:bodyPr>
-        <a:lstStyle/>
-        <a:p>
-          <a:pPr lvl="0" algn="ctr" defTabSz="1022350">
-            <a:lnSpc>
-              <a:spcPct val="90000"/>
-            </a:lnSpc>
-            <a:spcBef>
-              <a:spcPct val="0"/>
-            </a:spcBef>
-            <a:spcAft>
-              <a:spcPct val="35000"/>
-            </a:spcAft>
-          </a:pPr>
-          <a:r>
-            <a:rPr lang="en-US" sz="2300" kern="1200" dirty="0" smtClean="0"/>
-            <a:t>Discussion?</a:t>
-          </a:r>
-          <a:endParaRPr lang="en-US" sz="2300" kern="1200" dirty="0"/>
-        </a:p>
-      </dsp:txBody>
-      <dsp:txXfrm>
-        <a:off x="3701617" y="1244455"/>
-        <a:ext cx="1702049" cy="1701974"/>
-      </dsp:txXfrm>
-    </dsp:sp>
-  </dsp:spTree>
-</dsp:drawing>
-</file>
-
-<file path=ppt/diagrams/layout1.xml><?xml version="1.0" encoding="utf-8"?>
-<dgm:layoutDef xmlns:dgm="http://schemas.openxmlformats.org/drawingml/2006/diagram" xmlns:a="http://schemas.openxmlformats.org/drawingml/2006/main" uniqueId="urn:microsoft.com/office/officeart/2008/layout/AlternatingPictureCircles">
-  <dgm:title val=""/>
-  <dgm:desc val=""/>
-  <dgm:catLst>
-    <dgm:cat type="picture" pri="17000"/>
-    <dgm:cat type="pictureconvert" pri="17000"/>
-  </dgm:catLst>
-  <dgm:sampData>
-    <dgm:dataModel>
-      <dgm:ptLst>
-        <dgm:pt modelId="0" type="doc"/>
-        <dgm:pt modelId="10">
-          <dgm:prSet phldr="1"/>
-        </dgm:pt>
-        <dgm:pt modelId="20">
-          <dgm:prSet phldr="1"/>
-        </dgm:pt>
-        <dgm:pt modelId="30">
-          <dgm:prSet phldr="1"/>
-        </dgm:pt>
-      </dgm:ptLst>
-      <dgm:cxnLst>
-        <dgm:cxn modelId="40" srcId="0" destId="10" srcOrd="0" destOrd="0"/>
-        <dgm:cxn modelId="50" srcId="0" destId="20" srcOrd="1" destOrd="0"/>
-        <dgm:cxn modelId="60" srcId="0" destId="30" srcOrd="2" destOrd="0"/>
-      </dgm:cxnLst>
-      <dgm:bg/>
-      <dgm:whole/>
-    </dgm:dataModel>
-  </dgm:sampData>
-  <dgm:styleData>
-    <dgm:dataModel>
-      <dgm:ptLst>
-        <dgm:pt modelId="0" type="doc"/>
-        <dgm:pt modelId="10">
-          <dgm:prSet phldr="1"/>
-        </dgm:pt>
-        <dgm:pt modelId="20">
-          <dgm:prSet phldr="1"/>
-        </dgm:pt>
-      </dgm:ptLst>
-      <dgm:cxnLst>
-        <dgm:cxn modelId="40" srcId="0" destId="10" srcOrd="0" destOrd="0"/>
-        <dgm:cxn modelId="50" srcId="0" destId="20" srcOrd="1" destOrd="0"/>
-      </dgm:cxnLst>
-      <dgm:bg/>
-      <dgm:whole/>
-    </dgm:dataModel>
-  </dgm:styleData>
-  <dgm:clrData>
-    <dgm:dataModel>
-      <dgm:ptLst>
-        <dgm:pt modelId="0" type="doc"/>
-        <dgm:pt modelId="10">
-          <dgm:prSet phldr="1"/>
-        </dgm:pt>
-        <dgm:pt modelId="20">
-          <dgm:prSet phldr="1"/>
-        </dgm:pt>
-        <dgm:pt modelId="30">
-          <dgm:prSet phldr="1"/>
-        </dgm:pt>
-        <dgm:pt modelId="40">
-          <dgm:prSet phldr="1"/>
-        </dgm:pt>
-      </dgm:ptLst>
-      <dgm:cxnLst>
-        <dgm:cxn modelId="40" srcId="0" destId="10" srcOrd="0" destOrd="0"/>
-        <dgm:cxn modelId="50" srcId="0" destId="20" srcOrd="1" destOrd="0"/>
-        <dgm:cxn modelId="60" srcId="0" destId="30" srcOrd="2" destOrd="0"/>
-        <dgm:cxn modelId="70" srcId="0" destId="40" srcOrd="3" destOrd="0"/>
-      </dgm:cxnLst>
-      <dgm:bg/>
-      <dgm:whole/>
-    </dgm:dataModel>
-  </dgm:clrData>
-  <dgm:layoutNode name="Name0">
-    <dgm:varLst>
-      <dgm:chMax/>
-      <dgm:chPref/>
-      <dgm:dir/>
-    </dgm:varLst>
-    <dgm:alg type="lin">
-      <dgm:param type="linDir" val="fromT"/>
-      <dgm:param type="fallback" val="2D"/>
-      <dgm:param type="horzAlign" val="ctr"/>
-      <dgm:param type="nodeVertAlign" val="t"/>
-    </dgm:alg>
-    <dgm:shape xmlns:r="http://schemas.openxmlformats.org/officeDocument/2006/relationships" r:blip="">
-      <dgm:adjLst/>
-    </dgm:shape>
-    <dgm:choose name="Name1">
-      <dgm:if name="Name2" axis="ch" ptType="node" func="cnt" op="gte" val="2">
-        <dgm:constrLst>
-          <dgm:constr type="primFontSz" for="des" ptType="node" op="equ" val="65"/>
-          <dgm:constr type="w" for="ch" forName="composite" refType="h" refFor="ch" refForName="composite" fact="2.9499"/>
-          <dgm:constr type="h" for="ch" forName="composite" refType="h"/>
-          <dgm:constr type="h" for="ch" forName="ConnectorComposite" refType="w" refFor="ch" refForName="composite" op="equ" fact="0.1685"/>
-          <dgm:constr type="w" for="ch" forName="ConnectorComposite" refType="h" refFor="ch" refForName="ConnectorComposite" op="equ"/>
-        </dgm:constrLst>
-      </dgm:if>
-      <dgm:else name="Name3">
-        <dgm:constrLst>
-          <dgm:constr type="primFontSz" for="des" ptType="node" op="equ" val="65"/>
-          <dgm:constr type="w" for="ch" forName="composite" refType="h" refFor="ch" refForName="composite" fact="1.9752"/>
-          <dgm:constr type="h" for="ch" forName="composite" refType="h"/>
-          <dgm:constr type="h" for="ch" forName="ConnectorComposite" refType="w" refFor="ch" refForName="composite" op="equ" fact="0.1685"/>
-          <dgm:constr type="w" for="ch" forName="ConnectorComposite" refType="h" refFor="ch" refForName="ConnectorComposite" op="equ"/>
-        </dgm:constrLst>
-      </dgm:else>
-    </dgm:choose>
-    <dgm:forEach name="nodesForEach" axis="ch" ptType="node">
-      <dgm:layoutNode name="composite">
-        <dgm:alg type="composite"/>
-        <dgm:shape xmlns:r="http://schemas.openxmlformats.org/officeDocument/2006/relationships" r:blip="">
-          <dgm:adjLst/>
-        </dgm:shape>
-        <dgm:choose name="Name4">
-          <dgm:if name="Name5" axis="precedSib" ptType="sibTrans" func="cnt" op="lte" val="0">
-            <dgm:choose name="Name6">
-              <dgm:if name="Name7" axis="followSib" ptType="sibTrans" func="cnt" op="lte" val="0">
-                <dgm:choose name="Name8">
-                  <dgm:if name="Name9" func="var" arg="dir" op="equ" val="norm">
-                    <dgm:constrLst>
-                      <dgm:constr type="l" for="ch" forName="Accent" refType="w" fact="0.4937"/>
-                      <dgm:constr type="t" for="ch" forName="Accent" refType="h" fact="0"/>
-                      <dgm:constr type="h" for="ch" forName="Accent" refType="w" refFor="ch" refForName="Accent"/>
-                      <dgm:constr type="w" for="ch" forName="Accent" refType="w" fact="0.5063"/>
-                      <dgm:constr type="l" for="ch" forName="Parent" refType="w" fact="0.5494"/>
-                      <dgm:constr type="t" for="ch" forName="Parent" refType="h" fact="0.11"/>
-                      <dgm:constr type="h" for="ch" forName="Parent" refType="w" refFor="ch" refForName="Parent"/>
-                      <dgm:constr type="w" for="ch" forName="Parent" refType="w" fact="0.3949"/>
-                      <dgm:constr type="l" for="ch" forName="Image" refType="w" fact="0"/>
-                      <dgm:constr type="t" for="ch" forName="Image" refType="h" fact="0.035"/>
-                      <dgm:constr type="h" for="ch" forName="Image" refType="h" fact="0.93"/>
-                      <dgm:constr type="w" for="ch" forName="Image" refType="w" fact="0.6227"/>
-                    </dgm:constrLst>
-                  </dgm:if>
-                  <dgm:else name="Name10">
-                    <dgm:constrLst>
-                      <dgm:constr type="l" for="ch" forName="Accent" refType="w" fact="0"/>
-                      <dgm:constr type="t" for="ch" forName="Accent" refType="h" fact="0"/>
-                      <dgm:constr type="h" for="ch" forName="Accent" refType="w" refFor="ch" refForName="Accent"/>
-                      <dgm:constr type="w" for="ch" forName="Accent" refType="w" fact="0.5063"/>
-                      <dgm:constr type="l" for="ch" forName="Parent" refType="w" fact="0.0557"/>
-                      <dgm:constr type="t" for="ch" forName="Parent" refType="h" fact="0.11"/>
-                      <dgm:constr type="h" for="ch" forName="Parent" refType="w" refFor="ch" refForName="Parent"/>
-                      <dgm:constr type="w" for="ch" forName="Parent" refType="w" fact="0.3949"/>
-                      <dgm:constr type="l" for="ch" forName="Image" refType="w" fact="0.3773"/>
-                      <dgm:constr type="t" for="ch" forName="Image" refType="h" fact="0.035"/>
-                      <dgm:constr type="h" for="ch" forName="Image" refType="h" fact="0.93"/>
-                      <dgm:constr type="w" for="ch" forName="Image" refType="w" fact="0.6227"/>
-                    </dgm:constrLst>
-                  </dgm:else>
-                </dgm:choose>
-              </dgm:if>
-              <dgm:else name="Name11">
-                <dgm:choose name="Name12">
-                  <dgm:if name="Name13" func="var" arg="dir" op="equ" val="norm">
-                    <dgm:choose name="Name14">
-                      <dgm:if name="Name15" axis="self" ptType="node" func="posOdd" op="equ" val="1">
-                        <dgm:constrLst>
-                          <dgm:constr type="l" for="ch" forName="Accent" refType="w" fact="0.3305"/>
-                          <dgm:constr type="t" for="ch" forName="Accent" refType="w" fact="0"/>
-                          <dgm:constr type="h" for="ch" forName="Accent" refType="w" refFor="ch" refForName="Accent"/>
-                          <dgm:constr type="w" for="ch" forName="Accent" refType="w" fact="0.339"/>
-                          <dgm:constr type="l" for="ch" forName="Parent" refType="w" fact="0.3678"/>
-                          <dgm:constr type="t" for="ch" forName="Parent" refType="w" fact="0.0373"/>
-                          <dgm:constr type="h" for="ch" forName="Parent" refType="w" refFor="ch" refForName="Parent"/>
-                          <dgm:constr type="w" for="ch" forName="Parent" refType="w" fact="0.2644"/>
-                          <dgm:constr type="l" for="ch" forName="Image" refType="w" fact="0"/>
-                          <dgm:constr type="t" for="ch" forName="Image" refType="h" fact="0.035"/>
-                          <dgm:constr type="h" for="ch" forName="Image" refType="h" fact="0.93"/>
-                          <dgm:constr type="w" for="ch" forName="Image" refType="w" fact="0.4169"/>
-                          <dgm:constr type="r" for="ch" forName="Space" refType="w"/>
-                          <dgm:constr type="t" for="ch" forName="Space" refType="h" fact="0"/>
-                          <dgm:constr type="h" for="ch" forName="Space" refType="h"/>
-                          <dgm:constr type="w" for="ch" forName="Space" refType="w" fact="0.3305"/>
-                        </dgm:constrLst>
-                      </dgm:if>
-                      <dgm:else name="Name16">
-                        <dgm:constrLst>
-                          <dgm:constr type="l" for="ch" forName="Accent" refType="w" fact="0.3305"/>
-                          <dgm:constr type="t" for="ch" forName="Accent" refType="w" fact="0"/>
-                          <dgm:constr type="h" for="ch" forName="Accent" refType="w" refFor="ch" refForName="Accent"/>
-                          <dgm:constr type="w" for="ch" forName="Accent" refType="w" fact="0.339"/>
-                          <dgm:constr type="l" for="ch" forName="Parent" refType="w" fact="0.3678"/>
-                          <dgm:constr type="t" for="ch" forName="Parent" refType="w" fact="0.0373"/>
-                          <dgm:constr type="h" for="ch" forName="Parent" refType="w" refFor="ch" refForName="Parent"/>
-                          <dgm:constr type="w" for="ch" forName="Parent" refType="w" fact="0.2644"/>
-                          <dgm:constr type="r" for="ch" forName="Image" refType="w"/>
-                          <dgm:constr type="t" for="ch" forName="Image" refType="h" fact="0.035"/>
-                          <dgm:constr type="h" for="ch" forName="Image" refType="h" fact="0.93"/>
-                          <dgm:constr type="w" for="ch" forName="Image" refType="w" fact="0.4169"/>
-                          <dgm:constr type="l" for="ch" forName="Space" refType="w" fact="0"/>
-                          <dgm:constr type="t" for="ch" forName="Space" refType="h" fact="0"/>
-                          <dgm:constr type="h" for="ch" forName="Space" refType="h"/>
-                          <dgm:constr type="w" for="ch" forName="Space" refType="w" fact="0.3305"/>
-                        </dgm:constrLst>
-                      </dgm:else>
-                    </dgm:choose>
-                  </dgm:if>
-                  <dgm:else name="Name17">
-                    <dgm:choose name="Name18">
-                      <dgm:if name="Name19" axis="self" ptType="node" func="posOdd" op="equ" val="1">
-                        <dgm:constrLst>
-                          <dgm:constr type="l" for="ch" forName="Accent" refType="w" fact="0.3305"/>
-                          <dgm:constr type="t" for="ch" forName="Accent" refType="w" fact="0"/>
-                          <dgm:constr type="h" for="ch" forName="Accent" refType="w" refFor="ch" refForName="Accent"/>
-                          <dgm:constr type="w" for="ch" forName="Accent" refType="w" fact="0.339"/>
-                          <dgm:constr type="l" for="ch" forName="Parent" refType="w" fact="0.3678"/>
-                          <dgm:constr type="t" for="ch" forName="Parent" refType="w" fact="0.0373"/>
-                          <dgm:constr type="h" for="ch" forName="Parent" refType="w" refFor="ch" refForName="Parent"/>
-                          <dgm:constr type="w" for="ch" forName="Parent" refType="w" fact="0.2644"/>
-                          <dgm:constr type="r" for="ch" forName="Image" refType="w"/>
-                          <dgm:constr type="t" for="ch" forName="Image" refType="h" fact="0.035"/>
-                          <dgm:constr type="h" for="ch" forName="Image" refType="h" fact="0.93"/>
-                          <dgm:constr type="w" for="ch" forName="Image" refType="w" fact="0.4169"/>
-                          <dgm:constr type="l" for="ch" forName="Space" refType="w" fact="0"/>
-                          <dgm:constr type="t" for="ch" forName="Space" refType="h" fact="0"/>
-                          <dgm:constr type="h" for="ch" forName="Space" refType="h"/>
-                          <dgm:constr type="w" for="ch" forName="Space" refType="w" fact="0.3305"/>
-                        </dgm:constrLst>
-                      </dgm:if>
-                      <dgm:else name="Name20">
-                        <dgm:constrLst>
-                          <dgm:constr type="l" for="ch" forName="Accent" refType="w" fact="0.3305"/>
-                          <dgm:constr type="t" for="ch" forName="Accent" refType="w" fact="0"/>
-                          <dgm:constr type="h" for="ch" forName="Accent" refType="w" refFor="ch" refForName="Accent"/>
-                          <dgm:constr type="w" for="ch" forName="Accent" refType="w" fact="0.339"/>
-                          <dgm:constr type="l" for="ch" forName="Parent" refType="w" fact="0.3678"/>
-                          <dgm:constr type="t" for="ch" forName="Parent" refType="w" fact="0.0373"/>
-                          <dgm:constr type="h" for="ch" forName="Parent" refType="w" refFor="ch" refForName="Parent"/>
-                          <dgm:constr type="w" for="ch" forName="Parent" refType="w" fact="0.2644"/>
-                          <dgm:constr type="l" for="ch" forName="Image" refType="w" fact="0"/>
-                          <dgm:constr type="t" for="ch" forName="Image" refType="h" fact="0.035"/>
-                          <dgm:constr type="h" for="ch" forName="Image" refType="h" fact="0.93"/>
-                          <dgm:constr type="w" for="ch" forName="Image" refType="w" fact="0.4169"/>
-                          <dgm:constr type="r" for="ch" forName="Space" refType="w"/>
-                          <dgm:constr type="t" for="ch" forName="Space" refType="h" fact="0"/>
-                          <dgm:constr type="h" for="ch" forName="Space" refType="h"/>
-                          <dgm:constr type="w" for="ch" forName="Space" refType="w" fact="0.3305"/>
-                        </dgm:constrLst>
-                      </dgm:else>
-                    </dgm:choose>
-                  </dgm:else>
-                </dgm:choose>
-              </dgm:else>
-            </dgm:choose>
-          </dgm:if>
-          <dgm:else name="Name21">
-            <dgm:choose name="Name22">
-              <dgm:if name="Name23" func="var" arg="dir" op="equ" val="norm">
-                <dgm:choose name="Name24">
-                  <dgm:if name="Name25" axis="self" ptType="node" func="posOdd" op="equ" val="1">
-                    <dgm:constrLst>
-                      <dgm:constr type="l" for="ch" forName="Accent" refType="w" fact="0.3305"/>
-                      <dgm:constr type="t" for="ch" forName="Accent" refType="w" fact="0"/>
-                      <dgm:constr type="h" for="ch" forName="Accent" refType="w" refFor="ch" refForName="Accent"/>
-                      <dgm:constr type="w" for="ch" forName="Accent" refType="w" fact="0.339"/>
-                      <dgm:constr type="l" for="ch" forName="Parent" refType="w" fact="0.3678"/>
-                      <dgm:constr type="t" for="ch" forName="Parent" refType="w" fact="0.0373"/>
-                      <dgm:constr type="h" for="ch" forName="Parent" refType="w" refFor="ch" refForName="Parent"/>
-                      <dgm:constr type="w" for="ch" forName="Parent" refType="w" fact="0.2644"/>
-                      <dgm:constr type="l" for="ch" forName="Image" refType="w" fact="0"/>
-                      <dgm:constr type="t" for="ch" forName="Image" refType="h" fact="0.035"/>
-                      <dgm:constr type="h" for="ch" forName="Image" refType="h" fact="0.93"/>
-                      <dgm:constr type="w" for="ch" forName="Image" refType="w" fact="0.4169"/>
-                      <dgm:constr type="r" for="ch" forName="Space" refType="w"/>
-                      <dgm:constr type="t" for="ch" forName="Space" refType="h" fact="0"/>
-                      <dgm:constr type="h" for="ch" forName="Space" refType="h"/>
-                      <dgm:constr type="w" for="ch" forName="Space" refType="w" fact="0.3305"/>
-                    </dgm:constrLst>
-                  </dgm:if>
-                  <dgm:else name="Name26">
-                    <dgm:constrLst>
-                      <dgm:constr type="l" for="ch" forName="Accent" refType="w" fact="0.3305"/>
-                      <dgm:constr type="t" for="ch" forName="Accent" refType="w" fact="0"/>
-                      <dgm:constr type="h" for="ch" forName="Accent" refType="w" refFor="ch" refForName="Accent"/>
-                      <dgm:constr type="w" for="ch" forName="Accent" refType="w" fact="0.339"/>
-                      <dgm:constr type="l" for="ch" forName="Parent" refType="w" fact="0.3678"/>
-                      <dgm:constr type="t" for="ch" forName="Parent" refType="w" fact="0.0373"/>
-                      <dgm:constr type="h" for="ch" forName="Parent" refType="w" refFor="ch" refForName="Parent"/>
-                      <dgm:constr type="w" for="ch" forName="Parent" refType="w" fact="0.2644"/>
-                      <dgm:constr type="r" for="ch" forName="Image" refType="w"/>
-                      <dgm:constr type="t" for="ch" forName="Image" refType="h" fact="0.035"/>
-                      <dgm:constr type="h" for="ch" forName="Image" refType="h" fact="0.93"/>
-                      <dgm:constr type="w" for="ch" forName="Image" refType="w" fact="0.4169"/>
-                      <dgm:constr type="l" for="ch" forName="Space" refType="w" fact="0"/>
-                      <dgm:constr type="t" for="ch" forName="Space" refType="h" fact="0"/>
-                      <dgm:constr type="h" for="ch" forName="Space" refType="h"/>
-                      <dgm:constr type="w" for="ch" forName="Space" refType="w" fact="0.3305"/>
-                    </dgm:constrLst>
-                  </dgm:else>
-                </dgm:choose>
-              </dgm:if>
-              <dgm:else name="Name27">
-                <dgm:choose name="Name28">
-                  <dgm:if name="Name29" axis="self" ptType="node" func="posOdd" op="equ" val="1">
-                    <dgm:constrLst>
-                      <dgm:constr type="l" for="ch" forName="Accent" refType="w" fact="0.3305"/>
-                      <dgm:constr type="t" for="ch" forName="Accent" refType="w" fact="0"/>
-                      <dgm:constr type="h" for="ch" forName="Accent" refType="w" refFor="ch" refForName="Accent"/>
-                      <dgm:constr type="w" for="ch" forName="Accent" refType="w" fact="0.339"/>
-                      <dgm:constr type="l" for="ch" forName="Parent" refType="w" fact="0.3678"/>
-                      <dgm:constr type="t" for="ch" forName="Parent" refType="w" fact="0.0373"/>
-                      <dgm:constr type="h" for="ch" forName="Parent" refType="w" refFor="ch" refForName="Parent"/>
-                      <dgm:constr type="w" for="ch" forName="Parent" refType="w" fact="0.2644"/>
-                      <dgm:constr type="r" for="ch" forName="Image" refType="w"/>
-                      <dgm:constr type="t" for="ch" forName="Image" refType="h" fact="0.035"/>
-                      <dgm:constr type="h" for="ch" forName="Image" refType="h" fact="0.93"/>
-                      <dgm:constr type="w" for="ch" forName="Image" refType="w" fact="0.4169"/>
-                      <dgm:constr type="l" for="ch" forName="Space" refType="w" fact="0"/>
-                      <dgm:constr type="t" for="ch" forName="Space" refType="h" fact="0"/>
-                      <dgm:constr type="h" for="ch" forName="Space" refType="h"/>
-                      <dgm:constr type="w" for="ch" forName="Space" refType="w" fact="0.3305"/>
-                    </dgm:constrLst>
-                  </dgm:if>
-                  <dgm:else name="Name30">
-                    <dgm:constrLst>
-                      <dgm:constr type="l" for="ch" forName="Accent" refType="w" fact="0.3305"/>
-                      <dgm:constr type="t" for="ch" forName="Accent" refType="w" fact="0"/>
-                      <dgm:constr type="h" for="ch" forName="Accent" refType="w" refFor="ch" refForName="Accent"/>
-                      <dgm:constr type="w" for="ch" forName="Accent" refType="w" fact="0.339"/>
-                      <dgm:constr type="l" for="ch" forName="Parent" refType="w" fact="0.3678"/>
-                      <dgm:constr type="t" for="ch" forName="Parent" refType="w" fact="0.0373"/>
-                      <dgm:constr type="h" for="ch" forName="Parent" refType="w" refFor="ch" refForName="Parent"/>
-                      <dgm:constr type="w" for="ch" forName="Parent" refType="w" fact="0.2644"/>
-                      <dgm:constr type="l" for="ch" forName="Image" refType="w" fact="0"/>
-                      <dgm:constr type="t" for="ch" forName="Image" refType="h" fact="0.035"/>
-                      <dgm:constr type="h" for="ch" forName="Image" refType="h" fact="0.93"/>
-                      <dgm:constr type="w" for="ch" forName="Image" refType="w" fact="0.4169"/>
-                      <dgm:constr type="r" for="ch" forName="Space" refType="w"/>
-                      <dgm:constr type="t" for="ch" forName="Space" refType="h" fact="0"/>
-                      <dgm:constr type="h" for="ch" forName="Space" refType="h"/>
-                      <dgm:constr type="w" for="ch" forName="Space" refType="w" fact="0.3305"/>
-                    </dgm:constrLst>
-                  </dgm:else>
-                </dgm:choose>
-              </dgm:else>
-            </dgm:choose>
-          </dgm:else>
-        </dgm:choose>
-        <dgm:layoutNode name="Accent" styleLbl="alignNode1">
-          <dgm:varLst>
-            <dgm:chMax val="0"/>
-            <dgm:chPref val="0"/>
-          </dgm:varLst>
-          <dgm:alg type="sp"/>
-          <dgm:shape xmlns:r="http://schemas.openxmlformats.org/officeDocument/2006/relationships" type="donut" r:blip="">
-            <dgm:adjLst>
-              <dgm:adj idx="1" val="0.1101"/>
-            </dgm:adjLst>
-          </dgm:shape>
-          <dgm:presOf/>
-        </dgm:layoutNode>
-        <dgm:layoutNode name="Image" styleLbl="bgImgPlace1">
-          <dgm:varLst>
-            <dgm:chMax val="0"/>
-            <dgm:chPref val="0"/>
-            <dgm:bulletEnabled val="1"/>
-          </dgm:varLst>
-          <dgm:alg type="sp"/>
-          <dgm:shape xmlns:r="http://schemas.openxmlformats.org/officeDocument/2006/relationships" type="rect" r:blip="" blipPhldr="1">
-            <dgm:adjLst/>
-          </dgm:shape>
-          <dgm:presOf/>
-        </dgm:layoutNode>
-        <dgm:layoutNode name="Parent" styleLbl="fgAccFollowNode1">
-          <dgm:varLst>
-            <dgm:chMax val="0"/>
-            <dgm:chPref val="0"/>
-            <dgm:bulletEnabled val="1"/>
-          </dgm:varLst>
-          <dgm:alg type="tx">
-            <dgm:param type="txAnchorVertCh" val="mid"/>
-          </dgm:alg>
-          <dgm:shape xmlns:r="http://schemas.openxmlformats.org/officeDocument/2006/relationships" type="ellipse" r:blip="">
-            <dgm:adjLst/>
-          </dgm:shape>
-          <dgm:presOf axis="desOrSelf" ptType="node"/>
-          <dgm:constrLst>
-            <dgm:constr type="lMarg" refType="primFontSz" fact="0"/>
-            <dgm:constr type="rMarg" refType="primFontSz" fact="0"/>
-            <dgm:constr type="tMarg" refType="primFontSz" fact="0"/>
-            <dgm:constr type="bMarg" refType="primFontSz" fact="0"/>
-          </dgm:constrLst>
-          <dgm:ruleLst>
-            <dgm:rule type="primFontSz" val="5" fact="NaN" max="NaN"/>
-          </dgm:ruleLst>
-        </dgm:layoutNode>
-        <dgm:layoutNode name="Space">
-          <dgm:varLst>
-            <dgm:chMax val="0"/>
-            <dgm:chPref val="0"/>
-          </dgm:varLst>
-          <dgm:alg type="sp"/>
-          <dgm:shape xmlns:r="http://schemas.openxmlformats.org/officeDocument/2006/relationships" r:blip="">
-            <dgm:adjLst/>
-          </dgm:shape>
-          <dgm:presOf/>
-        </dgm:layoutNode>
-      </dgm:layoutNode>
-      <dgm:forEach name="Name31" axis="followSib" ptType="sibTrans" cnt="1">
-        <dgm:layoutNode name="ConnectorComposite">
-          <dgm:alg type="composite">
-            <dgm:param type="ar" val=".4"/>
-          </dgm:alg>
-          <dgm:shape xmlns:r="http://schemas.openxmlformats.org/officeDocument/2006/relationships" r:blip="">
-            <dgm:adjLst/>
-          </dgm:shape>
-          <dgm:constrLst>
-            <dgm:constr type="l" for="ch" forName="TopSpacing" refType="w" fact="0"/>
-            <dgm:constr type="t" for="ch" forName="TopSpacing" refType="h" fact="0"/>
-            <dgm:constr type="h" for="ch" forName="TopSpacing" refType="h" fact="0.3"/>
-            <dgm:constr type="w" for="ch" forName="TopSpacing" refType="w"/>
-            <dgm:constr type="l" for="ch" forName="Connector" refType="w" fact="0"/>
-            <dgm:constr type="t" for="ch" forName="Connector" refType="h" fact="0.3"/>
-            <dgm:constr type="h" for="ch" forName="Connector" refType="h" fact="0.4"/>
-            <dgm:constr type="w" for="ch" forName="Connector" refType="h" refFor="ch" refForName="Connector"/>
-            <dgm:constr type="l" for="ch" forName="BottomSpacing" refType="w" fact="0"/>
-            <dgm:constr type="t" for="ch" forName="BottomSpacing" refType="h" fact="0.7"/>
-            <dgm:constr type="h" for="ch" forName="BottomSpacing" refType="h" fact="0.3"/>
-            <dgm:constr type="w" for="ch" forName="BottomSpacing" refType="w"/>
-          </dgm:constrLst>
-          <dgm:layoutNode name="TopSpacing">
-            <dgm:alg type="sp"/>
-            <dgm:shape xmlns:r="http://schemas.openxmlformats.org/officeDocument/2006/relationships" r:blip="">
-              <dgm:adjLst/>
-            </dgm:shape>
-          </dgm:layoutNode>
-          <dgm:layoutNode name="Connector" styleLbl="alignNode1">
-            <dgm:alg type="sp"/>
-            <dgm:shape xmlns:r="http://schemas.openxmlformats.org/officeDocument/2006/relationships" type="flowChartConnector" r:blip="">
-              <dgm:adjLst/>
-            </dgm:shape>
-            <dgm:presOf/>
-          </dgm:layoutNode>
-          <dgm:layoutNode name="BottomSpacing">
-            <dgm:alg type="sp"/>
-            <dgm:shape xmlns:r="http://schemas.openxmlformats.org/officeDocument/2006/relationships" r:blip="">
-              <dgm:adjLst/>
-            </dgm:shape>
-          </dgm:layoutNode>
-        </dgm:layoutNode>
-      </dgm:forEach>
-    </dgm:forEach>
-  </dgm:layoutNode>
-</dgm:layoutDef>
-</file>
-
-<file path=ppt/diagrams/quickStyle1.xml><?xml version="1.0" encoding="utf-8"?>
-<dgm:styleDef xmlns:dgm="http://schemas.openxmlformats.org/drawingml/2006/diagram" xmlns:a="http://schemas.openxmlformats.org/drawingml/2006/main" uniqueId="urn:microsoft.com/office/officeart/2005/8/quickstyle/simple1">
-  <dgm:title val=""/>
-  <dgm:desc val=""/>
-  <dgm:catLst>
-    <dgm:cat type="simple" pri="10100"/>
-  </dgm:catLst>
-  <dgm:scene3d>
-    <a:camera prst="orthographicFront"/>
-    <a:lightRig rig="threePt" dir="t"/>
-  </dgm:scene3d>
-  <dgm:styleLbl name="node0">
-    <dgm:scene3d>
-      <a:camera prst="orthographicFront"/>
-      <a:lightRig rig="threePt" dir="t"/>
-    </dgm:scene3d>
-    <dgm:sp3d/>
-    <dgm:txPr/>
-    <dgm:style>
-      <a:lnRef idx="2">
-        <a:scrgbClr r="0" g="0" b="0"/>
-      </a:lnRef>
-      <a:fillRef idx="1">
-        <a:scrgbClr r="0" g="0" b="0"/>
-      </a:fillRef>
-      <a:effectRef idx="0">
-        <a:scrgbClr r="0" g="0" b="0"/>
-      </a:effectRef>
-      <a:fontRef idx="minor">
-        <a:schemeClr val="lt1"/>
-      </a:fontRef>
-    </dgm:style>
-  </dgm:styleLbl>
-  <dgm:styleLbl name="lnNode1">
-    <dgm:scene3d>
-      <a:camera prst="orthographicFront"/>
-      <a:lightRig rig="threePt" dir="t"/>
-    </dgm:scene3d>
-    <dgm:sp3d/>
-    <dgm:txPr/>
-    <dgm:style>
-      <a:lnRef idx="2">
-        <a:scrgbClr r="0" g="0" b="0"/>
-      </a:lnRef>
-      <a:fillRef idx="1">
-        <a:scrgbClr r="0" g="0" b="0"/>
-      </a:fillRef>
-      <a:effectRef idx="0">
-        <a:scrgbClr r="0" g="0" b="0"/>
-      </a:effectRef>
-      <a:fontRef idx="minor">
-        <a:schemeClr val="lt1"/>
-      </a:fontRef>
-    </dgm:style>
-  </dgm:styleLbl>
-  <dgm:styleLbl name="vennNode1">
-    <dgm:scene3d>
-      <a:camera prst="orthographicFront"/>
-      <a:lightRig rig="threePt" dir="t"/>
-    </dgm:scene3d>
-    <dgm:sp3d/>
-    <dgm:txPr/>
-    <dgm:style>
-      <a:lnRef idx="2">
-        <a:scrgbClr r="0" g="0" b="0"/>
-      </a:lnRef>
-      <a:fillRef idx="1">
-        <a:scrgbClr r="0" g="0" b="0"/>
-      </a:fillRef>
-      <a:effectRef idx="0">
-        <a:scrgbClr r="0" g="0" b="0"/>
-      </a:effectRef>
-      <a:fontRef idx="minor">
-        <a:schemeClr val="tx1"/>
-      </a:fontRef>
-    </dgm:style>
-  </dgm:styleLbl>
-  <dgm:styleLbl name="alignNode1">
-    <dgm:scene3d>
-      <a:camera prst="orthographicFront"/>
-      <a:lightRig rig="threePt" dir="t"/>
-    </dgm:scene3d>
-    <dgm:sp3d/>
-    <dgm:txPr/>
-    <dgm:style>
-      <a:lnRef idx="2">
-        <a:scrgbClr r="0" g="0" b="0"/>
-      </a:lnRef>
-      <a:fillRef idx="1">
-        <a:scrgbClr r="0" g="0" b="0"/>
-      </a:fillRef>
-      <a:effectRef idx="0">
-        <a:scrgbClr r="0" g="0" b="0"/>
-      </a:effectRef>
-      <a:fontRef idx="minor">
-        <a:schemeClr val="lt1"/>
-      </a:fontRef>
-    </dgm:style>
-  </dgm:styleLbl>
-  <dgm:styleLbl name="node1">
-    <dgm:scene3d>
-      <a:camera prst="orthographicFront"/>
-      <a:lightRig rig="threePt" dir="t"/>
-    </dgm:scene3d>
-    <dgm:sp3d/>
-    <dgm:txPr/>
-    <dgm:style>
-      <a:lnRef idx="2">
-        <a:scrgbClr r="0" g="0" b="0"/>
-      </a:lnRef>
-      <a:fillRef idx="1">
-        <a:scrgbClr r="0" g="0" b="0"/>
-      </a:fillRef>
-      <a:effectRef idx="0">
-        <a:scrgbClr r="0" g="0" b="0"/>
-      </a:effectRef>
-      <a:fontRef idx="minor">
-        <a:schemeClr val="lt1"/>
-      </a:fontRef>
-    </dgm:style>
-  </dgm:styleLbl>
-  <dgm:styleLbl name="node2">
-    <dgm:scene3d>
-      <a:camera prst="orthographicFront"/>
-      <a:lightRig rig="threePt" dir="t"/>
-    </dgm:scene3d>
-    <dgm:sp3d/>
-    <dgm:txPr/>
-    <dgm:style>
-      <a:lnRef idx="2">
-        <a:scrgbClr r="0" g="0" b="0"/>
-      </a:lnRef>
-      <a:fillRef idx="1">
-        <a:scrgbClr r="0" g="0" b="0"/>
-      </a:fillRef>
-      <a:effectRef idx="0">
-        <a:scrgbClr r="0" g="0" b="0"/>
-      </a:effectRef>
-      <a:fontRef idx="minor">
-        <a:schemeClr val="lt1"/>
-      </a:fontRef>
-    </dgm:style>
-  </dgm:styleLbl>
-  <dgm:styleLbl name="node3">
-    <dgm:scene3d>
-      <a:camera prst="orthographicFront"/>
-      <a:lightRig rig="threePt" dir="t"/>
-    </dgm:scene3d>
-    <dgm:sp3d/>
-    <dgm:txPr/>
-    <dgm:style>
-      <a:lnRef idx="2">
-        <a:scrgbClr r="0" g="0" b="0"/>
-      </a:lnRef>
-      <a:fillRef idx="1">
-        <a:scrgbClr r="0" g="0" b="0"/>
-      </a:fillRef>
-      <a:effectRef idx="0">
-        <a:scrgbClr r="0" g="0" b="0"/>
-      </a:effectRef>
-      <a:fontRef idx="minor">
-        <a:schemeClr val="lt1"/>
-      </a:fontRef>
-    </dgm:style>
-  </dgm:styleLbl>
-  <dgm:styleLbl name="node4">
-    <dgm:scene3d>
-      <a:camera prst="orthographicFront"/>
-      <a:lightRig rig="threePt" dir="t"/>
-    </dgm:scene3d>
-    <dgm:sp3d/>
-    <dgm:txPr/>
-    <dgm:style>
-      <a:lnRef idx="2">
-        <a:scrgbClr r="0" g="0" b="0"/>
-      </a:lnRef>
-      <a:fillRef idx="1">
-        <a:scrgbClr r="0" g="0" b="0"/>
-      </a:fillRef>
-      <a:effectRef idx="0">
-        <a:scrgbClr r="0" g="0" b="0"/>
-      </a:effectRef>
-      <a:fontRef idx="minor">
-        <a:schemeClr val="lt1"/>
-      </a:fontRef>
-    </dgm:style>
-  </dgm:styleLbl>
-  <dgm:styleLbl name="fgImgPlace1">
-    <dgm:scene3d>
-      <a:camera prst="orthographicFront"/>
-      <a:lightRig rig="threePt" dir="t"/>
-    </dgm:scene3d>
-    <dgm:sp3d/>
-    <dgm:txPr/>
-    <dgm:style>
-      <a:lnRef idx="2">
-        <a:scrgbClr r="0" g="0" b="0"/>
-      </a:lnRef>
-      <a:fillRef idx="1">
-        <a:scrgbClr r="0" g="0" b="0"/>
-      </a:fillRef>
-      <a:effectRef idx="0">
-        <a:scrgbClr r="0" g="0" b="0"/>
-      </a:effectRef>
-      <a:fontRef idx="minor"/>
-    </dgm:style>
-  </dgm:styleLbl>
-  <dgm:styleLbl name="alignImgPlace1">
-    <dgm:scene3d>
-      <a:camera prst="orthographicFront"/>
-      <a:lightRig rig="threePt" dir="t"/>
-    </dgm:scene3d>
-    <dgm:sp3d/>
-    <dgm:txPr/>
-    <dgm:style>
-      <a:lnRef idx="2">
-        <a:scrgbClr r="0" g="0" b="0"/>
-      </a:lnRef>
-      <a:fillRef idx="1">
-        <a:scrgbClr r="0" g="0" b="0"/>
-      </a:fillRef>
-      <a:effectRef idx="0">
-        <a:scrgbClr r="0" g="0" b="0"/>
-      </a:effectRef>
-      <a:fontRef idx="minor"/>
-    </dgm:style>
-  </dgm:styleLbl>
-  <dgm:styleLbl name="bgImgPlace1">
-    <dgm:scene3d>
-      <a:camera prst="orthographicFront"/>
-      <a:lightRig rig="threePt" dir="t"/>
-    </dgm:scene3d>
-    <dgm:sp3d/>
-    <dgm:txPr/>
-    <dgm:style>
-      <a:lnRef idx="2">
-        <a:scrgbClr r="0" g="0" b="0"/>
-      </a:lnRef>
-      <a:fillRef idx="1">
-        <a:scrgbClr r="0" g="0" b="0"/>
-      </a:fillRef>
-      <a:effectRef idx="0">
-        <a:scrgbClr r="0" g="0" b="0"/>
-      </a:effectRef>
-      <a:fontRef idx="minor"/>
-    </dgm:style>
-  </dgm:styleLbl>
-  <dgm:styleLbl name="sibTrans2D1">
-    <dgm:scene3d>
-      <a:camera prst="orthographicFront"/>
-      <a:lightRig rig="threePt" dir="t"/>
-    </dgm:scene3d>
-    <dgm:sp3d/>
-    <dgm:txPr/>
-    <dgm:style>
-      <a:lnRef idx="0">
-        <a:scrgbClr r="0" g="0" b="0"/>
-      </a:lnRef>
-      <a:fillRef idx="1">
-        <a:scrgbClr r="0" g="0" b="0"/>
-      </a:fillRef>
-      <a:effectRef idx="0">
-        <a:scrgbClr r="0" g="0" b="0"/>
-      </a:effectRef>
-      <a:fontRef idx="minor">
-        <a:schemeClr val="lt1"/>
-      </a:fontRef>
-    </dgm:style>
-  </dgm:styleLbl>
-  <dgm:styleLbl name="fgSibTrans2D1">
-    <dgm:scene3d>
-      <a:camera prst="orthographicFront"/>
-      <a:lightRig rig="threePt" dir="t"/>
-    </dgm:scene3d>
-    <dgm:sp3d/>
-    <dgm:txPr/>
-    <dgm:style>
-      <a:lnRef idx="0">
-        <a:scrgbClr r="0" g="0" b="0"/>
-      </a:lnRef>
-      <a:fillRef idx="1">
-        <a:scrgbClr r="0" g="0" b="0"/>
-      </a:fillRef>
-      <a:effectRef idx="0">
-        <a:scrgbClr r="0" g="0" b="0"/>
-      </a:effectRef>
-      <a:fontRef idx="minor">
-        <a:schemeClr val="lt1"/>
-      </a:fontRef>
-    </dgm:style>
-  </dgm:styleLbl>
-  <dgm:styleLbl name="bgSibTrans2D1">
-    <dgm:scene3d>
-      <a:camera prst="orthographicFront"/>
-      <a:lightRig rig="threePt" dir="t"/>
-    </dgm:scene3d>
-    <dgm:sp3d/>
-    <dgm:txPr/>
-    <dgm:style>
-      <a:lnRef idx="0">
-        <a:scrgbClr r="0" g="0" b="0"/>
-      </a:lnRef>
-      <a:fillRef idx="1">
-        <a:scrgbClr r="0" g="0" b="0"/>
-      </a:fillRef>
-      <a:effectRef idx="0">
-        <a:scrgbClr r="0" g="0" b="0"/>
-      </a:effectRef>
-      <a:fontRef idx="minor">
-        <a:schemeClr val="lt1"/>
-      </a:fontRef>
-    </dgm:style>
-  </dgm:styleLbl>
-  <dgm:styleLbl name="sibTrans1D1">
-    <dgm:scene3d>
-      <a:camera prst="orthographicFront"/>
-      <a:lightRig rig="threePt" dir="t"/>
-    </dgm:scene3d>
-    <dgm:sp3d/>
-    <dgm:txPr/>
-    <dgm:style>
-      <a:lnRef idx="1">
-        <a:scrgbClr r="0" g="0" b="0"/>
-      </a:lnRef>
-      <a:fillRef idx="0">
-        <a:scrgbClr r="0" g="0" b="0"/>
-      </a:fillRef>
-      <a:effectRef idx="0">
-        <a:scrgbClr r="0" g="0" b="0"/>
-      </a:effectRef>
-      <a:fontRef idx="minor"/>
-    </dgm:style>
-  </dgm:styleLbl>
-  <dgm:styleLbl name="callout">
-    <dgm:scene3d>
-      <a:camera prst="orthographicFront"/>
-      <a:lightRig rig="threePt" dir="t"/>
-    </dgm:scene3d>
-    <dgm:sp3d/>
-    <dgm:txPr/>
-    <dgm:style>
-      <a:lnRef idx="2">
-        <a:scrgbClr r="0" g="0" b="0"/>
-      </a:lnRef>
-      <a:fillRef idx="1">
-        <a:scrgbClr r="0" g="0" b="0"/>
-      </a:fillRef>
-      <a:effectRef idx="0">
-        <a:scrgbClr r="0" g="0" b="0"/>
-      </a:effectRef>
-      <a:fontRef idx="minor"/>
-    </dgm:style>
-  </dgm:styleLbl>
-  <dgm:styleLbl name="asst0">
-    <dgm:scene3d>
-      <a:camera prst="orthographicFront"/>
-      <a:lightRig rig="threePt" dir="t"/>
-    </dgm:scene3d>
-    <dgm:sp3d/>
-    <dgm:txPr/>
-    <dgm:style>
-      <a:lnRef idx="2">
-        <a:scrgbClr r="0" g="0" b="0"/>
-      </a:lnRef>
-      <a:fillRef idx="1">
-        <a:scrgbClr r="0" g="0" b="0"/>
-      </a:fillRef>
-      <a:effectRef idx="0">
-        <a:scrgbClr r="0" g="0" b="0"/>
-      </a:effectRef>
-      <a:fontRef idx="minor">
-        <a:schemeClr val="lt1"/>
-      </a:fontRef>
-    </dgm:style>
-  </dgm:styleLbl>
-  <dgm:styleLbl name="asst1">
-    <dgm:scene3d>
-      <a:camera prst="orthographicFront"/>
-      <a:lightRig rig="threePt" dir="t"/>
-    </dgm:scene3d>
-    <dgm:sp3d/>
-    <dgm:txPr/>
-    <dgm:style>
-      <a:lnRef idx="2">
-        <a:scrgbClr r="0" g="0" b="0"/>
-      </a:lnRef>
-      <a:fillRef idx="1">
-        <a:scrgbClr r="0" g="0" b="0"/>
-      </a:fillRef>
-      <a:effectRef idx="0">
-        <a:scrgbClr r="0" g="0" b="0"/>
-      </a:effectRef>
-      <a:fontRef idx="minor">
-        <a:schemeClr val="lt1"/>
-      </a:fontRef>
-    </dgm:style>
-  </dgm:styleLbl>
-  <dgm:styleLbl name="asst2">
-    <dgm:scene3d>
-      <a:camera prst="orthographicFront"/>
-      <a:lightRig rig="threePt" dir="t"/>
-    </dgm:scene3d>
-    <dgm:sp3d/>
-    <dgm:txPr/>
-    <dgm:style>
-      <a:lnRef idx="2">
-        <a:scrgbClr r="0" g="0" b="0"/>
-      </a:lnRef>
-      <a:fillRef idx="1">
-        <a:scrgbClr r="0" g="0" b="0"/>
-      </a:fillRef>
-      <a:effectRef idx="0">
-        <a:scrgbClr r="0" g="0" b="0"/>
-      </a:effectRef>
-      <a:fontRef idx="minor">
-        <a:schemeClr val="lt1"/>
-      </a:fontRef>
-    </dgm:style>
-  </dgm:styleLbl>
-  <dgm:styleLbl name="asst3">
-    <dgm:scene3d>
-      <a:camera prst="orthographicFront"/>
-      <a:lightRig rig="threePt" dir="t"/>
-    </dgm:scene3d>
-    <dgm:sp3d/>
-    <dgm:txPr/>
-    <dgm:style>
-      <a:lnRef idx="2">
-        <a:scrgbClr r="0" g="0" b="0"/>
-      </a:lnRef>
-      <a:fillRef idx="1">
-        <a:scrgbClr r="0" g="0" b="0"/>
-      </a:fillRef>
-      <a:effectRef idx="0">
-        <a:scrgbClr r="0" g="0" b="0"/>
-      </a:effectRef>
-      <a:fontRef idx="minor">
-        <a:schemeClr val="lt1"/>
-      </a:fontRef>
-    </dgm:style>
-  </dgm:styleLbl>
-  <dgm:styleLbl name="asst4">
-    <dgm:scene3d>
-      <a:camera prst="orthographicFront"/>
-      <a:lightRig rig="threePt" dir="t"/>
-    </dgm:scene3d>
-    <dgm:sp3d/>
-    <dgm:txPr/>
-    <dgm:style>
-      <a:lnRef idx="2">
-        <a:scrgbClr r="0" g="0" b="0"/>
-      </a:lnRef>
-      <a:fillRef idx="1">
-        <a:scrgbClr r="0" g="0" b="0"/>
-      </a:fillRef>
-      <a:effectRef idx="0">
-        <a:scrgbClr r="0" g="0" b="0"/>
-      </a:effectRef>
-      <a:fontRef idx="minor">
-        <a:schemeClr val="lt1"/>
-      </a:fontRef>
-    </dgm:style>
-  </dgm:styleLbl>
-  <dgm:styleLbl name="parChTrans2D1">
-    <dgm:scene3d>
-      <a:camera prst="orthographicFront"/>
-      <a:lightRig rig="threePt" dir="t"/>
-    </dgm:scene3d>
-    <dgm:sp3d/>
-    <dgm:txPr/>
-    <dgm:style>
-      <a:lnRef idx="2">
-        <a:scrgbClr r="0" g="0" b="0"/>
-      </a:lnRef>
-      <a:fillRef idx="1">
-        <a:scrgbClr r="0" g="0" b="0"/>
-      </a:fillRef>
-      <a:effectRef idx="0">
-        <a:scrgbClr r="0" g="0" b="0"/>
-      </a:effectRef>
-      <a:fontRef idx="minor">
-        <a:schemeClr val="lt1"/>
-      </a:fontRef>
-    </dgm:style>
-  </dgm:styleLbl>
-  <dgm:styleLbl name="parChTrans2D2">
-    <dgm:scene3d>
-      <a:camera prst="orthographicFront"/>
-      <a:lightRig rig="threePt" dir="t"/>
-    </dgm:scene3d>
-    <dgm:sp3d/>
-    <dgm:txPr/>
-    <dgm:style>
-      <a:lnRef idx="2">
-        <a:scrgbClr r="0" g="0" b="0"/>
-      </a:lnRef>
-      <a:fillRef idx="1">
-        <a:scrgbClr r="0" g="0" b="0"/>
-      </a:fillRef>
-      <a:effectRef idx="0">
-        <a:scrgbClr r="0" g="0" b="0"/>
-      </a:effectRef>
-      <a:fontRef idx="minor">
-        <a:schemeClr val="lt1"/>
-      </a:fontRef>
-    </dgm:style>
-  </dgm:styleLbl>
-  <dgm:styleLbl name="parChTrans2D3">
-    <dgm:scene3d>
-      <a:camera prst="orthographicFront"/>
-      <a:lightRig rig="threePt" dir="t"/>
-    </dgm:scene3d>
-    <dgm:sp3d/>
-    <dgm:txPr/>
-    <dgm:style>
-      <a:lnRef idx="2">
-        <a:scrgbClr r="0" g="0" b="0"/>
-      </a:lnRef>
-      <a:fillRef idx="1">
-        <a:scrgbClr r="0" g="0" b="0"/>
-      </a:fillRef>
-      <a:effectRef idx="0">
-        <a:scrgbClr r="0" g="0" b="0"/>
-      </a:effectRef>
-      <a:fontRef idx="minor">
-        <a:schemeClr val="lt1"/>
-      </a:fontRef>
-    </dgm:style>
-  </dgm:styleLbl>
-  <dgm:styleLbl name="parChTrans2D4">
-    <dgm:scene3d>
-      <a:camera prst="orthographicFront"/>
-      <a:lightRig rig="threePt" dir="t"/>
-    </dgm:scene3d>
-    <dgm:sp3d/>
-    <dgm:txPr/>
-    <dgm:style>
-      <a:lnRef idx="2">
-        <a:scrgbClr r="0" g="0" b="0"/>
-      </a:lnRef>
-      <a:fillRef idx="1">
-        <a:scrgbClr r="0" g="0" b="0"/>
-      </a:fillRef>
-      <a:effectRef idx="0">
-        <a:scrgbClr r="0" g="0" b="0"/>
-      </a:effectRef>
-      <a:fontRef idx="minor">
-        <a:schemeClr val="lt1"/>
-      </a:fontRef>
-    </dgm:style>
-  </dgm:styleLbl>
-  <dgm:styleLbl name="parChTrans1D1">
-    <dgm:scene3d>
-      <a:camera prst="orthographicFront"/>
-      <a:lightRig rig="threePt" dir="t"/>
-    </dgm:scene3d>
-    <dgm:sp3d/>
-    <dgm:txPr/>
-    <dgm:style>
-      <a:lnRef idx="2">
-        <a:scrgbClr r="0" g="0" b="0"/>
-      </a:lnRef>
-      <a:fillRef idx="0">
-        <a:scrgbClr r="0" g="0" b="0"/>
-      </a:fillRef>
-      <a:effectRef idx="0">
-        <a:scrgbClr r="0" g="0" b="0"/>
-      </a:effectRef>
-      <a:fontRef idx="minor"/>
-    </dgm:style>
-  </dgm:styleLbl>
-  <dgm:styleLbl name="parChTrans1D2">
-    <dgm:scene3d>
-      <a:camera prst="orthographicFront"/>
-      <a:lightRig rig="threePt" dir="t"/>
-    </dgm:scene3d>
-    <dgm:sp3d/>
-    <dgm:txPr/>
-    <dgm:style>
-      <a:lnRef idx="2">
-        <a:scrgbClr r="0" g="0" b="0"/>
-      </a:lnRef>
-      <a:fillRef idx="0">
-        <a:scrgbClr r="0" g="0" b="0"/>
-      </a:fillRef>
-      <a:effectRef idx="0">
-        <a:scrgbClr r="0" g="0" b="0"/>
-      </a:effectRef>
-      <a:fontRef idx="minor"/>
-    </dgm:style>
-  </dgm:styleLbl>
-  <dgm:styleLbl name="parChTrans1D3">
-    <dgm:scene3d>
-      <a:camera prst="orthographicFront"/>
-      <a:lightRig rig="threePt" dir="t"/>
-    </dgm:scene3d>
-    <dgm:sp3d/>
-    <dgm:txPr/>
-    <dgm:style>
-      <a:lnRef idx="2">
-        <a:scrgbClr r="0" g="0" b="0"/>
-      </a:lnRef>
-      <a:fillRef idx="0">
-        <a:scrgbClr r="0" g="0" b="0"/>
-      </a:fillRef>
-      <a:effectRef idx="0">
-        <a:scrgbClr r="0" g="0" b="0"/>
-      </a:effectRef>
-      <a:fontRef idx="minor"/>
-    </dgm:style>
-  </dgm:styleLbl>
-  <dgm:styleLbl name="parChTrans1D4">
-    <dgm:scene3d>
-      <a:camera prst="orthographicFront"/>
-      <a:lightRig rig="threePt" dir="t"/>
-    </dgm:scene3d>
-    <dgm:sp3d/>
-    <dgm:txPr/>
-    <dgm:style>
-      <a:lnRef idx="2">
-        <a:scrgbClr r="0" g="0" b="0"/>
-      </a:lnRef>
-      <a:fillRef idx="0">
-        <a:scrgbClr r="0" g="0" b="0"/>
-      </a:fillRef>
-      <a:effectRef idx="0">
-        <a:scrgbClr r="0" g="0" b="0"/>
-      </a:effectRef>
-      <a:fontRef idx="minor"/>
-    </dgm:style>
-  </dgm:styleLbl>
-  <dgm:styleLbl name="fgAcc1">
-    <dgm:scene3d>
-      <a:camera prst="orthographicFront"/>
-      <a:lightRig rig="threePt" dir="t"/>
-    </dgm:scene3d>
-    <dgm:sp3d/>
-    <dgm:txPr/>
-    <dgm:style>
-      <a:lnRef idx="2">
-        <a:scrgbClr r="0" g="0" b="0"/>
-      </a:lnRef>
-      <a:fillRef idx="1">
-        <a:scrgbClr r="0" g="0" b="0"/>
-      </a:fillRef>
-      <a:effectRef idx="0">
-        <a:scrgbClr r="0" g="0" b="0"/>
-      </a:effectRef>
-      <a:fontRef idx="minor"/>
-    </dgm:style>
-  </dgm:styleLbl>
-  <dgm:styleLbl name="conFgAcc1">
-    <dgm:scene3d>
-      <a:camera prst="orthographicFront"/>
-      <a:lightRig rig="threePt" dir="t"/>
-    </dgm:scene3d>
-    <dgm:sp3d/>
-    <dgm:txPr/>
-    <dgm:style>
-      <a:lnRef idx="2">
-        <a:scrgbClr r="0" g="0" b="0"/>
-      </a:lnRef>
-      <a:fillRef idx="1">
-        <a:scrgbClr r="0" g="0" b="0"/>
-      </a:fillRef>
-      <a:effectRef idx="0">
-        <a:scrgbClr r="0" g="0" b="0"/>
-      </a:effectRef>
-      <a:fontRef idx="minor"/>
-    </dgm:style>
-  </dgm:styleLbl>
-  <dgm:styleLbl name="alignAcc1">
-    <dgm:scene3d>
-      <a:camera prst="orthographicFront"/>
-      <a:lightRig rig="threePt" dir="t"/>
-    </dgm:scene3d>
-    <dgm:sp3d/>
-    <dgm:txPr/>
-    <dgm:style>
-      <a:lnRef idx="2">
-        <a:scrgbClr r="0" g="0" b="0"/>
-      </a:lnRef>
-      <a:fillRef idx="1">
-        <a:scrgbClr r="0" g="0" b="0"/>
-      </a:fillRef>
-      <a:effectRef idx="0">
-        <a:scrgbClr r="0" g="0" b="0"/>
-      </a:effectRef>
-      <a:fontRef idx="minor"/>
-    </dgm:style>
-  </dgm:styleLbl>
-  <dgm:styleLbl name="trAlignAcc1">
-    <dgm:scene3d>
-      <a:camera prst="orthographicFront"/>
-      <a:lightRig rig="threePt" dir="t"/>
-    </dgm:scene3d>
-    <dgm:sp3d/>
-    <dgm:txPr/>
-    <dgm:style>
-      <a:lnRef idx="1">
-        <a:scrgbClr r="0" g="0" b="0"/>
-      </a:lnRef>
-      <a:fillRef idx="1">
-        <a:scrgbClr r="0" g="0" b="0"/>
-      </a:fillRef>
-      <a:effectRef idx="0">
-        <a:scrgbClr r="0" g="0" b="0"/>
-      </a:effectRef>
-      <a:fontRef idx="minor"/>
-    </dgm:style>
-  </dgm:styleLbl>
-  <dgm:styleLbl name="bgAcc1">
-    <dgm:scene3d>
-      <a:camera prst="orthographicFront"/>
-      <a:lightRig rig="threePt" dir="t"/>
-    </dgm:scene3d>
-    <dgm:sp3d/>
-    <dgm:txPr/>
-    <dgm:style>
-      <a:lnRef idx="2">
-        <a:scrgbClr r="0" g="0" b="0"/>
-      </a:lnRef>
-      <a:fillRef idx="1">
-        <a:scrgbClr r="0" g="0" b="0"/>
-      </a:fillRef>
-      <a:effectRef idx="0">
-        <a:scrgbClr r="0" g="0" b="0"/>
-      </a:effectRef>
-      <a:fontRef idx="minor"/>
-    </dgm:style>
-  </dgm:styleLbl>
-  <dgm:styleLbl name="solidFgAcc1">
-    <dgm:scene3d>
-      <a:camera prst="orthographicFront"/>
-      <a:lightRig rig="threePt" dir="t"/>
-    </dgm:scene3d>
-    <dgm:sp3d/>
-    <dgm:txPr/>
-    <dgm:style>
-      <a:lnRef idx="2">
-        <a:scrgbClr r="0" g="0" b="0"/>
-      </a:lnRef>
-      <a:fillRef idx="1">
-        <a:scrgbClr r="0" g="0" b="0"/>
-      </a:fillRef>
-      <a:effectRef idx="0">
-        <a:scrgbClr r="0" g="0" b="0"/>
-      </a:effectRef>
-      <a:fontRef idx="minor"/>
-    </dgm:style>
-  </dgm:styleLbl>
-  <dgm:styleLbl name="solidAlignAcc1">
-    <dgm:scene3d>
-      <a:camera prst="orthographicFront"/>
-      <a:lightRig rig="threePt" dir="t"/>
-    </dgm:scene3d>
-    <dgm:sp3d/>
-    <dgm:txPr/>
-    <dgm:style>
-      <a:lnRef idx="2">
-        <a:scrgbClr r="0" g="0" b="0"/>
-      </a:lnRef>
-      <a:fillRef idx="1">
-        <a:scrgbClr r="0" g="0" b="0"/>
-      </a:fillRef>
-      <a:effectRef idx="0">
-        <a:scrgbClr r="0" g="0" b="0"/>
-      </a:effectRef>
-      <a:fontRef idx="minor"/>
-    </dgm:style>
-  </dgm:styleLbl>
-  <dgm:styleLbl name="solidBgAcc1">
-    <dgm:scene3d>
-      <a:camera prst="orthographicFront"/>
-      <a:lightRig rig="threePt" dir="t"/>
-    </dgm:scene3d>
-    <dgm:sp3d/>
-    <dgm:txPr/>
-    <dgm:style>
-      <a:lnRef idx="2">
-        <a:scrgbClr r="0" g="0" b="0"/>
-      </a:lnRef>
-      <a:fillRef idx="1">
-        <a:scrgbClr r="0" g="0" b="0"/>
-      </a:fillRef>
-      <a:effectRef idx="0">
-        <a:scrgbClr r="0" g="0" b="0"/>
-      </a:effectRef>
-      <a:fontRef idx="minor"/>
-    </dgm:style>
-  </dgm:styleLbl>
-  <dgm:styleLbl name="fgAccFollowNode1">
-    <dgm:scene3d>
-      <a:camera prst="orthographicFront"/>
-      <a:lightRig rig="threePt" dir="t"/>
-    </dgm:scene3d>
-    <dgm:sp3d/>
-    <dgm:txPr/>
-    <dgm:style>
-      <a:lnRef idx="2">
-        <a:scrgbClr r="0" g="0" b="0"/>
-      </a:lnRef>
-      <a:fillRef idx="1">
-        <a:scrgbClr r="0" g="0" b="0"/>
-      </a:fillRef>
-      <a:effectRef idx="0">
-        <a:scrgbClr r="0" g="0" b="0"/>
-      </a:effectRef>
-      <a:fontRef idx="minor"/>
-    </dgm:style>
-  </dgm:styleLbl>
-  <dgm:styleLbl name="alignAccFollowNode1">
-    <dgm:scene3d>
-      <a:camera prst="orthographicFront"/>
-      <a:lightRig rig="threePt" dir="t"/>
-    </dgm:scene3d>
-    <dgm:sp3d/>
-    <dgm:txPr/>
-    <dgm:style>
-      <a:lnRef idx="2">
-        <a:scrgbClr r="0" g="0" b="0"/>
-      </a:lnRef>
-      <a:fillRef idx="1">
-        <a:scrgbClr r="0" g="0" b="0"/>
-      </a:fillRef>
-      <a:effectRef idx="0">
-        <a:scrgbClr r="0" g="0" b="0"/>
-      </a:effectRef>
-      <a:fontRef idx="minor"/>
-    </dgm:style>
-  </dgm:styleLbl>
-  <dgm:styleLbl name="bgAccFollowNode1">
-    <dgm:scene3d>
-      <a:camera prst="orthographicFront"/>
-      <a:lightRig rig="threePt" dir="t"/>
-    </dgm:scene3d>
-    <dgm:sp3d/>
-    <dgm:txPr/>
-    <dgm:style>
-      <a:lnRef idx="2">
-        <a:scrgbClr r="0" g="0" b="0"/>
-      </a:lnRef>
-      <a:fillRef idx="1">
-        <a:scrgbClr r="0" g="0" b="0"/>
-      </a:fillRef>
-      <a:effectRef idx="0">
-        <a:scrgbClr r="0" g="0" b="0"/>
-      </a:effectRef>
-      <a:fontRef idx="minor"/>
-    </dgm:style>
-  </dgm:styleLbl>
-  <dgm:styleLbl name="fgAcc0">
-    <dgm:scene3d>
-      <a:camera prst="orthographicFront"/>
-      <a:lightRig rig="threePt" dir="t"/>
-    </dgm:scene3d>
-    <dgm:sp3d/>
-    <dgm:txPr/>
-    <dgm:style>
-      <a:lnRef idx="2">
-        <a:scrgbClr r="0" g="0" b="0"/>
-      </a:lnRef>
-      <a:fillRef idx="1">
-        <a:scrgbClr r="0" g="0" b="0"/>
-      </a:fillRef>
-      <a:effectRef idx="0">
-        <a:scrgbClr r="0" g="0" b="0"/>
-      </a:effectRef>
-      <a:fontRef idx="minor"/>
-    </dgm:style>
-  </dgm:styleLbl>
-  <dgm:styleLbl name="fgAcc2">
-    <dgm:scene3d>
-      <a:camera prst="orthographicFront"/>
-      <a:lightRig rig="threePt" dir="t"/>
-    </dgm:scene3d>
-    <dgm:sp3d/>
-    <dgm:txPr/>
-    <dgm:style>
-      <a:lnRef idx="2">
-        <a:scrgbClr r="0" g="0" b="0"/>
-      </a:lnRef>
-      <a:fillRef idx="1">
-        <a:scrgbClr r="0" g="0" b="0"/>
-      </a:fillRef>
-      <a:effectRef idx="0">
-        <a:scrgbClr r="0" g="0" b="0"/>
-      </a:effectRef>
-      <a:fontRef idx="minor"/>
-    </dgm:style>
-  </dgm:styleLbl>
-  <dgm:styleLbl name="fgAcc3">
-    <dgm:scene3d>
-      <a:camera prst="orthographicFront"/>
-      <a:lightRig rig="threePt" dir="t"/>
-    </dgm:scene3d>
-    <dgm:sp3d/>
-    <dgm:txPr/>
-    <dgm:style>
-      <a:lnRef idx="2">
-        <a:scrgbClr r="0" g="0" b="0"/>
-      </a:lnRef>
-      <a:fillRef idx="1">
-        <a:scrgbClr r="0" g="0" b="0"/>
-      </a:fillRef>
-      <a:effectRef idx="0">
-        <a:scrgbClr r="0" g="0" b="0"/>
-      </a:effectRef>
-      <a:fontRef idx="minor"/>
-    </dgm:style>
-  </dgm:styleLbl>
-  <dgm:styleLbl name="fgAcc4">
-    <dgm:scene3d>
-      <a:camera prst="orthographicFront"/>
-      <a:lightRig rig="threePt" dir="t"/>
-    </dgm:scene3d>
-    <dgm:sp3d/>
-    <dgm:txPr/>
-    <dgm:style>
-      <a:lnRef idx="2">
-        <a:scrgbClr r="0" g="0" b="0"/>
-      </a:lnRef>
-      <a:fillRef idx="1">
-        <a:scrgbClr r="0" g="0" b="0"/>
-      </a:fillRef>
-      <a:effectRef idx="0">
-        <a:scrgbClr r="0" g="0" b="0"/>
-      </a:effectRef>
-      <a:fontRef idx="minor"/>
-    </dgm:style>
-  </dgm:styleLbl>
-  <dgm:styleLbl name="bgShp">
-    <dgm:scene3d>
-      <a:camera prst="orthographicFront"/>
-      <a:lightRig rig="threePt" dir="t"/>
-    </dgm:scene3d>
-    <dgm:sp3d/>
-    <dgm:txPr/>
-    <dgm:style>
-      <a:lnRef idx="0">
-        <a:scrgbClr r="0" g="0" b="0"/>
-      </a:lnRef>
-      <a:fillRef idx="1">
-        <a:scrgbClr r="0" g="0" b="0"/>
-      </a:fillRef>
-      <a:effectRef idx="0">
-        <a:scrgbClr r="0" g="0" b="0"/>
-      </a:effectRef>
-      <a:fontRef idx="minor"/>
-    </dgm:style>
-  </dgm:styleLbl>
-  <dgm:styleLbl name="dkBgShp">
-    <dgm:scene3d>
-      <a:camera prst="orthographicFront"/>
-      <a:lightRig rig="threePt" dir="t"/>
-    </dgm:scene3d>
-    <dgm:sp3d/>
-    <dgm:txPr/>
-    <dgm:style>
-      <a:lnRef idx="0">
-        <a:scrgbClr r="0" g="0" b="0"/>
-      </a:lnRef>
-      <a:fillRef idx="1">
-        <a:scrgbClr r="0" g="0" b="0"/>
-      </a:fillRef>
-      <a:effectRef idx="0">
-        <a:scrgbClr r="0" g="0" b="0"/>
-      </a:effectRef>
-      <a:fontRef idx="minor"/>
-    </dgm:style>
-  </dgm:styleLbl>
-  <dgm:styleLbl name="trBgShp">
-    <dgm:scene3d>
-      <a:camera prst="orthographicFront"/>
-      <a:lightRig rig="threePt" dir="t"/>
-    </dgm:scene3d>
-    <dgm:sp3d/>
-    <dgm:txPr/>
-    <dgm:style>
-      <a:lnRef idx="0">
-        <a:scrgbClr r="0" g="0" b="0"/>
-      </a:lnRef>
-      <a:fillRef idx="1">
-        <a:scrgbClr r="0" g="0" b="0"/>
-      </a:fillRef>
-      <a:effectRef idx="0">
-        <a:scrgbClr r="0" g="0" b="0"/>
-      </a:effectRef>
-      <a:fontRef idx="minor"/>
-    </dgm:style>
-  </dgm:styleLbl>
-  <dgm:styleLbl name="fgShp">
-    <dgm:scene3d>
-      <a:camera prst="orthographicFront"/>
-      <a:lightRig rig="threePt" dir="t"/>
-    </dgm:scene3d>
-    <dgm:sp3d/>
-    <dgm:txPr/>
-    <dgm:style>
-      <a:lnRef idx="2">
-        <a:scrgbClr r="0" g="0" b="0"/>
-      </a:lnRef>
-      <a:fillRef idx="1">
-        <a:scrgbClr r="0" g="0" b="0"/>
-      </a:fillRef>
-      <a:effectRef idx="0">
-        <a:scrgbClr r="0" g="0" b="0"/>
-      </a:effectRef>
-      <a:fontRef idx="minor"/>
-    </dgm:style>
-  </dgm:styleLbl>
-  <dgm:styleLbl name="revTx">
-    <dgm:scene3d>
-      <a:camera prst="orthographicFront"/>
-      <a:lightRig rig="threePt" dir="t"/>
-    </dgm:scene3d>
-    <dgm:sp3d/>
-    <dgm:txPr/>
-    <dgm:style>
-      <a:lnRef idx="0">
-        <a:scrgbClr r="0" g="0" b="0"/>
-      </a:lnRef>
-      <a:fillRef idx="0">
-        <a:scrgbClr r="0" g="0" b="0"/>
-      </a:fillRef>
-      <a:effectRef idx="0">
-        <a:scrgbClr r="0" g="0" b="0"/>
-      </a:effectRef>
-      <a:fontRef idx="minor"/>
-    </dgm:style>
-  </dgm:styleLbl>
-</dgm:styleDef>
-</file>
-
 <file path=ppt/notesMasters/notesMaster1.xml><?xml version="1.0" encoding="utf-8"?>
 <p:notesMaster xmlns:a="http://schemas.openxmlformats.org/drawingml/2006/main" xmlns:r="http://schemas.openxmlformats.org/officeDocument/2006/relationships" xmlns:p="http://schemas.openxmlformats.org/presentationml/2006/main">
   <p:cSld>
@@ -2791,7 +207,7 @@
           <a:p>
             <a:fld id="{8569B522-8390-453B-A8F0-3C96BAC841F8}" type="datetimeFigureOut">
               <a:rPr lang="en-US" smtClean="0"/>
-              <a:t>5/8/2015</a:t>
+              <a:t>5/11/2015</a:t>
             </a:fld>
             <a:endParaRPr lang="en-US" dirty="0"/>
           </a:p>
@@ -3181,94 +597,6 @@
 </p:notes>
 </file>
 
-<file path=ppt/notesSlides/notesSlide10.xml><?xml version="1.0" encoding="utf-8"?>
-<p:notes xmlns:a="http://schemas.openxmlformats.org/drawingml/2006/main" xmlns:r="http://schemas.openxmlformats.org/officeDocument/2006/relationships" xmlns:p="http://schemas.openxmlformats.org/presentationml/2006/main">
-  <p:cSld>
-    <p:spTree>
-      <p:nvGrpSpPr>
-        <p:cNvPr id="1" name=""/>
-        <p:cNvGrpSpPr/>
-        <p:nvPr/>
-      </p:nvGrpSpPr>
-      <p:grpSpPr>
-        <a:xfrm>
-          <a:off x="0" y="0"/>
-          <a:ext cx="0" cy="0"/>
-          <a:chOff x="0" y="0"/>
-          <a:chExt cx="0" cy="0"/>
-        </a:xfrm>
-      </p:grpSpPr>
-      <p:sp>
-        <p:nvSpPr>
-          <p:cNvPr id="2" name="Slide Image Placeholder 1"/>
-          <p:cNvSpPr>
-            <a:spLocks noGrp="1" noRot="1" noChangeAspect="1"/>
-          </p:cNvSpPr>
-          <p:nvPr>
-            <p:ph type="sldImg"/>
-          </p:nvPr>
-        </p:nvSpPr>
-        <p:spPr/>
-      </p:sp>
-      <p:sp>
-        <p:nvSpPr>
-          <p:cNvPr id="3" name="Notes Placeholder 2"/>
-          <p:cNvSpPr>
-            <a:spLocks noGrp="1"/>
-          </p:cNvSpPr>
-          <p:nvPr>
-            <p:ph type="body" idx="1"/>
-          </p:nvPr>
-        </p:nvSpPr>
-        <p:spPr/>
-        <p:txBody>
-          <a:bodyPr/>
-          <a:lstStyle/>
-          <a:p>
-            <a:pPr marL="0" indent="0">
-              <a:buFont typeface="Wingdings"/>
-              <a:buNone/>
-            </a:pPr>
-            <a:endParaRPr lang="en-US" sz="1600" dirty="0"/>
-          </a:p>
-        </p:txBody>
-      </p:sp>
-      <p:sp>
-        <p:nvSpPr>
-          <p:cNvPr id="4" name="Slide Number Placeholder 3"/>
-          <p:cNvSpPr>
-            <a:spLocks noGrp="1"/>
-          </p:cNvSpPr>
-          <p:nvPr>
-            <p:ph type="sldNum" sz="quarter" idx="10"/>
-          </p:nvPr>
-        </p:nvSpPr>
-        <p:spPr/>
-        <p:txBody>
-          <a:bodyPr/>
-          <a:lstStyle/>
-          <a:p>
-            <a:fld id="{86E298D3-FAEC-4429-BBB2-6E24FE792F56}" type="slidenum">
-              <a:rPr lang="en-US" smtClean="0"/>
-              <a:t>24</a:t>
-            </a:fld>
-            <a:endParaRPr lang="en-US" dirty="0"/>
-          </a:p>
-        </p:txBody>
-      </p:sp>
-    </p:spTree>
-    <p:extLst>
-      <p:ext uri="{BB962C8B-B14F-4D97-AF65-F5344CB8AC3E}">
-        <p14:creationId xmlns:p14="http://schemas.microsoft.com/office/powerpoint/2010/main" val="2064080140"/>
-      </p:ext>
-    </p:extLst>
-  </p:cSld>
-  <p:clrMapOvr>
-    <a:masterClrMapping/>
-  </p:clrMapOvr>
-</p:notes>
-</file>
-
 <file path=ppt/notesSlides/notesSlide2.xml><?xml version="1.0" encoding="utf-8"?>
 <p:notes xmlns:a="http://schemas.openxmlformats.org/drawingml/2006/main" xmlns:r="http://schemas.openxmlformats.org/officeDocument/2006/relationships" xmlns:p="http://schemas.openxmlformats.org/presentationml/2006/main">
   <p:cSld>
@@ -4308,7 +1636,7 @@
                   </a:srgbClr>
                 </a:solidFill>
               </a:rPr>
-              <a:t>5/8/2015</a:t>
+              <a:t>5/11/2015</a:t>
             </a:fld>
             <a:endParaRPr lang="en-US" dirty="0">
               <a:solidFill>
@@ -4550,7 +1878,7 @@
                   </a:srgbClr>
                 </a:solidFill>
               </a:rPr>
-              <a:t>5/8/2015</a:t>
+              <a:t>5/11/2015</a:t>
             </a:fld>
             <a:endParaRPr lang="en-US" dirty="0">
               <a:solidFill>
@@ -4849,7 +2177,7 @@
               <a:pPr>
                 <a:defRPr/>
               </a:pPr>
-              <a:t>5/8/2015</a:t>
+              <a:t>5/11/2015</a:t>
             </a:fld>
             <a:endParaRPr lang="en-US" dirty="0">
               <a:solidFill>
@@ -5071,7 +2399,7 @@
               <a:pPr>
                 <a:defRPr/>
               </a:pPr>
-              <a:t>5/8/2015</a:t>
+              <a:t>5/11/2015</a:t>
             </a:fld>
             <a:endParaRPr lang="en-US" dirty="0">
               <a:solidFill>
@@ -5363,7 +2691,7 @@
               <a:pPr>
                 <a:defRPr/>
               </a:pPr>
-              <a:t>5/8/2015</a:t>
+              <a:t>5/11/2015</a:t>
             </a:fld>
             <a:endParaRPr lang="en-US" dirty="0">
               <a:solidFill>
@@ -5677,7 +3005,7 @@
               <a:pPr>
                 <a:defRPr/>
               </a:pPr>
-              <a:t>5/8/2015</a:t>
+              <a:t>5/11/2015</a:t>
             </a:fld>
             <a:endParaRPr lang="en-US" dirty="0">
               <a:solidFill>
@@ -6105,7 +3433,7 @@
               <a:pPr>
                 <a:defRPr/>
               </a:pPr>
-              <a:t>5/8/2015</a:t>
+              <a:t>5/11/2015</a:t>
             </a:fld>
             <a:endParaRPr lang="en-US" dirty="0">
               <a:solidFill>
@@ -6305,7 +3633,7 @@
               <a:pPr>
                 <a:defRPr/>
               </a:pPr>
-              <a:t>5/8/2015</a:t>
+              <a:t>5/11/2015</a:t>
             </a:fld>
             <a:endParaRPr lang="en-US" dirty="0">
               <a:solidFill>
@@ -6445,7 +3773,7 @@
               <a:pPr>
                 <a:defRPr/>
               </a:pPr>
-              <a:t>5/8/2015</a:t>
+              <a:t>5/11/2015</a:t>
             </a:fld>
             <a:endParaRPr lang="en-US" dirty="0">
               <a:solidFill>
@@ -6756,7 +4084,7 @@
               <a:pPr>
                 <a:defRPr/>
               </a:pPr>
-              <a:t>5/8/2015</a:t>
+              <a:t>5/11/2015</a:t>
             </a:fld>
             <a:endParaRPr lang="en-US" dirty="0">
               <a:solidFill>
@@ -7116,7 +4444,7 @@
               <a:pPr>
                 <a:defRPr/>
               </a:pPr>
-              <a:t>5/8/2015</a:t>
+              <a:t>5/11/2015</a:t>
             </a:fld>
             <a:endParaRPr lang="en-US" dirty="0">
               <a:solidFill>
@@ -7696,7 +5024,7 @@
                   </a:srgbClr>
                 </a:solidFill>
               </a:rPr>
-              <a:t>5/8/2015</a:t>
+              <a:t>5/11/2015</a:t>
             </a:fld>
             <a:endParaRPr lang="en-US" dirty="0">
               <a:solidFill>
@@ -7932,7 +5260,7 @@
               <a:pPr>
                 <a:defRPr/>
               </a:pPr>
-              <a:t>5/8/2015</a:t>
+              <a:t>5/11/2015</a:t>
             </a:fld>
             <a:endParaRPr lang="en-US" dirty="0">
               <a:solidFill>
@@ -8157,7 +5485,7 @@
               <a:pPr>
                 <a:defRPr/>
               </a:pPr>
-              <a:t>5/8/2015</a:t>
+              <a:t>5/11/2015</a:t>
             </a:fld>
             <a:endParaRPr lang="en-US" dirty="0">
               <a:solidFill>
@@ -8402,7 +5730,7 @@
                   </a:srgbClr>
                 </a:solidFill>
               </a:rPr>
-              <a:t>5/8/2015</a:t>
+              <a:t>5/11/2015</a:t>
             </a:fld>
             <a:endParaRPr lang="en-US" dirty="0">
               <a:solidFill>
@@ -8777,7 +6105,7 @@
                   </a:srgbClr>
                 </a:solidFill>
               </a:rPr>
-              <a:t>5/8/2015</a:t>
+              <a:t>5/11/2015</a:t>
             </a:fld>
             <a:endParaRPr lang="en-US" dirty="0">
               <a:solidFill>
@@ -9079,7 +6407,7 @@
                   </a:srgbClr>
                 </a:solidFill>
               </a:rPr>
-              <a:t>5/8/2015</a:t>
+              <a:t>5/11/2015</a:t>
             </a:fld>
             <a:endParaRPr lang="en-US" dirty="0">
               <a:solidFill>
@@ -9236,7 +6564,7 @@
                   </a:srgbClr>
                 </a:solidFill>
               </a:rPr>
-              <a:t>5/8/2015</a:t>
+              <a:t>5/11/2015</a:t>
             </a:fld>
             <a:endParaRPr lang="en-US" dirty="0">
               <a:solidFill>
@@ -9591,7 +6919,7 @@
                   </a:srgbClr>
                 </a:solidFill>
               </a:rPr>
-              <a:t>5/8/2015</a:t>
+              <a:t>5/11/2015</a:t>
             </a:fld>
             <a:endParaRPr lang="en-US" dirty="0">
               <a:solidFill>
@@ -9927,7 +7255,7 @@
                   </a:srgbClr>
                 </a:solidFill>
               </a:rPr>
-              <a:t>5/8/2015</a:t>
+              <a:t>5/11/2015</a:t>
             </a:fld>
             <a:endParaRPr lang="en-US" dirty="0">
               <a:solidFill>
@@ -10164,7 +7492,7 @@
                   </a:srgbClr>
                 </a:solidFill>
               </a:rPr>
-              <a:t>5/8/2015</a:t>
+              <a:t>5/11/2015</a:t>
             </a:fld>
             <a:endParaRPr lang="en-US" dirty="0">
               <a:solidFill>
@@ -10447,7 +7775,7 @@
             <a:fld id="{5AE4DD19-95FB-4280-9209-E7E1030A9938}" type="datetime1">
               <a:rPr lang="en-US" smtClean="0"/>
               <a:pPr/>
-              <a:t>5/8/2015</a:t>
+              <a:t>5/11/2015</a:t>
             </a:fld>
             <a:r>
               <a:rPr lang="en-US" smtClean="0"/>
@@ -11420,7 +8748,7 @@
                 </a:spcAft>
                 <a:defRPr/>
               </a:pPr>
-              <a:t>5/8/2015</a:t>
+              <a:t>5/11/2015</a:t>
             </a:fld>
             <a:endParaRPr lang="en-US" dirty="0">
               <a:solidFill>
@@ -12478,7 +9806,7 @@
                   </a:srgbClr>
                 </a:solidFill>
               </a:rPr>
-              <a:t>5/8/2015</a:t>
+              <a:t>5/11/2015</a:t>
             </a:fld>
             <a:endParaRPr lang="en-US" dirty="0">
               <a:solidFill>
@@ -12737,7 +10065,7 @@
                   </a:srgbClr>
                 </a:solidFill>
               </a:rPr>
-              <a:t>5/8/2015</a:t>
+              <a:t>5/11/2015</a:t>
             </a:fld>
             <a:endParaRPr lang="en-US" dirty="0">
               <a:solidFill>
@@ -13044,7 +10372,7 @@
                   </a:srgbClr>
                 </a:solidFill>
               </a:rPr>
-              <a:t>5/8/2015</a:t>
+              <a:t>5/11/2015</a:t>
             </a:fld>
             <a:endParaRPr lang="en-US" dirty="0">
               <a:solidFill>
@@ -13304,7 +10632,7 @@
                   </a:srgbClr>
                 </a:solidFill>
               </a:rPr>
-              <a:t>5/8/2015</a:t>
+              <a:t>5/11/2015</a:t>
             </a:fld>
             <a:endParaRPr lang="en-US" dirty="0">
               <a:solidFill>
@@ -13483,7 +10811,7 @@
               <a:pPr>
                 <a:defRPr/>
               </a:pPr>
-              <a:t>5/8/2015</a:t>
+              <a:t>5/11/2015</a:t>
             </a:fld>
             <a:endParaRPr dirty="0"/>
           </a:p>
@@ -13791,16 +11119,7 @@
                 </a:solidFill>
                 <a:latin typeface="Lucida Sans" panose="020B0602030504020204" pitchFamily="34" charset="0"/>
               </a:rPr>
-              <a:t>110</a:t>
-            </a:r>
-            <a:r>
-              <a:rPr lang="en-US" sz="1600" dirty="0" smtClean="0">
-                <a:solidFill>
-                  <a:prstClr val="black"/>
-                </a:solidFill>
-                <a:latin typeface="Lucida Sans" panose="020B0602030504020204" pitchFamily="34" charset="0"/>
-              </a:rPr>
-              <a:t>+ classes</a:t>
+              <a:t>110+ classes</a:t>
             </a:r>
           </a:p>
           <a:p>
@@ -13815,16 +11134,7 @@
                 </a:solidFill>
                 <a:latin typeface="Lucida Sans" panose="020B0602030504020204" pitchFamily="34" charset="0"/>
               </a:rPr>
-              <a:t>350</a:t>
-            </a:r>
-            <a:r>
-              <a:rPr lang="en-US" sz="1600" dirty="0" smtClean="0">
-                <a:solidFill>
-                  <a:prstClr val="black"/>
-                </a:solidFill>
-                <a:latin typeface="Lucida Sans" panose="020B0602030504020204" pitchFamily="34" charset="0"/>
-              </a:rPr>
-              <a:t>+ attributes</a:t>
+              <a:t>350+ attributes</a:t>
             </a:r>
           </a:p>
           <a:p>
@@ -13848,16 +11158,7 @@
                 </a:solidFill>
                 <a:latin typeface="Lucida Sans" panose="020B0602030504020204" pitchFamily="34" charset="0"/>
               </a:rPr>
-              <a:t>0</a:t>
-            </a:r>
-            <a:r>
-              <a:rPr lang="en-US" sz="1600" dirty="0" smtClean="0">
-                <a:solidFill>
-                  <a:prstClr val="black"/>
-                </a:solidFill>
-                <a:latin typeface="Lucida Sans" panose="020B0602030504020204" pitchFamily="34" charset="0"/>
-              </a:rPr>
-              <a:t>% of full standard</a:t>
+              <a:t>0% of full standard</a:t>
             </a:r>
           </a:p>
           <a:p>
@@ -14001,11 +11302,7 @@
           <a:p>
             <a:r>
               <a:rPr lang="en-US" sz="2400" dirty="0" smtClean="0"/>
-              <a:t>Sponsorship </a:t>
-            </a:r>
-            <a:r>
-              <a:rPr lang="en-US" sz="2400" dirty="0" smtClean="0"/>
-              <a:t>from CDI and NCCWSC</a:t>
+              <a:t>Sponsorship from CDI and NCCWSC</a:t>
             </a:r>
           </a:p>
           <a:p>
@@ -14042,7 +11339,7 @@
                   </a:srgbClr>
                 </a:solidFill>
               </a:rPr>
-              <a:t>5/8/2015</a:t>
+              <a:t>5/11/2015</a:t>
             </a:fld>
             <a:endParaRPr lang="en-US" dirty="0">
               <a:solidFill>
@@ -14153,1002 +11450,6 @@
 </p:sld>
 </file>
 
-<file path=ppt/slides/slide16.xml><?xml version="1.0" encoding="utf-8"?>
-<p:sld xmlns:a="http://schemas.openxmlformats.org/drawingml/2006/main" xmlns:r="http://schemas.openxmlformats.org/officeDocument/2006/relationships" xmlns:p="http://schemas.openxmlformats.org/presentationml/2006/main">
-  <p:cSld>
-    <p:spTree>
-      <p:nvGrpSpPr>
-        <p:cNvPr id="1" name=""/>
-        <p:cNvGrpSpPr/>
-        <p:nvPr/>
-      </p:nvGrpSpPr>
-      <p:grpSpPr>
-        <a:xfrm>
-          <a:off x="0" y="0"/>
-          <a:ext cx="0" cy="0"/>
-          <a:chOff x="0" y="0"/>
-          <a:chExt cx="0" cy="0"/>
-        </a:xfrm>
-      </p:grpSpPr>
-      <p:sp>
-        <p:nvSpPr>
-          <p:cNvPr id="2" name="Title 1"/>
-          <p:cNvSpPr>
-            <a:spLocks noGrp="1"/>
-          </p:cNvSpPr>
-          <p:nvPr>
-            <p:ph type="ctrTitle"/>
-          </p:nvPr>
-        </p:nvSpPr>
-        <p:spPr/>
-        <p:txBody>
-          <a:bodyPr>
-            <a:normAutofit/>
-          </a:bodyPr>
-          <a:lstStyle/>
-          <a:p>
-            <a:r>
-              <a:rPr lang="en-US" dirty="0" smtClean="0"/>
-              <a:t>Development Background</a:t>
-            </a:r>
-            <a:r>
-              <a:rPr lang="en-US" dirty="0" smtClean="0"/>
-              <a:t/>
-            </a:r>
-            <a:br>
-              <a:rPr lang="en-US" dirty="0" smtClean="0"/>
-            </a:br>
-            <a:endParaRPr lang="en-US" dirty="0"/>
-          </a:p>
-        </p:txBody>
-      </p:sp>
-      <p:sp>
-        <p:nvSpPr>
-          <p:cNvPr id="6" name="Subtitle 5"/>
-          <p:cNvSpPr>
-            <a:spLocks noGrp="1"/>
-          </p:cNvSpPr>
-          <p:nvPr>
-            <p:ph type="subTitle" idx="1"/>
-          </p:nvPr>
-        </p:nvSpPr>
-        <p:spPr/>
-        <p:txBody>
-          <a:bodyPr/>
-          <a:lstStyle/>
-          <a:p>
-            <a:endParaRPr lang="en-US"/>
-          </a:p>
-        </p:txBody>
-      </p:sp>
-      <p:sp>
-        <p:nvSpPr>
-          <p:cNvPr id="3" name="Date Placeholder 2"/>
-          <p:cNvSpPr>
-            <a:spLocks noGrp="1"/>
-          </p:cNvSpPr>
-          <p:nvPr>
-            <p:ph type="dt" sz="half" idx="10"/>
-          </p:nvPr>
-        </p:nvSpPr>
-        <p:spPr/>
-        <p:txBody>
-          <a:bodyPr/>
-          <a:lstStyle/>
-          <a:p>
-            <a:pPr>
-              <a:defRPr/>
-            </a:pPr>
-            <a:fld id="{E1FF56A6-FD4A-4D40-9F01-561B77AD5C1C}" type="datetime1">
-              <a:rPr lang="en-US" smtClean="0">
-                <a:solidFill>
-                  <a:srgbClr val="04617B">
-                    <a:shade val="90000"/>
-                  </a:srgbClr>
-                </a:solidFill>
-              </a:rPr>
-              <a:t>5/8/2015</a:t>
-            </a:fld>
-            <a:endParaRPr lang="en-US" dirty="0">
-              <a:solidFill>
-                <a:srgbClr val="04617B">
-                  <a:shade val="90000"/>
-                </a:srgbClr>
-              </a:solidFill>
-            </a:endParaRPr>
-          </a:p>
-        </p:txBody>
-      </p:sp>
-      <p:sp>
-        <p:nvSpPr>
-          <p:cNvPr id="4" name="Footer Placeholder 3"/>
-          <p:cNvSpPr>
-            <a:spLocks noGrp="1"/>
-          </p:cNvSpPr>
-          <p:nvPr>
-            <p:ph type="ftr" sz="quarter" idx="11"/>
-          </p:nvPr>
-        </p:nvSpPr>
-        <p:spPr/>
-        <p:txBody>
-          <a:bodyPr/>
-          <a:lstStyle/>
-          <a:p>
-            <a:pPr>
-              <a:defRPr/>
-            </a:pPr>
-            <a:r>
-              <a:rPr lang="en-US" smtClean="0">
-                <a:solidFill>
-                  <a:srgbClr val="04617B">
-                    <a:shade val="90000"/>
-                  </a:srgbClr>
-                </a:solidFill>
-              </a:rPr>
-              <a:t>www.adiwg.org</a:t>
-            </a:r>
-            <a:endParaRPr lang="en-US" dirty="0">
-              <a:solidFill>
-                <a:srgbClr val="04617B">
-                  <a:shade val="90000"/>
-                </a:srgbClr>
-              </a:solidFill>
-            </a:endParaRPr>
-          </a:p>
-        </p:txBody>
-      </p:sp>
-      <p:sp>
-        <p:nvSpPr>
-          <p:cNvPr id="5" name="Slide Number Placeholder 4"/>
-          <p:cNvSpPr>
-            <a:spLocks noGrp="1"/>
-          </p:cNvSpPr>
-          <p:nvPr>
-            <p:ph type="sldNum" sz="quarter" idx="12"/>
-          </p:nvPr>
-        </p:nvSpPr>
-        <p:spPr/>
-        <p:txBody>
-          <a:bodyPr/>
-          <a:lstStyle/>
-          <a:p>
-            <a:pPr>
-              <a:defRPr/>
-            </a:pPr>
-            <a:fld id="{3C8FD2FD-2ED7-44D4-AE07-6941F68196E1}" type="slidenum">
-              <a:rPr lang="en-US" smtClean="0">
-                <a:solidFill>
-                  <a:srgbClr val="04617B">
-                    <a:shade val="90000"/>
-                  </a:srgbClr>
-                </a:solidFill>
-              </a:rPr>
-              <a:pPr>
-                <a:defRPr/>
-              </a:pPr>
-              <a:t>16</a:t>
-            </a:fld>
-            <a:endParaRPr lang="en-US" dirty="0">
-              <a:solidFill>
-                <a:srgbClr val="04617B">
-                  <a:shade val="90000"/>
-                </a:srgbClr>
-              </a:solidFill>
-            </a:endParaRPr>
-          </a:p>
-        </p:txBody>
-      </p:sp>
-    </p:spTree>
-    <p:extLst>
-      <p:ext uri="{BB962C8B-B14F-4D97-AF65-F5344CB8AC3E}">
-        <p14:creationId xmlns:p14="http://schemas.microsoft.com/office/powerpoint/2010/main" val="434374330"/>
-      </p:ext>
-    </p:extLst>
-  </p:cSld>
-  <p:clrMapOvr>
-    <a:masterClrMapping/>
-  </p:clrMapOvr>
-  <p:timing>
-    <p:tnLst>
-      <p:par>
-        <p:cTn id="1" dur="indefinite" restart="never" nodeType="tmRoot"/>
-      </p:par>
-    </p:tnLst>
-  </p:timing>
-</p:sld>
-</file>
-
-<file path=ppt/slides/slide17.xml><?xml version="1.0" encoding="utf-8"?>
-<p:sld xmlns:a="http://schemas.openxmlformats.org/drawingml/2006/main" xmlns:r="http://schemas.openxmlformats.org/officeDocument/2006/relationships" xmlns:p="http://schemas.openxmlformats.org/presentationml/2006/main">
-  <p:cSld>
-    <p:spTree>
-      <p:nvGrpSpPr>
-        <p:cNvPr id="1" name=""/>
-        <p:cNvGrpSpPr/>
-        <p:nvPr/>
-      </p:nvGrpSpPr>
-      <p:grpSpPr>
-        <a:xfrm>
-          <a:off x="0" y="0"/>
-          <a:ext cx="0" cy="0"/>
-          <a:chOff x="0" y="0"/>
-          <a:chExt cx="0" cy="0"/>
-        </a:xfrm>
-      </p:grpSpPr>
-      <p:sp>
-        <p:nvSpPr>
-          <p:cNvPr id="5" name="Title 4"/>
-          <p:cNvSpPr>
-            <a:spLocks noGrp="1"/>
-          </p:cNvSpPr>
-          <p:nvPr>
-            <p:ph type="ctrTitle"/>
-          </p:nvPr>
-        </p:nvSpPr>
-        <p:spPr>
-          <a:xfrm>
-            <a:off x="609600" y="838200"/>
-            <a:ext cx="7851648" cy="1828800"/>
-          </a:xfrm>
-        </p:spPr>
-        <p:txBody>
-          <a:bodyPr/>
-          <a:lstStyle/>
-          <a:p>
-            <a:r>
-              <a:rPr lang="en-US" dirty="0" smtClean="0"/>
-              <a:t>Documentation</a:t>
-            </a:r>
-            <a:endParaRPr lang="en-US" dirty="0"/>
-          </a:p>
-        </p:txBody>
-      </p:sp>
-      <p:sp>
-        <p:nvSpPr>
-          <p:cNvPr id="6" name="Subtitle 5"/>
-          <p:cNvSpPr>
-            <a:spLocks noGrp="1"/>
-          </p:cNvSpPr>
-          <p:nvPr>
-            <p:ph type="subTitle" idx="1"/>
-          </p:nvPr>
-        </p:nvSpPr>
-        <p:spPr/>
-        <p:txBody>
-          <a:bodyPr/>
-          <a:lstStyle/>
-          <a:p>
-            <a:endParaRPr lang="en-US"/>
-          </a:p>
-        </p:txBody>
-      </p:sp>
-      <p:sp>
-        <p:nvSpPr>
-          <p:cNvPr id="4" name="Slide Number Placeholder 3"/>
-          <p:cNvSpPr>
-            <a:spLocks noGrp="1"/>
-          </p:cNvSpPr>
-          <p:nvPr>
-            <p:ph type="sldNum" sz="quarter" idx="12"/>
-          </p:nvPr>
-        </p:nvSpPr>
-        <p:spPr/>
-        <p:txBody>
-          <a:bodyPr/>
-          <a:lstStyle/>
-          <a:p>
-            <a:pPr>
-              <a:defRPr/>
-            </a:pPr>
-            <a:fld id="{D96B19B3-FA35-4262-952F-7D873B09162D}" type="slidenum">
-              <a:rPr lang="en-US" smtClean="0">
-                <a:solidFill>
-                  <a:srgbClr val="04617B">
-                    <a:shade val="90000"/>
-                  </a:srgbClr>
-                </a:solidFill>
-              </a:rPr>
-              <a:pPr>
-                <a:defRPr/>
-              </a:pPr>
-              <a:t>17</a:t>
-            </a:fld>
-            <a:endParaRPr lang="en-US" dirty="0">
-              <a:solidFill>
-                <a:srgbClr val="04617B">
-                  <a:shade val="90000"/>
-                </a:srgbClr>
-              </a:solidFill>
-            </a:endParaRPr>
-          </a:p>
-        </p:txBody>
-      </p:sp>
-    </p:spTree>
-    <p:extLst>
-      <p:ext uri="{BB962C8B-B14F-4D97-AF65-F5344CB8AC3E}">
-        <p14:creationId xmlns:p14="http://schemas.microsoft.com/office/powerpoint/2010/main" val="3277377059"/>
-      </p:ext>
-    </p:extLst>
-  </p:cSld>
-  <p:clrMapOvr>
-    <a:masterClrMapping/>
-  </p:clrMapOvr>
-</p:sld>
-</file>
-
-<file path=ppt/slides/slide18.xml><?xml version="1.0" encoding="utf-8"?>
-<p:sld xmlns:a="http://schemas.openxmlformats.org/drawingml/2006/main" xmlns:r="http://schemas.openxmlformats.org/officeDocument/2006/relationships" xmlns:p="http://schemas.openxmlformats.org/presentationml/2006/main">
-  <p:cSld>
-    <p:spTree>
-      <p:nvGrpSpPr>
-        <p:cNvPr id="1" name=""/>
-        <p:cNvGrpSpPr/>
-        <p:nvPr/>
-      </p:nvGrpSpPr>
-      <p:grpSpPr>
-        <a:xfrm>
-          <a:off x="0" y="0"/>
-          <a:ext cx="0" cy="0"/>
-          <a:chOff x="0" y="0"/>
-          <a:chExt cx="0" cy="0"/>
-        </a:xfrm>
-      </p:grpSpPr>
-      <p:sp>
-        <p:nvSpPr>
-          <p:cNvPr id="2" name="Title 1"/>
-          <p:cNvSpPr>
-            <a:spLocks noGrp="1"/>
-          </p:cNvSpPr>
-          <p:nvPr>
-            <p:ph type="title"/>
-          </p:nvPr>
-        </p:nvSpPr>
-        <p:spPr>
-          <a:xfrm>
-            <a:off x="1028700" y="381000"/>
-            <a:ext cx="7086600" cy="1143000"/>
-          </a:xfrm>
-        </p:spPr>
-        <p:txBody>
-          <a:bodyPr>
-            <a:normAutofit fontScale="90000"/>
-          </a:bodyPr>
-          <a:lstStyle/>
-          <a:p>
-            <a:r>
-              <a:rPr lang="en-US" dirty="0" err="1" smtClean="0"/>
-              <a:t>mdBook</a:t>
-            </a:r>
-            <a:r>
-              <a:rPr lang="en-US" dirty="0" smtClean="0">
-                <a:solidFill>
-                  <a:schemeClr val="accent3"/>
-                </a:solidFill>
-              </a:rPr>
-              <a:t/>
-            </a:r>
-            <a:br>
-              <a:rPr lang="en-US" dirty="0" smtClean="0">
-                <a:solidFill>
-                  <a:schemeClr val="accent3"/>
-                </a:solidFill>
-              </a:rPr>
-            </a:br>
-            <a:endParaRPr lang="en-US" sz="3600" dirty="0">
-              <a:solidFill>
-                <a:schemeClr val="accent3"/>
-              </a:solidFill>
-            </a:endParaRPr>
-          </a:p>
-        </p:txBody>
-      </p:sp>
-      <p:sp>
-        <p:nvSpPr>
-          <p:cNvPr id="3" name="Date Placeholder 2"/>
-          <p:cNvSpPr>
-            <a:spLocks noGrp="1"/>
-          </p:cNvSpPr>
-          <p:nvPr>
-            <p:ph type="dt" sz="half" idx="10"/>
-          </p:nvPr>
-        </p:nvSpPr>
-        <p:spPr/>
-        <p:txBody>
-          <a:bodyPr/>
-          <a:lstStyle/>
-          <a:p>
-            <a:pPr>
-              <a:defRPr/>
-            </a:pPr>
-            <a:fld id="{E1FF56A6-FD4A-4D40-9F01-561B77AD5C1C}" type="datetime1">
-              <a:rPr lang="en-US"/>
-              <a:pPr>
-                <a:defRPr/>
-              </a:pPr>
-              <a:t>5/8/2015</a:t>
-            </a:fld>
-            <a:endParaRPr dirty="0"/>
-          </a:p>
-        </p:txBody>
-      </p:sp>
-      <p:sp>
-        <p:nvSpPr>
-          <p:cNvPr id="4" name="Footer Placeholder 3"/>
-          <p:cNvSpPr>
-            <a:spLocks noGrp="1"/>
-          </p:cNvSpPr>
-          <p:nvPr>
-            <p:ph type="ftr" sz="quarter" idx="11"/>
-          </p:nvPr>
-        </p:nvSpPr>
-        <p:spPr/>
-        <p:txBody>
-          <a:bodyPr/>
-          <a:lstStyle/>
-          <a:p>
-            <a:pPr>
-              <a:defRPr/>
-            </a:pPr>
-            <a:r>
-              <a:t>www.adiwg.org</a:t>
-            </a:r>
-            <a:endParaRPr dirty="0"/>
-          </a:p>
-        </p:txBody>
-      </p:sp>
-      <p:sp>
-        <p:nvSpPr>
-          <p:cNvPr id="5" name="Slide Number Placeholder 4"/>
-          <p:cNvSpPr>
-            <a:spLocks noGrp="1"/>
-          </p:cNvSpPr>
-          <p:nvPr>
-            <p:ph type="sldNum" sz="quarter" idx="12"/>
-          </p:nvPr>
-        </p:nvSpPr>
-        <p:spPr/>
-        <p:txBody>
-          <a:bodyPr/>
-          <a:lstStyle/>
-          <a:p>
-            <a:pPr>
-              <a:defRPr/>
-            </a:pPr>
-            <a:fld id="{3C8FD2FD-2ED7-44D4-AE07-6941F68196E1}" type="slidenum">
-              <a:rPr/>
-              <a:pPr>
-                <a:defRPr/>
-              </a:pPr>
-              <a:t>18</a:t>
-            </a:fld>
-            <a:endParaRPr dirty="0"/>
-          </a:p>
-        </p:txBody>
-      </p:sp>
-      <p:sp>
-        <p:nvSpPr>
-          <p:cNvPr id="6" name="Content Placeholder 2"/>
-          <p:cNvSpPr txBox="1">
-            <a:spLocks/>
-          </p:cNvSpPr>
-          <p:nvPr/>
-        </p:nvSpPr>
-        <p:spPr>
-          <a:xfrm>
-            <a:off x="1752600" y="1724417"/>
-            <a:ext cx="5791200" cy="3505199"/>
-          </a:xfrm>
-          <a:prstGeom prst="rect">
-            <a:avLst/>
-          </a:prstGeom>
-        </p:spPr>
-        <p:txBody>
-          <a:bodyPr>
-            <a:normAutofit/>
-          </a:bodyPr>
-          <a:lstStyle>
-            <a:lvl1pPr marL="342900" indent="-342900" algn="l" defTabSz="914400" rtl="0" eaLnBrk="1" latinLnBrk="0" hangingPunct="1">
-              <a:spcBef>
-                <a:spcPct val="20000"/>
-              </a:spcBef>
-              <a:buFont typeface="Arial" pitchFamily="34" charset="0"/>
-              <a:buChar char="•"/>
-              <a:defRPr sz="2800" kern="1200">
-                <a:solidFill>
-                  <a:schemeClr val="tx1">
-                    <a:lumMod val="65000"/>
-                    <a:lumOff val="35000"/>
-                  </a:schemeClr>
-                </a:solidFill>
-                <a:latin typeface="Lucida Sans" pitchFamily="34" charset="0"/>
-                <a:ea typeface="Tahoma" pitchFamily="34" charset="0"/>
-                <a:cs typeface="Tahoma" pitchFamily="34" charset="0"/>
-              </a:defRPr>
-            </a:lvl1pPr>
-            <a:lvl2pPr marL="742950" indent="-285750" algn="l" defTabSz="914400" rtl="0" eaLnBrk="1" latinLnBrk="0" hangingPunct="1">
-              <a:spcBef>
-                <a:spcPct val="20000"/>
-              </a:spcBef>
-              <a:buFont typeface="Courier New" pitchFamily="49" charset="0"/>
-              <a:buChar char="o"/>
-              <a:defRPr sz="2400" kern="1200">
-                <a:solidFill>
-                  <a:schemeClr val="tx1">
-                    <a:lumMod val="65000"/>
-                    <a:lumOff val="35000"/>
-                  </a:schemeClr>
-                </a:solidFill>
-                <a:latin typeface="Lucida Sans" pitchFamily="34" charset="0"/>
-                <a:ea typeface="Tahoma" pitchFamily="34" charset="0"/>
-                <a:cs typeface="Tahoma" pitchFamily="34" charset="0"/>
-              </a:defRPr>
-            </a:lvl2pPr>
-            <a:lvl3pPr marL="1143000" indent="-228600" algn="l" defTabSz="914400" rtl="0" eaLnBrk="1" latinLnBrk="0" hangingPunct="1">
-              <a:spcBef>
-                <a:spcPct val="20000"/>
-              </a:spcBef>
-              <a:buFont typeface="Arial" pitchFamily="34" charset="0"/>
-              <a:buChar char="•"/>
-              <a:defRPr sz="2000" kern="1200">
-                <a:solidFill>
-                  <a:schemeClr val="tx1">
-                    <a:lumMod val="65000"/>
-                    <a:lumOff val="35000"/>
-                  </a:schemeClr>
-                </a:solidFill>
-                <a:latin typeface="Lucida Sans" pitchFamily="34" charset="0"/>
-                <a:ea typeface="Tahoma" pitchFamily="34" charset="0"/>
-                <a:cs typeface="Tahoma" pitchFamily="34" charset="0"/>
-              </a:defRPr>
-            </a:lvl3pPr>
-            <a:lvl4pPr marL="1600200" indent="-228600" algn="l" defTabSz="914400" rtl="0" eaLnBrk="1" latinLnBrk="0" hangingPunct="1">
-              <a:spcBef>
-                <a:spcPct val="20000"/>
-              </a:spcBef>
-              <a:buFont typeface="Courier New" pitchFamily="49" charset="0"/>
-              <a:buChar char="o"/>
-              <a:defRPr sz="2000" kern="1200">
-                <a:solidFill>
-                  <a:schemeClr val="tx1">
-                    <a:lumMod val="65000"/>
-                    <a:lumOff val="35000"/>
-                  </a:schemeClr>
-                </a:solidFill>
-                <a:latin typeface="Lucida Sans" pitchFamily="34" charset="0"/>
-                <a:ea typeface="Tahoma" pitchFamily="34" charset="0"/>
-                <a:cs typeface="Tahoma" pitchFamily="34" charset="0"/>
-              </a:defRPr>
-            </a:lvl4pPr>
-            <a:lvl5pPr marL="2057400" indent="-228600" algn="l" defTabSz="914400" rtl="0" eaLnBrk="1" latinLnBrk="0" hangingPunct="1">
-              <a:spcBef>
-                <a:spcPct val="20000"/>
-              </a:spcBef>
-              <a:buFont typeface="Arial" pitchFamily="34" charset="0"/>
-              <a:buChar char="•"/>
-              <a:defRPr sz="2000" kern="1200">
-                <a:solidFill>
-                  <a:schemeClr val="tx1">
-                    <a:lumMod val="65000"/>
-                    <a:lumOff val="35000"/>
-                  </a:schemeClr>
-                </a:solidFill>
-                <a:latin typeface="Lucida Sans" pitchFamily="34" charset="0"/>
-                <a:ea typeface="Tahoma" pitchFamily="34" charset="0"/>
-                <a:cs typeface="Tahoma" pitchFamily="34" charset="0"/>
-              </a:defRPr>
-            </a:lvl5pPr>
-            <a:lvl6pPr marL="2514600" indent="-228600" algn="l" defTabSz="914400" rtl="0" eaLnBrk="1" latinLnBrk="0" hangingPunct="1">
-              <a:spcBef>
-                <a:spcPct val="20000"/>
-              </a:spcBef>
-              <a:buFont typeface="Courier New" pitchFamily="49" charset="0"/>
-              <a:buChar char="o"/>
-              <a:defRPr sz="1600" kern="1200">
-                <a:solidFill>
-                  <a:schemeClr val="tx1">
-                    <a:lumMod val="50000"/>
-                    <a:lumOff val="50000"/>
-                  </a:schemeClr>
-                </a:solidFill>
-                <a:latin typeface="+mj-lt"/>
-                <a:ea typeface="+mn-ea"/>
-                <a:cs typeface="+mn-cs"/>
-              </a:defRPr>
-            </a:lvl6pPr>
-            <a:lvl7pPr marL="2971800" indent="-228600" algn="l" defTabSz="914400" rtl="0" eaLnBrk="1" latinLnBrk="0" hangingPunct="1">
-              <a:spcBef>
-                <a:spcPct val="20000"/>
-              </a:spcBef>
-              <a:buFont typeface="Arial" pitchFamily="34" charset="0"/>
-              <a:buChar char="•"/>
-              <a:defRPr sz="1600" kern="1200">
-                <a:solidFill>
-                  <a:schemeClr val="tx1">
-                    <a:lumMod val="50000"/>
-                    <a:lumOff val="50000"/>
-                  </a:schemeClr>
-                </a:solidFill>
-                <a:latin typeface="+mj-lt"/>
-                <a:ea typeface="+mn-ea"/>
-                <a:cs typeface="+mn-cs"/>
-              </a:defRPr>
-            </a:lvl7pPr>
-            <a:lvl8pPr marL="3429000" indent="-228600" algn="l" defTabSz="914400" rtl="0" eaLnBrk="1" latinLnBrk="0" hangingPunct="1">
-              <a:spcBef>
-                <a:spcPct val="20000"/>
-              </a:spcBef>
-              <a:buFont typeface="Courier New" pitchFamily="49" charset="0"/>
-              <a:buChar char="o"/>
-              <a:defRPr sz="1600" kern="1200">
-                <a:solidFill>
-                  <a:schemeClr val="tx1">
-                    <a:lumMod val="50000"/>
-                    <a:lumOff val="50000"/>
-                  </a:schemeClr>
-                </a:solidFill>
-                <a:latin typeface="+mj-lt"/>
-                <a:ea typeface="+mn-ea"/>
-                <a:cs typeface="+mn-cs"/>
-              </a:defRPr>
-            </a:lvl8pPr>
-            <a:lvl9pPr marL="3886200" indent="-228600" algn="l" defTabSz="914400" rtl="0" eaLnBrk="1" latinLnBrk="0" hangingPunct="1">
-              <a:spcBef>
-                <a:spcPct val="20000"/>
-              </a:spcBef>
-              <a:buFont typeface="Arial" pitchFamily="34" charset="0"/>
-              <a:buChar char="•"/>
-              <a:defRPr sz="1600" kern="1200">
-                <a:solidFill>
-                  <a:schemeClr val="tx1">
-                    <a:lumMod val="50000"/>
-                    <a:lumOff val="50000"/>
-                  </a:schemeClr>
-                </a:solidFill>
-                <a:latin typeface="+mj-lt"/>
-                <a:ea typeface="+mn-ea"/>
-                <a:cs typeface="+mn-cs"/>
-              </a:defRPr>
-            </a:lvl9pPr>
-          </a:lstStyle>
-          <a:p>
-            <a:pPr>
-              <a:lnSpc>
-                <a:spcPct val="150000"/>
-              </a:lnSpc>
-            </a:pPr>
-            <a:r>
-              <a:rPr lang="en-US" sz="2400" dirty="0" err="1" smtClean="0">
-                <a:solidFill>
-                  <a:prstClr val="black">
-                    <a:lumMod val="65000"/>
-                    <a:lumOff val="35000"/>
-                  </a:prstClr>
-                </a:solidFill>
-              </a:rPr>
-              <a:t>GitBook</a:t>
-            </a:r>
-            <a:endParaRPr lang="en-US" sz="2400" dirty="0" smtClean="0">
-              <a:solidFill>
-                <a:prstClr val="black">
-                  <a:lumMod val="65000"/>
-                  <a:lumOff val="35000"/>
-                </a:prstClr>
-              </a:solidFill>
-            </a:endParaRPr>
-          </a:p>
-          <a:p>
-            <a:pPr>
-              <a:lnSpc>
-                <a:spcPct val="150000"/>
-              </a:lnSpc>
-            </a:pPr>
-            <a:r>
-              <a:rPr lang="en-US" sz="2400" dirty="0" smtClean="0">
-                <a:solidFill>
-                  <a:prstClr val="black">
-                    <a:lumMod val="65000"/>
-                    <a:lumOff val="35000"/>
-                  </a:prstClr>
-                </a:solidFill>
-              </a:rPr>
-              <a:t>Metadata Toolkit</a:t>
-            </a:r>
-            <a:r>
-              <a:rPr lang="en-US" sz="2400" dirty="0" smtClean="0">
-                <a:solidFill>
-                  <a:prstClr val="black">
-                    <a:lumMod val="65000"/>
-                    <a:lumOff val="35000"/>
-                  </a:prstClr>
-                </a:solidFill>
-              </a:rPr>
-              <a:t> documentation</a:t>
-            </a:r>
-          </a:p>
-          <a:p>
-            <a:pPr>
-              <a:lnSpc>
-                <a:spcPct val="150000"/>
-              </a:lnSpc>
-            </a:pPr>
-            <a:r>
-              <a:rPr lang="en-US" sz="2400" dirty="0" smtClean="0">
-                <a:solidFill>
-                  <a:prstClr val="black">
-                    <a:lumMod val="65000"/>
-                    <a:lumOff val="35000"/>
-                  </a:prstClr>
-                </a:solidFill>
-                <a:hlinkClick r:id="rId2" action="ppaction://hlinkfile"/>
-              </a:rPr>
-              <a:t>mdbook.adiwg.org</a:t>
-            </a:r>
-            <a:endParaRPr lang="en-US" sz="2400" dirty="0" smtClean="0">
-              <a:solidFill>
-                <a:prstClr val="black">
-                  <a:lumMod val="65000"/>
-                  <a:lumOff val="35000"/>
-                </a:prstClr>
-              </a:solidFill>
-            </a:endParaRPr>
-          </a:p>
-        </p:txBody>
-      </p:sp>
-      <p:pic>
-        <p:nvPicPr>
-          <p:cNvPr id="1026" name="Picture 2" descr="https://avatars2.githubusercontent.com/u/7111340?v=3&amp;s=400"/>
-          <p:cNvPicPr>
-            <a:picLocks noChangeAspect="1" noChangeArrowheads="1"/>
-          </p:cNvPicPr>
-          <p:nvPr/>
-        </p:nvPicPr>
-        <p:blipFill>
-          <a:blip r:embed="rId3" cstate="print">
-            <a:extLst>
-              <a:ext uri="{28A0092B-C50C-407E-A947-70E740481C1C}">
-                <a14:useLocalDpi xmlns:a14="http://schemas.microsoft.com/office/drawing/2010/main" val="0"/>
-              </a:ext>
-            </a:extLst>
-          </a:blip>
-          <a:srcRect/>
-          <a:stretch>
-            <a:fillRect/>
-          </a:stretch>
-        </p:blipFill>
-        <p:spPr bwMode="auto">
-          <a:xfrm>
-            <a:off x="6058422" y="4267200"/>
-            <a:ext cx="1510430" cy="1510430"/>
-          </a:xfrm>
-          <a:prstGeom prst="rect">
-            <a:avLst/>
-          </a:prstGeom>
-          <a:noFill/>
-          <a:extLst>
-            <a:ext uri="{909E8E84-426E-40DD-AFC4-6F175D3DCCD1}">
-              <a14:hiddenFill xmlns:a14="http://schemas.microsoft.com/office/drawing/2010/main">
-                <a:solidFill>
-                  <a:srgbClr val="FFFFFF"/>
-                </a:solidFill>
-              </a14:hiddenFill>
-            </a:ext>
-          </a:extLst>
-        </p:spPr>
-      </p:pic>
-    </p:spTree>
-    <p:extLst>
-      <p:ext uri="{BB962C8B-B14F-4D97-AF65-F5344CB8AC3E}">
-        <p14:creationId xmlns:p14="http://schemas.microsoft.com/office/powerpoint/2010/main" val="1642291204"/>
-      </p:ext>
-    </p:extLst>
-  </p:cSld>
-  <p:clrMapOvr>
-    <a:masterClrMapping/>
-  </p:clrMapOvr>
-  <p:timing>
-    <p:tnLst>
-      <p:par>
-        <p:cTn id="1" dur="indefinite" restart="never" nodeType="tmRoot"/>
-      </p:par>
-    </p:tnLst>
-  </p:timing>
-</p:sld>
-</file>
-
-<file path=ppt/slides/slide19.xml><?xml version="1.0" encoding="utf-8"?>
-<p:sld xmlns:a="http://schemas.openxmlformats.org/drawingml/2006/main" xmlns:r="http://schemas.openxmlformats.org/officeDocument/2006/relationships" xmlns:p="http://schemas.openxmlformats.org/presentationml/2006/main">
-  <p:cSld>
-    <p:spTree>
-      <p:nvGrpSpPr>
-        <p:cNvPr id="1" name=""/>
-        <p:cNvGrpSpPr/>
-        <p:nvPr/>
-      </p:nvGrpSpPr>
-      <p:grpSpPr>
-        <a:xfrm>
-          <a:off x="0" y="0"/>
-          <a:ext cx="0" cy="0"/>
-          <a:chOff x="0" y="0"/>
-          <a:chExt cx="0" cy="0"/>
-        </a:xfrm>
-      </p:grpSpPr>
-      <p:sp>
-        <p:nvSpPr>
-          <p:cNvPr id="6" name="Title 5"/>
-          <p:cNvSpPr>
-            <a:spLocks noGrp="1"/>
-          </p:cNvSpPr>
-          <p:nvPr>
-            <p:ph type="ctrTitle"/>
-          </p:nvPr>
-        </p:nvSpPr>
-        <p:spPr>
-          <a:xfrm>
-            <a:off x="533400" y="990600"/>
-            <a:ext cx="7851648" cy="1828800"/>
-          </a:xfrm>
-        </p:spPr>
-        <p:txBody>
-          <a:bodyPr/>
-          <a:lstStyle/>
-          <a:p>
-            <a:r>
-              <a:rPr lang="en-US" dirty="0" smtClean="0"/>
-              <a:t>Generating Metadata Using the Toolkit</a:t>
-            </a:r>
-            <a:endParaRPr lang="en-US" dirty="0"/>
-          </a:p>
-        </p:txBody>
-      </p:sp>
-      <p:sp>
-        <p:nvSpPr>
-          <p:cNvPr id="7" name="Subtitle 6"/>
-          <p:cNvSpPr>
-            <a:spLocks noGrp="1"/>
-          </p:cNvSpPr>
-          <p:nvPr>
-            <p:ph type="subTitle" idx="1"/>
-          </p:nvPr>
-        </p:nvSpPr>
-        <p:spPr/>
-        <p:txBody>
-          <a:bodyPr/>
-          <a:lstStyle/>
-          <a:p>
-            <a:endParaRPr lang="en-US"/>
-          </a:p>
-        </p:txBody>
-      </p:sp>
-      <p:sp>
-        <p:nvSpPr>
-          <p:cNvPr id="3" name="Date Placeholder 2"/>
-          <p:cNvSpPr>
-            <a:spLocks noGrp="1"/>
-          </p:cNvSpPr>
-          <p:nvPr>
-            <p:ph type="dt" sz="half" idx="10"/>
-          </p:nvPr>
-        </p:nvSpPr>
-        <p:spPr/>
-        <p:txBody>
-          <a:bodyPr/>
-          <a:lstStyle/>
-          <a:p>
-            <a:pPr>
-              <a:defRPr/>
-            </a:pPr>
-            <a:fld id="{E1FF56A6-FD4A-4D40-9F01-561B77AD5C1C}" type="datetime1">
-              <a:rPr lang="en-US" smtClean="0">
-                <a:solidFill>
-                  <a:srgbClr val="04617B">
-                    <a:shade val="90000"/>
-                  </a:srgbClr>
-                </a:solidFill>
-              </a:rPr>
-              <a:t>5/8/2015</a:t>
-            </a:fld>
-            <a:endParaRPr lang="en-US" dirty="0">
-              <a:solidFill>
-                <a:srgbClr val="04617B">
-                  <a:shade val="90000"/>
-                </a:srgbClr>
-              </a:solidFill>
-            </a:endParaRPr>
-          </a:p>
-        </p:txBody>
-      </p:sp>
-      <p:sp>
-        <p:nvSpPr>
-          <p:cNvPr id="4" name="Footer Placeholder 3"/>
-          <p:cNvSpPr>
-            <a:spLocks noGrp="1"/>
-          </p:cNvSpPr>
-          <p:nvPr>
-            <p:ph type="ftr" sz="quarter" idx="11"/>
-          </p:nvPr>
-        </p:nvSpPr>
-        <p:spPr/>
-        <p:txBody>
-          <a:bodyPr/>
-          <a:lstStyle/>
-          <a:p>
-            <a:pPr>
-              <a:defRPr/>
-            </a:pPr>
-            <a:r>
-              <a:rPr lang="en-US" smtClean="0">
-                <a:solidFill>
-                  <a:srgbClr val="04617B">
-                    <a:shade val="90000"/>
-                  </a:srgbClr>
-                </a:solidFill>
-              </a:rPr>
-              <a:t>www.adiwg.org</a:t>
-            </a:r>
-            <a:endParaRPr lang="en-US" dirty="0">
-              <a:solidFill>
-                <a:srgbClr val="04617B">
-                  <a:shade val="90000"/>
-                </a:srgbClr>
-              </a:solidFill>
-            </a:endParaRPr>
-          </a:p>
-        </p:txBody>
-      </p:sp>
-      <p:sp>
-        <p:nvSpPr>
-          <p:cNvPr id="5" name="Slide Number Placeholder 4"/>
-          <p:cNvSpPr>
-            <a:spLocks noGrp="1"/>
-          </p:cNvSpPr>
-          <p:nvPr>
-            <p:ph type="sldNum" sz="quarter" idx="12"/>
-          </p:nvPr>
-        </p:nvSpPr>
-        <p:spPr/>
-        <p:txBody>
-          <a:bodyPr/>
-          <a:lstStyle/>
-          <a:p>
-            <a:pPr>
-              <a:defRPr/>
-            </a:pPr>
-            <a:fld id="{3C8FD2FD-2ED7-44D4-AE07-6941F68196E1}" type="slidenum">
-              <a:rPr lang="en-US" smtClean="0">
-                <a:solidFill>
-                  <a:srgbClr val="04617B">
-                    <a:shade val="90000"/>
-                  </a:srgbClr>
-                </a:solidFill>
-              </a:rPr>
-              <a:pPr>
-                <a:defRPr/>
-              </a:pPr>
-              <a:t>19</a:t>
-            </a:fld>
-            <a:endParaRPr lang="en-US" dirty="0">
-              <a:solidFill>
-                <a:srgbClr val="04617B">
-                  <a:shade val="90000"/>
-                </a:srgbClr>
-              </a:solidFill>
-            </a:endParaRPr>
-          </a:p>
-        </p:txBody>
-      </p:sp>
-    </p:spTree>
-    <p:extLst>
-      <p:ext uri="{BB962C8B-B14F-4D97-AF65-F5344CB8AC3E}">
-        <p14:creationId xmlns:p14="http://schemas.microsoft.com/office/powerpoint/2010/main" val="319827749"/>
-      </p:ext>
-    </p:extLst>
-  </p:cSld>
-  <p:clrMapOvr>
-    <a:masterClrMapping/>
-  </p:clrMapOvr>
-</p:sld>
-</file>
-
 <file path=ppt/slides/slide2.xml><?xml version="1.0" encoding="utf-8"?>
 <p:sld xmlns:a="http://schemas.openxmlformats.org/drawingml/2006/main" xmlns:r="http://schemas.openxmlformats.org/officeDocument/2006/relationships" xmlns:p="http://schemas.openxmlformats.org/presentationml/2006/main">
   <p:cSld>
@@ -15268,7 +11569,7 @@
               <a:pPr>
                 <a:defRPr/>
               </a:pPr>
-              <a:t>5/8/2015</a:t>
+              <a:t>5/11/2015</a:t>
             </a:fld>
             <a:endParaRPr dirty="0"/>
           </a:p>
@@ -15396,1612 +11697,6 @@
 </p:sld>
 </file>
 
-<file path=ppt/slides/slide20.xml><?xml version="1.0" encoding="utf-8"?>
-<p:sld xmlns:a="http://schemas.openxmlformats.org/drawingml/2006/main" xmlns:r="http://schemas.openxmlformats.org/officeDocument/2006/relationships" xmlns:p="http://schemas.openxmlformats.org/presentationml/2006/main">
-  <p:cSld>
-    <p:spTree>
-      <p:nvGrpSpPr>
-        <p:cNvPr id="1" name=""/>
-        <p:cNvGrpSpPr/>
-        <p:nvPr/>
-      </p:nvGrpSpPr>
-      <p:grpSpPr>
-        <a:xfrm>
-          <a:off x="0" y="0"/>
-          <a:ext cx="0" cy="0"/>
-          <a:chOff x="0" y="0"/>
-          <a:chExt cx="0" cy="0"/>
-        </a:xfrm>
-      </p:grpSpPr>
-      <p:sp>
-        <p:nvSpPr>
-          <p:cNvPr id="6" name="Title 5"/>
-          <p:cNvSpPr>
-            <a:spLocks noGrp="1"/>
-          </p:cNvSpPr>
-          <p:nvPr>
-            <p:ph type="title"/>
-          </p:nvPr>
-        </p:nvSpPr>
-        <p:spPr>
-          <a:xfrm>
-            <a:off x="1066800" y="304800"/>
-            <a:ext cx="7086600" cy="1143000"/>
-          </a:xfrm>
-        </p:spPr>
-        <p:txBody>
-          <a:bodyPr>
-            <a:normAutofit fontScale="90000"/>
-          </a:bodyPr>
-          <a:lstStyle/>
-          <a:p>
-            <a:pPr algn="ctr"/>
-            <a:r>
-              <a:rPr lang="en-US" dirty="0" smtClean="0">
-                <a:solidFill>
-                  <a:schemeClr val="tx2"/>
-                </a:solidFill>
-              </a:rPr>
-              <a:t>Generating Metadata</a:t>
-            </a:r>
-            <a:br>
-              <a:rPr lang="en-US" dirty="0" smtClean="0">
-                <a:solidFill>
-                  <a:schemeClr val="tx2"/>
-                </a:solidFill>
-              </a:rPr>
-            </a:br>
-            <a:r>
-              <a:rPr lang="en-US" dirty="0" smtClean="0">
-                <a:solidFill>
-                  <a:schemeClr val="tx2"/>
-                </a:solidFill>
-              </a:rPr>
-              <a:t>Using </a:t>
-            </a:r>
-            <a:r>
-              <a:rPr lang="en-US" dirty="0" err="1" smtClean="0">
-                <a:solidFill>
-                  <a:schemeClr val="tx2"/>
-                </a:solidFill>
-              </a:rPr>
-              <a:t>mdTools</a:t>
-            </a:r>
-            <a:r>
-              <a:rPr lang="en-US" dirty="0" smtClean="0">
-                <a:solidFill>
-                  <a:schemeClr val="tx2"/>
-                </a:solidFill>
-              </a:rPr>
-              <a:t> </a:t>
-            </a:r>
-            <a:endParaRPr lang="en-US" dirty="0">
-              <a:solidFill>
-                <a:schemeClr val="tx2"/>
-              </a:solidFill>
-            </a:endParaRPr>
-          </a:p>
-        </p:txBody>
-      </p:sp>
-      <p:sp>
-        <p:nvSpPr>
-          <p:cNvPr id="7" name="Text Placeholder 6"/>
-          <p:cNvSpPr>
-            <a:spLocks noGrp="1"/>
-          </p:cNvSpPr>
-          <p:nvPr>
-            <p:ph idx="1"/>
-          </p:nvPr>
-        </p:nvSpPr>
-        <p:spPr>
-          <a:xfrm>
-            <a:off x="1447800" y="2057400"/>
-            <a:ext cx="6019800" cy="3886200"/>
-          </a:xfrm>
-        </p:spPr>
-        <p:txBody>
-          <a:bodyPr>
-            <a:normAutofit/>
-          </a:bodyPr>
-          <a:lstStyle/>
-          <a:p>
-            <a:pPr marL="342900" indent="-342900">
-              <a:lnSpc>
-                <a:spcPct val="150000"/>
-              </a:lnSpc>
-              <a:buFont typeface="Arial" panose="020B0604020202020204" pitchFamily="34" charset="0"/>
-              <a:buChar char="•"/>
-            </a:pPr>
-            <a:r>
-              <a:rPr lang="en-US" sz="2800" dirty="0" err="1" smtClean="0">
-                <a:latin typeface="Lucida Sans" panose="020B0602030504020204" pitchFamily="34" charset="0"/>
-              </a:rPr>
-              <a:t>mdJSON</a:t>
-            </a:r>
-            <a:r>
-              <a:rPr lang="en-US" sz="2800" dirty="0" smtClean="0">
-                <a:latin typeface="Lucida Sans" panose="020B0602030504020204" pitchFamily="34" charset="0"/>
-              </a:rPr>
-              <a:t> Standard</a:t>
-            </a:r>
-          </a:p>
-          <a:p>
-            <a:pPr marL="342900" indent="-342900">
-              <a:lnSpc>
-                <a:spcPct val="150000"/>
-              </a:lnSpc>
-              <a:buFont typeface="Arial" panose="020B0604020202020204" pitchFamily="34" charset="0"/>
-              <a:buChar char="•"/>
-            </a:pPr>
-            <a:r>
-              <a:rPr lang="en-US" sz="2800" dirty="0" err="1" smtClean="0"/>
-              <a:t>mdJSON</a:t>
-            </a:r>
-            <a:r>
-              <a:rPr lang="en-US" sz="2800" dirty="0" smtClean="0"/>
-              <a:t> Example</a:t>
-            </a:r>
-            <a:endParaRPr lang="en-US" sz="2800" dirty="0" smtClean="0">
-              <a:latin typeface="Lucida Sans" panose="020B0602030504020204" pitchFamily="34" charset="0"/>
-            </a:endParaRPr>
-          </a:p>
-          <a:p>
-            <a:pPr marL="342900" indent="-342900">
-              <a:lnSpc>
-                <a:spcPct val="150000"/>
-              </a:lnSpc>
-              <a:buFont typeface="Arial" panose="020B0604020202020204" pitchFamily="34" charset="0"/>
-              <a:buChar char="•"/>
-            </a:pPr>
-            <a:r>
-              <a:rPr lang="en-US" sz="2800" dirty="0" smtClean="0">
-                <a:latin typeface="Lucida Sans" panose="020B0602030504020204" pitchFamily="34" charset="0"/>
-              </a:rPr>
-              <a:t>Using </a:t>
-            </a:r>
-            <a:r>
-              <a:rPr lang="en-US" sz="2800" dirty="0" err="1" smtClean="0">
-                <a:latin typeface="Lucida Sans" panose="020B0602030504020204" pitchFamily="34" charset="0"/>
-              </a:rPr>
-              <a:t>mdTools</a:t>
-            </a:r>
-            <a:r>
-              <a:rPr lang="en-US" sz="2800" dirty="0" smtClean="0">
-                <a:latin typeface="Lucida Sans" panose="020B0602030504020204" pitchFamily="34" charset="0"/>
-              </a:rPr>
-              <a:t> Web Services</a:t>
-            </a:r>
-          </a:p>
-          <a:p>
-            <a:pPr marL="342900" indent="-342900">
-              <a:lnSpc>
-                <a:spcPct val="150000"/>
-              </a:lnSpc>
-              <a:buFont typeface="Arial" panose="020B0604020202020204" pitchFamily="34" charset="0"/>
-              <a:buChar char="•"/>
-            </a:pPr>
-            <a:r>
-              <a:rPr lang="en-US" sz="2800" dirty="0" smtClean="0">
-                <a:latin typeface="Lucida Sans" panose="020B0602030504020204" pitchFamily="34" charset="0"/>
-              </a:rPr>
-              <a:t>Using </a:t>
-            </a:r>
-            <a:r>
-              <a:rPr lang="en-US" sz="2800" dirty="0" err="1" smtClean="0">
-                <a:latin typeface="Lucida Sans" panose="020B0602030504020204" pitchFamily="34" charset="0"/>
-              </a:rPr>
-              <a:t>mdTranslator</a:t>
-            </a:r>
-            <a:r>
-              <a:rPr lang="en-US" sz="2800" dirty="0" smtClean="0">
-                <a:latin typeface="Lucida Sans" panose="020B0602030504020204" pitchFamily="34" charset="0"/>
-              </a:rPr>
-              <a:t> API</a:t>
-            </a:r>
-            <a:endParaRPr lang="en-US" sz="2800" dirty="0">
-              <a:latin typeface="Lucida Sans" panose="020B0602030504020204" pitchFamily="34" charset="0"/>
-            </a:endParaRPr>
-          </a:p>
-          <a:p>
-            <a:endParaRPr lang="en-US" dirty="0"/>
-          </a:p>
-        </p:txBody>
-      </p:sp>
-      <p:sp>
-        <p:nvSpPr>
-          <p:cNvPr id="3" name="Date Placeholder 2"/>
-          <p:cNvSpPr>
-            <a:spLocks noGrp="1"/>
-          </p:cNvSpPr>
-          <p:nvPr>
-            <p:ph type="dt" sz="half" idx="10"/>
-          </p:nvPr>
-        </p:nvSpPr>
-        <p:spPr/>
-        <p:txBody>
-          <a:bodyPr/>
-          <a:lstStyle/>
-          <a:p>
-            <a:pPr>
-              <a:defRPr/>
-            </a:pPr>
-            <a:fld id="{E1FF56A6-FD4A-4D40-9F01-561B77AD5C1C}" type="datetime1">
-              <a:rPr lang="en-US" smtClean="0">
-                <a:solidFill>
-                  <a:srgbClr val="04617B">
-                    <a:shade val="90000"/>
-                  </a:srgbClr>
-                </a:solidFill>
-              </a:rPr>
-              <a:t>5/8/2015</a:t>
-            </a:fld>
-            <a:endParaRPr lang="en-US" dirty="0">
-              <a:solidFill>
-                <a:srgbClr val="04617B">
-                  <a:shade val="90000"/>
-                </a:srgbClr>
-              </a:solidFill>
-            </a:endParaRPr>
-          </a:p>
-        </p:txBody>
-      </p:sp>
-      <p:sp>
-        <p:nvSpPr>
-          <p:cNvPr id="4" name="Footer Placeholder 3"/>
-          <p:cNvSpPr>
-            <a:spLocks noGrp="1"/>
-          </p:cNvSpPr>
-          <p:nvPr>
-            <p:ph type="ftr" sz="quarter" idx="11"/>
-          </p:nvPr>
-        </p:nvSpPr>
-        <p:spPr/>
-        <p:txBody>
-          <a:bodyPr/>
-          <a:lstStyle/>
-          <a:p>
-            <a:pPr>
-              <a:defRPr/>
-            </a:pPr>
-            <a:r>
-              <a:rPr lang="en-US" smtClean="0">
-                <a:solidFill>
-                  <a:srgbClr val="04617B">
-                    <a:shade val="90000"/>
-                  </a:srgbClr>
-                </a:solidFill>
-              </a:rPr>
-              <a:t>www.adiwg.org</a:t>
-            </a:r>
-            <a:endParaRPr lang="en-US" dirty="0">
-              <a:solidFill>
-                <a:srgbClr val="04617B">
-                  <a:shade val="90000"/>
-                </a:srgbClr>
-              </a:solidFill>
-            </a:endParaRPr>
-          </a:p>
-        </p:txBody>
-      </p:sp>
-      <p:sp>
-        <p:nvSpPr>
-          <p:cNvPr id="5" name="Slide Number Placeholder 4"/>
-          <p:cNvSpPr>
-            <a:spLocks noGrp="1"/>
-          </p:cNvSpPr>
-          <p:nvPr>
-            <p:ph type="sldNum" sz="quarter" idx="12"/>
-          </p:nvPr>
-        </p:nvSpPr>
-        <p:spPr/>
-        <p:txBody>
-          <a:bodyPr/>
-          <a:lstStyle/>
-          <a:p>
-            <a:pPr>
-              <a:defRPr/>
-            </a:pPr>
-            <a:fld id="{3C8FD2FD-2ED7-44D4-AE07-6941F68196E1}" type="slidenum">
-              <a:rPr lang="en-US" smtClean="0">
-                <a:solidFill>
-                  <a:srgbClr val="04617B">
-                    <a:shade val="90000"/>
-                  </a:srgbClr>
-                </a:solidFill>
-              </a:rPr>
-              <a:pPr>
-                <a:defRPr/>
-              </a:pPr>
-              <a:t>20</a:t>
-            </a:fld>
-            <a:endParaRPr lang="en-US" dirty="0">
-              <a:solidFill>
-                <a:srgbClr val="04617B">
-                  <a:shade val="90000"/>
-                </a:srgbClr>
-              </a:solidFill>
-            </a:endParaRPr>
-          </a:p>
-        </p:txBody>
-      </p:sp>
-    </p:spTree>
-    <p:extLst>
-      <p:ext uri="{BB962C8B-B14F-4D97-AF65-F5344CB8AC3E}">
-        <p14:creationId xmlns:p14="http://schemas.microsoft.com/office/powerpoint/2010/main" val="4040783877"/>
-      </p:ext>
-    </p:extLst>
-  </p:cSld>
-  <p:clrMapOvr>
-    <a:masterClrMapping/>
-  </p:clrMapOvr>
-  <p:timing>
-    <p:tnLst>
-      <p:par>
-        <p:cTn id="1" dur="indefinite" restart="never" nodeType="tmRoot"/>
-      </p:par>
-    </p:tnLst>
-  </p:timing>
-</p:sld>
-</file>
-
-<file path=ppt/slides/slide21.xml><?xml version="1.0" encoding="utf-8"?>
-<p:sld xmlns:a="http://schemas.openxmlformats.org/drawingml/2006/main" xmlns:r="http://schemas.openxmlformats.org/officeDocument/2006/relationships" xmlns:p="http://schemas.openxmlformats.org/presentationml/2006/main">
-  <p:cSld>
-    <p:spTree>
-      <p:nvGrpSpPr>
-        <p:cNvPr id="1" name=""/>
-        <p:cNvGrpSpPr/>
-        <p:nvPr/>
-      </p:nvGrpSpPr>
-      <p:grpSpPr>
-        <a:xfrm>
-          <a:off x="0" y="0"/>
-          <a:ext cx="0" cy="0"/>
-          <a:chOff x="0" y="0"/>
-          <a:chExt cx="0" cy="0"/>
-        </a:xfrm>
-      </p:grpSpPr>
-      <p:sp>
-        <p:nvSpPr>
-          <p:cNvPr id="2" name="Title 1"/>
-          <p:cNvSpPr>
-            <a:spLocks noGrp="1"/>
-          </p:cNvSpPr>
-          <p:nvPr>
-            <p:ph type="title"/>
-          </p:nvPr>
-        </p:nvSpPr>
-        <p:spPr/>
-        <p:txBody>
-          <a:bodyPr/>
-          <a:lstStyle/>
-          <a:p>
-            <a:r>
-              <a:rPr lang="en-US" dirty="0" err="1" smtClean="0"/>
-              <a:t>mdJSON</a:t>
-            </a:r>
-            <a:r>
-              <a:rPr lang="en-US" dirty="0" smtClean="0"/>
-              <a:t> Example</a:t>
-            </a:r>
-            <a:endParaRPr lang="en-US" dirty="0"/>
-          </a:p>
-        </p:txBody>
-      </p:sp>
-      <p:sp>
-        <p:nvSpPr>
-          <p:cNvPr id="3" name="Date Placeholder 2"/>
-          <p:cNvSpPr>
-            <a:spLocks noGrp="1"/>
-          </p:cNvSpPr>
-          <p:nvPr>
-            <p:ph type="dt" sz="half" idx="10"/>
-          </p:nvPr>
-        </p:nvSpPr>
-        <p:spPr/>
-        <p:txBody>
-          <a:bodyPr/>
-          <a:lstStyle/>
-          <a:p>
-            <a:pPr>
-              <a:defRPr/>
-            </a:pPr>
-            <a:fld id="{E1FF56A6-FD4A-4D40-9F01-561B77AD5C1C}" type="datetime1">
-              <a:rPr lang="en-US" smtClean="0">
-                <a:solidFill>
-                  <a:srgbClr val="04617B">
-                    <a:shade val="90000"/>
-                  </a:srgbClr>
-                </a:solidFill>
-              </a:rPr>
-              <a:t>5/8/2015</a:t>
-            </a:fld>
-            <a:endParaRPr lang="en-US" dirty="0">
-              <a:solidFill>
-                <a:srgbClr val="04617B">
-                  <a:shade val="90000"/>
-                </a:srgbClr>
-              </a:solidFill>
-            </a:endParaRPr>
-          </a:p>
-        </p:txBody>
-      </p:sp>
-      <p:sp>
-        <p:nvSpPr>
-          <p:cNvPr id="4" name="Footer Placeholder 3"/>
-          <p:cNvSpPr>
-            <a:spLocks noGrp="1"/>
-          </p:cNvSpPr>
-          <p:nvPr>
-            <p:ph type="ftr" sz="quarter" idx="11"/>
-          </p:nvPr>
-        </p:nvSpPr>
-        <p:spPr/>
-        <p:txBody>
-          <a:bodyPr/>
-          <a:lstStyle/>
-          <a:p>
-            <a:pPr>
-              <a:defRPr/>
-            </a:pPr>
-            <a:r>
-              <a:rPr lang="en-US" smtClean="0">
-                <a:solidFill>
-                  <a:srgbClr val="04617B">
-                    <a:shade val="90000"/>
-                  </a:srgbClr>
-                </a:solidFill>
-              </a:rPr>
-              <a:t>www.adiwg.org</a:t>
-            </a:r>
-            <a:endParaRPr lang="en-US" dirty="0">
-              <a:solidFill>
-                <a:srgbClr val="04617B">
-                  <a:shade val="90000"/>
-                </a:srgbClr>
-              </a:solidFill>
-            </a:endParaRPr>
-          </a:p>
-        </p:txBody>
-      </p:sp>
-      <p:sp>
-        <p:nvSpPr>
-          <p:cNvPr id="5" name="Slide Number Placeholder 4"/>
-          <p:cNvSpPr>
-            <a:spLocks noGrp="1"/>
-          </p:cNvSpPr>
-          <p:nvPr>
-            <p:ph type="sldNum" sz="quarter" idx="12"/>
-          </p:nvPr>
-        </p:nvSpPr>
-        <p:spPr/>
-        <p:txBody>
-          <a:bodyPr/>
-          <a:lstStyle/>
-          <a:p>
-            <a:pPr>
-              <a:defRPr/>
-            </a:pPr>
-            <a:fld id="{3C8FD2FD-2ED7-44D4-AE07-6941F68196E1}" type="slidenum">
-              <a:rPr lang="en-US" smtClean="0">
-                <a:solidFill>
-                  <a:srgbClr val="04617B">
-                    <a:shade val="90000"/>
-                  </a:srgbClr>
-                </a:solidFill>
-              </a:rPr>
-              <a:pPr>
-                <a:defRPr/>
-              </a:pPr>
-              <a:t>21</a:t>
-            </a:fld>
-            <a:endParaRPr lang="en-US" dirty="0">
-              <a:solidFill>
-                <a:srgbClr val="04617B">
-                  <a:shade val="90000"/>
-                </a:srgbClr>
-              </a:solidFill>
-            </a:endParaRPr>
-          </a:p>
-        </p:txBody>
-      </p:sp>
-      <p:sp>
-        <p:nvSpPr>
-          <p:cNvPr id="7" name="Content Placeholder 2"/>
-          <p:cNvSpPr txBox="1">
-            <a:spLocks/>
-          </p:cNvSpPr>
-          <p:nvPr/>
-        </p:nvSpPr>
-        <p:spPr>
-          <a:xfrm>
-            <a:off x="457200" y="1676401"/>
-            <a:ext cx="8229600" cy="3505199"/>
-          </a:xfrm>
-          <a:prstGeom prst="rect">
-            <a:avLst/>
-          </a:prstGeom>
-        </p:spPr>
-        <p:txBody>
-          <a:bodyPr>
-            <a:normAutofit fontScale="92500"/>
-          </a:bodyPr>
-          <a:lstStyle>
-            <a:lvl1pPr marL="342900" indent="-342900" algn="l" defTabSz="914400" rtl="0" eaLnBrk="1" latinLnBrk="0" hangingPunct="1">
-              <a:spcBef>
-                <a:spcPct val="20000"/>
-              </a:spcBef>
-              <a:buFont typeface="Arial" pitchFamily="34" charset="0"/>
-              <a:buChar char="•"/>
-              <a:defRPr sz="2800" kern="1200">
-                <a:solidFill>
-                  <a:schemeClr val="tx1">
-                    <a:lumMod val="65000"/>
-                    <a:lumOff val="35000"/>
-                  </a:schemeClr>
-                </a:solidFill>
-                <a:latin typeface="Lucida Sans" pitchFamily="34" charset="0"/>
-                <a:ea typeface="Tahoma" pitchFamily="34" charset="0"/>
-                <a:cs typeface="Tahoma" pitchFamily="34" charset="0"/>
-              </a:defRPr>
-            </a:lvl1pPr>
-            <a:lvl2pPr marL="742950" indent="-285750" algn="l" defTabSz="914400" rtl="0" eaLnBrk="1" latinLnBrk="0" hangingPunct="1">
-              <a:spcBef>
-                <a:spcPct val="20000"/>
-              </a:spcBef>
-              <a:buFont typeface="Courier New" pitchFamily="49" charset="0"/>
-              <a:buChar char="o"/>
-              <a:defRPr sz="2400" kern="1200">
-                <a:solidFill>
-                  <a:schemeClr val="tx1">
-                    <a:lumMod val="65000"/>
-                    <a:lumOff val="35000"/>
-                  </a:schemeClr>
-                </a:solidFill>
-                <a:latin typeface="Lucida Sans" pitchFamily="34" charset="0"/>
-                <a:ea typeface="Tahoma" pitchFamily="34" charset="0"/>
-                <a:cs typeface="Tahoma" pitchFamily="34" charset="0"/>
-              </a:defRPr>
-            </a:lvl2pPr>
-            <a:lvl3pPr marL="1143000" indent="-228600" algn="l" defTabSz="914400" rtl="0" eaLnBrk="1" latinLnBrk="0" hangingPunct="1">
-              <a:spcBef>
-                <a:spcPct val="20000"/>
-              </a:spcBef>
-              <a:buFont typeface="Arial" pitchFamily="34" charset="0"/>
-              <a:buChar char="•"/>
-              <a:defRPr sz="2000" kern="1200">
-                <a:solidFill>
-                  <a:schemeClr val="tx1">
-                    <a:lumMod val="65000"/>
-                    <a:lumOff val="35000"/>
-                  </a:schemeClr>
-                </a:solidFill>
-                <a:latin typeface="Lucida Sans" pitchFamily="34" charset="0"/>
-                <a:ea typeface="Tahoma" pitchFamily="34" charset="0"/>
-                <a:cs typeface="Tahoma" pitchFamily="34" charset="0"/>
-              </a:defRPr>
-            </a:lvl3pPr>
-            <a:lvl4pPr marL="1600200" indent="-228600" algn="l" defTabSz="914400" rtl="0" eaLnBrk="1" latinLnBrk="0" hangingPunct="1">
-              <a:spcBef>
-                <a:spcPct val="20000"/>
-              </a:spcBef>
-              <a:buFont typeface="Courier New" pitchFamily="49" charset="0"/>
-              <a:buChar char="o"/>
-              <a:defRPr sz="2000" kern="1200">
-                <a:solidFill>
-                  <a:schemeClr val="tx1">
-                    <a:lumMod val="65000"/>
-                    <a:lumOff val="35000"/>
-                  </a:schemeClr>
-                </a:solidFill>
-                <a:latin typeface="Lucida Sans" pitchFamily="34" charset="0"/>
-                <a:ea typeface="Tahoma" pitchFamily="34" charset="0"/>
-                <a:cs typeface="Tahoma" pitchFamily="34" charset="0"/>
-              </a:defRPr>
-            </a:lvl4pPr>
-            <a:lvl5pPr marL="2057400" indent="-228600" algn="l" defTabSz="914400" rtl="0" eaLnBrk="1" latinLnBrk="0" hangingPunct="1">
-              <a:spcBef>
-                <a:spcPct val="20000"/>
-              </a:spcBef>
-              <a:buFont typeface="Arial" pitchFamily="34" charset="0"/>
-              <a:buChar char="•"/>
-              <a:defRPr sz="2000" kern="1200">
-                <a:solidFill>
-                  <a:schemeClr val="tx1">
-                    <a:lumMod val="65000"/>
-                    <a:lumOff val="35000"/>
-                  </a:schemeClr>
-                </a:solidFill>
-                <a:latin typeface="Lucida Sans" pitchFamily="34" charset="0"/>
-                <a:ea typeface="Tahoma" pitchFamily="34" charset="0"/>
-                <a:cs typeface="Tahoma" pitchFamily="34" charset="0"/>
-              </a:defRPr>
-            </a:lvl5pPr>
-            <a:lvl6pPr marL="2514600" indent="-228600" algn="l" defTabSz="914400" rtl="0" eaLnBrk="1" latinLnBrk="0" hangingPunct="1">
-              <a:spcBef>
-                <a:spcPct val="20000"/>
-              </a:spcBef>
-              <a:buFont typeface="Courier New" pitchFamily="49" charset="0"/>
-              <a:buChar char="o"/>
-              <a:defRPr sz="1600" kern="1200">
-                <a:solidFill>
-                  <a:schemeClr val="tx1">
-                    <a:lumMod val="50000"/>
-                    <a:lumOff val="50000"/>
-                  </a:schemeClr>
-                </a:solidFill>
-                <a:latin typeface="+mj-lt"/>
-                <a:ea typeface="+mn-ea"/>
-                <a:cs typeface="+mn-cs"/>
-              </a:defRPr>
-            </a:lvl6pPr>
-            <a:lvl7pPr marL="2971800" indent="-228600" algn="l" defTabSz="914400" rtl="0" eaLnBrk="1" latinLnBrk="0" hangingPunct="1">
-              <a:spcBef>
-                <a:spcPct val="20000"/>
-              </a:spcBef>
-              <a:buFont typeface="Arial" pitchFamily="34" charset="0"/>
-              <a:buChar char="•"/>
-              <a:defRPr sz="1600" kern="1200">
-                <a:solidFill>
-                  <a:schemeClr val="tx1">
-                    <a:lumMod val="50000"/>
-                    <a:lumOff val="50000"/>
-                  </a:schemeClr>
-                </a:solidFill>
-                <a:latin typeface="+mj-lt"/>
-                <a:ea typeface="+mn-ea"/>
-                <a:cs typeface="+mn-cs"/>
-              </a:defRPr>
-            </a:lvl7pPr>
-            <a:lvl8pPr marL="3429000" indent="-228600" algn="l" defTabSz="914400" rtl="0" eaLnBrk="1" latinLnBrk="0" hangingPunct="1">
-              <a:spcBef>
-                <a:spcPct val="20000"/>
-              </a:spcBef>
-              <a:buFont typeface="Courier New" pitchFamily="49" charset="0"/>
-              <a:buChar char="o"/>
-              <a:defRPr sz="1600" kern="1200">
-                <a:solidFill>
-                  <a:schemeClr val="tx1">
-                    <a:lumMod val="50000"/>
-                    <a:lumOff val="50000"/>
-                  </a:schemeClr>
-                </a:solidFill>
-                <a:latin typeface="+mj-lt"/>
-                <a:ea typeface="+mn-ea"/>
-                <a:cs typeface="+mn-cs"/>
-              </a:defRPr>
-            </a:lvl8pPr>
-            <a:lvl9pPr marL="3886200" indent="-228600" algn="l" defTabSz="914400" rtl="0" eaLnBrk="1" latinLnBrk="0" hangingPunct="1">
-              <a:spcBef>
-                <a:spcPct val="20000"/>
-              </a:spcBef>
-              <a:buFont typeface="Arial" pitchFamily="34" charset="0"/>
-              <a:buChar char="•"/>
-              <a:defRPr sz="1600" kern="1200">
-                <a:solidFill>
-                  <a:schemeClr val="tx1">
-                    <a:lumMod val="50000"/>
-                    <a:lumOff val="50000"/>
-                  </a:schemeClr>
-                </a:solidFill>
-                <a:latin typeface="+mj-lt"/>
-                <a:ea typeface="+mn-ea"/>
-                <a:cs typeface="+mn-cs"/>
-              </a:defRPr>
-            </a:lvl9pPr>
-          </a:lstStyle>
-          <a:p>
-            <a:pPr>
-              <a:lnSpc>
-                <a:spcPct val="150000"/>
-              </a:lnSpc>
-            </a:pPr>
-            <a:r>
-              <a:rPr lang="en-US" sz="2400" dirty="0" smtClean="0"/>
-              <a:t>Only write blocks for which content exists</a:t>
-            </a:r>
-          </a:p>
-          <a:p>
-            <a:pPr>
-              <a:lnSpc>
-                <a:spcPct val="150000"/>
-              </a:lnSpc>
-            </a:pPr>
-            <a:r>
-              <a:rPr lang="en-US" sz="2400" dirty="0" smtClean="0"/>
-              <a:t>Must provide mandatory elements</a:t>
-            </a:r>
-          </a:p>
-          <a:p>
-            <a:pPr>
-              <a:lnSpc>
-                <a:spcPct val="150000"/>
-              </a:lnSpc>
-            </a:pPr>
-            <a:r>
-              <a:rPr lang="en-US" sz="2400" dirty="0"/>
-              <a:t>Must be valid </a:t>
-            </a:r>
-            <a:r>
-              <a:rPr lang="en-US" sz="2400" dirty="0" smtClean="0"/>
-              <a:t>syntax</a:t>
-            </a:r>
-          </a:p>
-          <a:p>
-            <a:pPr>
-              <a:lnSpc>
-                <a:spcPct val="150000"/>
-              </a:lnSpc>
-            </a:pPr>
-            <a:r>
-              <a:rPr lang="en-US" sz="2400" dirty="0" smtClean="0"/>
-              <a:t>Must use ISO code lists for domain values</a:t>
-            </a:r>
-          </a:p>
-          <a:p>
-            <a:pPr>
-              <a:lnSpc>
-                <a:spcPct val="150000"/>
-              </a:lnSpc>
-            </a:pPr>
-            <a:r>
-              <a:rPr lang="en-US" sz="2400" dirty="0" smtClean="0"/>
-              <a:t>Describe contacts once, use many times</a:t>
-            </a:r>
-          </a:p>
-          <a:p>
-            <a:pPr>
-              <a:lnSpc>
-                <a:spcPct val="150000"/>
-              </a:lnSpc>
-            </a:pPr>
-            <a:r>
-              <a:rPr lang="en-US" sz="2400" dirty="0" err="1" smtClean="0">
-                <a:hlinkClick r:id="rId2"/>
-              </a:rPr>
-              <a:t>mdJSON</a:t>
-            </a:r>
-            <a:r>
-              <a:rPr lang="en-US" sz="2400" dirty="0" smtClean="0">
-                <a:hlinkClick r:id="rId2"/>
-              </a:rPr>
-              <a:t> Example</a:t>
-            </a:r>
-            <a:endParaRPr lang="en-US" sz="2400" dirty="0" smtClean="0"/>
-          </a:p>
-        </p:txBody>
-      </p:sp>
-      <p:pic>
-        <p:nvPicPr>
-          <p:cNvPr id="3074" name="Picture 2" descr="C:\Users\dwalworth\AppData\Local\Microsoft\Windows\Temporary Internet Files\Content.IE5\LRYLISKX\bw-json-data-store[1].png"/>
-          <p:cNvPicPr>
-            <a:picLocks noChangeAspect="1" noChangeArrowheads="1"/>
-          </p:cNvPicPr>
-          <p:nvPr/>
-        </p:nvPicPr>
-        <p:blipFill>
-          <a:blip r:embed="rId3">
-            <a:extLst>
-              <a:ext uri="{28A0092B-C50C-407E-A947-70E740481C1C}">
-                <a14:useLocalDpi xmlns:a14="http://schemas.microsoft.com/office/drawing/2010/main" val="0"/>
-              </a:ext>
-            </a:extLst>
-          </a:blip>
-          <a:srcRect/>
-          <a:stretch>
-            <a:fillRect/>
-          </a:stretch>
-        </p:blipFill>
-        <p:spPr bwMode="auto">
-          <a:xfrm>
-            <a:off x="6477000" y="4876800"/>
-            <a:ext cx="1309687" cy="1362075"/>
-          </a:xfrm>
-          <a:prstGeom prst="rect">
-            <a:avLst/>
-          </a:prstGeom>
-          <a:noFill/>
-          <a:extLst>
-            <a:ext uri="{909E8E84-426E-40DD-AFC4-6F175D3DCCD1}">
-              <a14:hiddenFill xmlns:a14="http://schemas.microsoft.com/office/drawing/2010/main">
-                <a:solidFill>
-                  <a:srgbClr val="FFFFFF"/>
-                </a:solidFill>
-              </a14:hiddenFill>
-            </a:ext>
-          </a:extLst>
-        </p:spPr>
-      </p:pic>
-    </p:spTree>
-    <p:extLst>
-      <p:ext uri="{BB962C8B-B14F-4D97-AF65-F5344CB8AC3E}">
-        <p14:creationId xmlns:p14="http://schemas.microsoft.com/office/powerpoint/2010/main" val="2219004079"/>
-      </p:ext>
-    </p:extLst>
-  </p:cSld>
-  <p:clrMapOvr>
-    <a:masterClrMapping/>
-  </p:clrMapOvr>
-  <p:timing>
-    <p:tnLst>
-      <p:par>
-        <p:cTn id="1" dur="indefinite" restart="never" nodeType="tmRoot"/>
-      </p:par>
-    </p:tnLst>
-  </p:timing>
-</p:sld>
-</file>
-
-<file path=ppt/slides/slide22.xml><?xml version="1.0" encoding="utf-8"?>
-<p:sld xmlns:a="http://schemas.openxmlformats.org/drawingml/2006/main" xmlns:r="http://schemas.openxmlformats.org/officeDocument/2006/relationships" xmlns:p="http://schemas.openxmlformats.org/presentationml/2006/main">
-  <p:cSld>
-    <p:spTree>
-      <p:nvGrpSpPr>
-        <p:cNvPr id="1" name=""/>
-        <p:cNvGrpSpPr/>
-        <p:nvPr/>
-      </p:nvGrpSpPr>
-      <p:grpSpPr>
-        <a:xfrm>
-          <a:off x="0" y="0"/>
-          <a:ext cx="0" cy="0"/>
-          <a:chOff x="0" y="0"/>
-          <a:chExt cx="0" cy="0"/>
-        </a:xfrm>
-      </p:grpSpPr>
-      <p:sp>
-        <p:nvSpPr>
-          <p:cNvPr id="6" name="Title 5"/>
-          <p:cNvSpPr>
-            <a:spLocks noGrp="1"/>
-          </p:cNvSpPr>
-          <p:nvPr>
-            <p:ph type="ctrTitle"/>
-          </p:nvPr>
-        </p:nvSpPr>
-        <p:spPr/>
-        <p:txBody>
-          <a:bodyPr/>
-          <a:lstStyle/>
-          <a:p>
-            <a:r>
-              <a:rPr lang="en-US" dirty="0" smtClean="0"/>
-              <a:t>Integrating </a:t>
-            </a:r>
-            <a:r>
-              <a:rPr lang="en-US" dirty="0" err="1" smtClean="0"/>
-              <a:t>mdTools</a:t>
-            </a:r>
-            <a:r>
-              <a:rPr lang="en-US" dirty="0" smtClean="0"/>
-              <a:t> into Systems</a:t>
-            </a:r>
-            <a:endParaRPr lang="en-US" dirty="0"/>
-          </a:p>
-        </p:txBody>
-      </p:sp>
-      <p:sp>
-        <p:nvSpPr>
-          <p:cNvPr id="7" name="Subtitle 6"/>
-          <p:cNvSpPr>
-            <a:spLocks noGrp="1"/>
-          </p:cNvSpPr>
-          <p:nvPr>
-            <p:ph type="subTitle" idx="1"/>
-          </p:nvPr>
-        </p:nvSpPr>
-        <p:spPr/>
-        <p:txBody>
-          <a:bodyPr/>
-          <a:lstStyle/>
-          <a:p>
-            <a:endParaRPr lang="en-US"/>
-          </a:p>
-        </p:txBody>
-      </p:sp>
-      <p:sp>
-        <p:nvSpPr>
-          <p:cNvPr id="3" name="Date Placeholder 2"/>
-          <p:cNvSpPr>
-            <a:spLocks noGrp="1"/>
-          </p:cNvSpPr>
-          <p:nvPr>
-            <p:ph type="dt" sz="half" idx="10"/>
-          </p:nvPr>
-        </p:nvSpPr>
-        <p:spPr/>
-        <p:txBody>
-          <a:bodyPr/>
-          <a:lstStyle/>
-          <a:p>
-            <a:pPr>
-              <a:defRPr/>
-            </a:pPr>
-            <a:fld id="{E1FF56A6-FD4A-4D40-9F01-561B77AD5C1C}" type="datetime1">
-              <a:rPr lang="en-US" smtClean="0">
-                <a:solidFill>
-                  <a:srgbClr val="04617B">
-                    <a:shade val="90000"/>
-                  </a:srgbClr>
-                </a:solidFill>
-              </a:rPr>
-              <a:t>5/8/2015</a:t>
-            </a:fld>
-            <a:endParaRPr lang="en-US" dirty="0">
-              <a:solidFill>
-                <a:srgbClr val="04617B">
-                  <a:shade val="90000"/>
-                </a:srgbClr>
-              </a:solidFill>
-            </a:endParaRPr>
-          </a:p>
-        </p:txBody>
-      </p:sp>
-      <p:sp>
-        <p:nvSpPr>
-          <p:cNvPr id="4" name="Footer Placeholder 3"/>
-          <p:cNvSpPr>
-            <a:spLocks noGrp="1"/>
-          </p:cNvSpPr>
-          <p:nvPr>
-            <p:ph type="ftr" sz="quarter" idx="11"/>
-          </p:nvPr>
-        </p:nvSpPr>
-        <p:spPr/>
-        <p:txBody>
-          <a:bodyPr/>
-          <a:lstStyle/>
-          <a:p>
-            <a:pPr>
-              <a:defRPr/>
-            </a:pPr>
-            <a:r>
-              <a:rPr lang="en-US" smtClean="0">
-                <a:solidFill>
-                  <a:srgbClr val="04617B">
-                    <a:shade val="90000"/>
-                  </a:srgbClr>
-                </a:solidFill>
-              </a:rPr>
-              <a:t>www.adiwg.org</a:t>
-            </a:r>
-            <a:endParaRPr lang="en-US" dirty="0">
-              <a:solidFill>
-                <a:srgbClr val="04617B">
-                  <a:shade val="90000"/>
-                </a:srgbClr>
-              </a:solidFill>
-            </a:endParaRPr>
-          </a:p>
-        </p:txBody>
-      </p:sp>
-      <p:sp>
-        <p:nvSpPr>
-          <p:cNvPr id="5" name="Slide Number Placeholder 4"/>
-          <p:cNvSpPr>
-            <a:spLocks noGrp="1"/>
-          </p:cNvSpPr>
-          <p:nvPr>
-            <p:ph type="sldNum" sz="quarter" idx="12"/>
-          </p:nvPr>
-        </p:nvSpPr>
-        <p:spPr/>
-        <p:txBody>
-          <a:bodyPr/>
-          <a:lstStyle/>
-          <a:p>
-            <a:pPr>
-              <a:defRPr/>
-            </a:pPr>
-            <a:fld id="{3C8FD2FD-2ED7-44D4-AE07-6941F68196E1}" type="slidenum">
-              <a:rPr lang="en-US" smtClean="0">
-                <a:solidFill>
-                  <a:srgbClr val="04617B">
-                    <a:shade val="90000"/>
-                  </a:srgbClr>
-                </a:solidFill>
-              </a:rPr>
-              <a:pPr>
-                <a:defRPr/>
-              </a:pPr>
-              <a:t>22</a:t>
-            </a:fld>
-            <a:endParaRPr lang="en-US" dirty="0">
-              <a:solidFill>
-                <a:srgbClr val="04617B">
-                  <a:shade val="90000"/>
-                </a:srgbClr>
-              </a:solidFill>
-            </a:endParaRPr>
-          </a:p>
-        </p:txBody>
-      </p:sp>
-    </p:spTree>
-    <p:extLst>
-      <p:ext uri="{BB962C8B-B14F-4D97-AF65-F5344CB8AC3E}">
-        <p14:creationId xmlns:p14="http://schemas.microsoft.com/office/powerpoint/2010/main" val="648663252"/>
-      </p:ext>
-    </p:extLst>
-  </p:cSld>
-  <p:clrMapOvr>
-    <a:masterClrMapping/>
-  </p:clrMapOvr>
-</p:sld>
-</file>
-
-<file path=ppt/slides/slide23.xml><?xml version="1.0" encoding="utf-8"?>
-<p:sld xmlns:a="http://schemas.openxmlformats.org/drawingml/2006/main" xmlns:r="http://schemas.openxmlformats.org/officeDocument/2006/relationships" xmlns:p="http://schemas.openxmlformats.org/presentationml/2006/main">
-  <p:cSld>
-    <p:spTree>
-      <p:nvGrpSpPr>
-        <p:cNvPr id="1" name=""/>
-        <p:cNvGrpSpPr/>
-        <p:nvPr/>
-      </p:nvGrpSpPr>
-      <p:grpSpPr>
-        <a:xfrm>
-          <a:off x="0" y="0"/>
-          <a:ext cx="0" cy="0"/>
-          <a:chOff x="0" y="0"/>
-          <a:chExt cx="0" cy="0"/>
-        </a:xfrm>
-      </p:grpSpPr>
-      <p:sp>
-        <p:nvSpPr>
-          <p:cNvPr id="6" name="Title 5"/>
-          <p:cNvSpPr>
-            <a:spLocks noGrp="1"/>
-          </p:cNvSpPr>
-          <p:nvPr>
-            <p:ph type="title"/>
-          </p:nvPr>
-        </p:nvSpPr>
-        <p:spPr>
-          <a:xfrm>
-            <a:off x="838200" y="381000"/>
-            <a:ext cx="7086600" cy="1143000"/>
-          </a:xfrm>
-        </p:spPr>
-        <p:txBody>
-          <a:bodyPr>
-            <a:normAutofit fontScale="90000"/>
-          </a:bodyPr>
-          <a:lstStyle/>
-          <a:p>
-            <a:pPr algn="ctr"/>
-            <a:r>
-              <a:rPr lang="en-US" dirty="0" smtClean="0">
-                <a:solidFill>
-                  <a:schemeClr val="tx2"/>
-                </a:solidFill>
-              </a:rPr>
-              <a:t>Integrating </a:t>
-            </a:r>
-            <a:r>
-              <a:rPr lang="en-US" dirty="0" err="1" smtClean="0">
-                <a:solidFill>
-                  <a:schemeClr val="tx2"/>
-                </a:solidFill>
-              </a:rPr>
-              <a:t>mdTools</a:t>
-            </a:r>
-            <a:r>
-              <a:rPr lang="en-US" dirty="0" smtClean="0">
-                <a:solidFill>
-                  <a:schemeClr val="tx2"/>
-                </a:solidFill>
-              </a:rPr>
-              <a:t> </a:t>
-            </a:r>
-            <a:br>
-              <a:rPr lang="en-US" dirty="0" smtClean="0">
-                <a:solidFill>
-                  <a:schemeClr val="tx2"/>
-                </a:solidFill>
-              </a:rPr>
-            </a:br>
-            <a:r>
-              <a:rPr lang="en-US" dirty="0" smtClean="0">
-                <a:solidFill>
-                  <a:schemeClr val="tx2"/>
-                </a:solidFill>
-              </a:rPr>
-              <a:t>into Systems</a:t>
-            </a:r>
-            <a:endParaRPr lang="en-US" dirty="0">
-              <a:solidFill>
-                <a:schemeClr val="tx2"/>
-              </a:solidFill>
-            </a:endParaRPr>
-          </a:p>
-        </p:txBody>
-      </p:sp>
-      <p:sp>
-        <p:nvSpPr>
-          <p:cNvPr id="7" name="Text Placeholder 6"/>
-          <p:cNvSpPr>
-            <a:spLocks noGrp="1"/>
-          </p:cNvSpPr>
-          <p:nvPr>
-            <p:ph idx="1"/>
-          </p:nvPr>
-        </p:nvSpPr>
-        <p:spPr>
-          <a:xfrm>
-            <a:off x="1219200" y="1828800"/>
-            <a:ext cx="5943600" cy="3886200"/>
-          </a:xfrm>
-        </p:spPr>
-        <p:txBody>
-          <a:bodyPr>
-            <a:normAutofit fontScale="92500" lnSpcReduction="10000"/>
-          </a:bodyPr>
-          <a:lstStyle/>
-          <a:p>
-            <a:pPr marL="342900" indent="-342900">
-              <a:lnSpc>
-                <a:spcPct val="150000"/>
-              </a:lnSpc>
-              <a:buFont typeface="Arial" panose="020B0604020202020204" pitchFamily="34" charset="0"/>
-              <a:buChar char="•"/>
-            </a:pPr>
-            <a:r>
-              <a:rPr lang="en-US" sz="2400" dirty="0" smtClean="0"/>
-              <a:t>GitHub</a:t>
-            </a:r>
-          </a:p>
-          <a:p>
-            <a:pPr marL="342900" indent="-342900">
-              <a:lnSpc>
-                <a:spcPct val="150000"/>
-              </a:lnSpc>
-              <a:buFont typeface="Arial" panose="020B0604020202020204" pitchFamily="34" charset="0"/>
-              <a:buChar char="•"/>
-            </a:pPr>
-            <a:r>
-              <a:rPr lang="en-US" sz="2400" dirty="0" smtClean="0"/>
-              <a:t>Installation</a:t>
-            </a:r>
-            <a:endParaRPr lang="en-US" sz="2400" dirty="0"/>
-          </a:p>
-          <a:p>
-            <a:pPr marL="342900" indent="-342900">
-              <a:lnSpc>
-                <a:spcPct val="150000"/>
-              </a:lnSpc>
-              <a:buFont typeface="Arial" panose="020B0604020202020204" pitchFamily="34" charset="0"/>
-              <a:buChar char="•"/>
-            </a:pPr>
-            <a:r>
-              <a:rPr lang="en-US" sz="2400" dirty="0"/>
-              <a:t>Command Line Interface</a:t>
-            </a:r>
-          </a:p>
-          <a:p>
-            <a:pPr marL="342900" indent="-342900">
-              <a:lnSpc>
-                <a:spcPct val="150000"/>
-              </a:lnSpc>
-              <a:buFont typeface="Arial" panose="020B0604020202020204" pitchFamily="34" charset="0"/>
-              <a:buChar char="•"/>
-            </a:pPr>
-            <a:r>
-              <a:rPr lang="en-US" sz="2400" dirty="0"/>
-              <a:t>Integration with existing system</a:t>
-            </a:r>
-          </a:p>
-          <a:p>
-            <a:pPr marL="342900" indent="-342900">
-              <a:lnSpc>
-                <a:spcPct val="150000"/>
-              </a:lnSpc>
-              <a:buFont typeface="Arial" panose="020B0604020202020204" pitchFamily="34" charset="0"/>
-              <a:buChar char="•"/>
-            </a:pPr>
-            <a:r>
-              <a:rPr lang="en-US" sz="2400" dirty="0"/>
-              <a:t>Ruby Gem</a:t>
-            </a:r>
-          </a:p>
-          <a:p>
-            <a:pPr marL="342900" indent="-342900">
-              <a:lnSpc>
-                <a:spcPct val="150000"/>
-              </a:lnSpc>
-              <a:buFont typeface="Arial" panose="020B0604020202020204" pitchFamily="34" charset="0"/>
-              <a:buChar char="•"/>
-            </a:pPr>
-            <a:r>
-              <a:rPr lang="en-US" sz="2400" dirty="0"/>
-              <a:t>Rails</a:t>
-            </a:r>
-          </a:p>
-          <a:p>
-            <a:pPr marL="342900" indent="-342900">
-              <a:lnSpc>
-                <a:spcPct val="150000"/>
-              </a:lnSpc>
-              <a:buFont typeface="Arial" panose="020B0604020202020204" pitchFamily="34" charset="0"/>
-              <a:buChar char="•"/>
-            </a:pPr>
-            <a:r>
-              <a:rPr lang="en-US" sz="2400" dirty="0"/>
-              <a:t>Forking </a:t>
-            </a:r>
-            <a:r>
-              <a:rPr lang="en-US" sz="2400" dirty="0" err="1"/>
-              <a:t>ADIwg</a:t>
-            </a:r>
-            <a:r>
-              <a:rPr lang="en-US" sz="2400" dirty="0"/>
-              <a:t> repos</a:t>
-            </a:r>
-          </a:p>
-          <a:p>
-            <a:pPr marL="342900" indent="-342900">
-              <a:buFont typeface="Arial" panose="020B0604020202020204" pitchFamily="34" charset="0"/>
-              <a:buChar char="•"/>
-            </a:pPr>
-            <a:endParaRPr lang="en-US" dirty="0"/>
-          </a:p>
-        </p:txBody>
-      </p:sp>
-      <p:sp>
-        <p:nvSpPr>
-          <p:cNvPr id="3" name="Date Placeholder 2"/>
-          <p:cNvSpPr>
-            <a:spLocks noGrp="1"/>
-          </p:cNvSpPr>
-          <p:nvPr>
-            <p:ph type="dt" sz="half" idx="10"/>
-          </p:nvPr>
-        </p:nvSpPr>
-        <p:spPr/>
-        <p:txBody>
-          <a:bodyPr/>
-          <a:lstStyle/>
-          <a:p>
-            <a:pPr>
-              <a:defRPr/>
-            </a:pPr>
-            <a:fld id="{E1FF56A6-FD4A-4D40-9F01-561B77AD5C1C}" type="datetime1">
-              <a:rPr lang="en-US" smtClean="0">
-                <a:solidFill>
-                  <a:srgbClr val="04617B">
-                    <a:shade val="90000"/>
-                  </a:srgbClr>
-                </a:solidFill>
-              </a:rPr>
-              <a:pPr>
-                <a:defRPr/>
-              </a:pPr>
-              <a:t>5/8/2015</a:t>
-            </a:fld>
-            <a:endParaRPr lang="en-US" dirty="0">
-              <a:solidFill>
-                <a:srgbClr val="04617B">
-                  <a:shade val="90000"/>
-                </a:srgbClr>
-              </a:solidFill>
-            </a:endParaRPr>
-          </a:p>
-        </p:txBody>
-      </p:sp>
-      <p:sp>
-        <p:nvSpPr>
-          <p:cNvPr id="4" name="Footer Placeholder 3"/>
-          <p:cNvSpPr>
-            <a:spLocks noGrp="1"/>
-          </p:cNvSpPr>
-          <p:nvPr>
-            <p:ph type="ftr" sz="quarter" idx="11"/>
-          </p:nvPr>
-        </p:nvSpPr>
-        <p:spPr/>
-        <p:txBody>
-          <a:bodyPr/>
-          <a:lstStyle/>
-          <a:p>
-            <a:pPr>
-              <a:defRPr/>
-            </a:pPr>
-            <a:r>
-              <a:rPr lang="en-US" smtClean="0">
-                <a:solidFill>
-                  <a:srgbClr val="04617B">
-                    <a:shade val="90000"/>
-                  </a:srgbClr>
-                </a:solidFill>
-              </a:rPr>
-              <a:t>www.adiwg.org</a:t>
-            </a:r>
-            <a:endParaRPr lang="en-US" dirty="0">
-              <a:solidFill>
-                <a:srgbClr val="04617B">
-                  <a:shade val="90000"/>
-                </a:srgbClr>
-              </a:solidFill>
-            </a:endParaRPr>
-          </a:p>
-        </p:txBody>
-      </p:sp>
-      <p:sp>
-        <p:nvSpPr>
-          <p:cNvPr id="5" name="Slide Number Placeholder 4"/>
-          <p:cNvSpPr>
-            <a:spLocks noGrp="1"/>
-          </p:cNvSpPr>
-          <p:nvPr>
-            <p:ph type="sldNum" sz="quarter" idx="12"/>
-          </p:nvPr>
-        </p:nvSpPr>
-        <p:spPr/>
-        <p:txBody>
-          <a:bodyPr/>
-          <a:lstStyle/>
-          <a:p>
-            <a:pPr>
-              <a:defRPr/>
-            </a:pPr>
-            <a:fld id="{3C8FD2FD-2ED7-44D4-AE07-6941F68196E1}" type="slidenum">
-              <a:rPr lang="en-US" smtClean="0">
-                <a:solidFill>
-                  <a:srgbClr val="04617B">
-                    <a:shade val="90000"/>
-                  </a:srgbClr>
-                </a:solidFill>
-              </a:rPr>
-              <a:pPr>
-                <a:defRPr/>
-              </a:pPr>
-              <a:t>23</a:t>
-            </a:fld>
-            <a:endParaRPr lang="en-US" dirty="0">
-              <a:solidFill>
-                <a:srgbClr val="04617B">
-                  <a:shade val="90000"/>
-                </a:srgbClr>
-              </a:solidFill>
-            </a:endParaRPr>
-          </a:p>
-        </p:txBody>
-      </p:sp>
-    </p:spTree>
-    <p:extLst>
-      <p:ext uri="{BB962C8B-B14F-4D97-AF65-F5344CB8AC3E}">
-        <p14:creationId xmlns:p14="http://schemas.microsoft.com/office/powerpoint/2010/main" val="340626388"/>
-      </p:ext>
-    </p:extLst>
-  </p:cSld>
-  <p:clrMapOvr>
-    <a:masterClrMapping/>
-  </p:clrMapOvr>
-  <p:timing>
-    <p:tnLst>
-      <p:par>
-        <p:cTn id="1" dur="indefinite" restart="never" nodeType="tmRoot"/>
-      </p:par>
-    </p:tnLst>
-  </p:timing>
-</p:sld>
-</file>
-
-<file path=ppt/slides/slide24.xml><?xml version="1.0" encoding="utf-8"?>
-<p:sld xmlns:a="http://schemas.openxmlformats.org/drawingml/2006/main" xmlns:r="http://schemas.openxmlformats.org/officeDocument/2006/relationships" xmlns:p="http://schemas.openxmlformats.org/presentationml/2006/main">
-  <p:cSld>
-    <p:spTree>
-      <p:nvGrpSpPr>
-        <p:cNvPr id="1" name=""/>
-        <p:cNvGrpSpPr/>
-        <p:nvPr/>
-      </p:nvGrpSpPr>
-      <p:grpSpPr>
-        <a:xfrm>
-          <a:off x="0" y="0"/>
-          <a:ext cx="0" cy="0"/>
-          <a:chOff x="0" y="0"/>
-          <a:chExt cx="0" cy="0"/>
-        </a:xfrm>
-      </p:grpSpPr>
-      <p:sp>
-        <p:nvSpPr>
-          <p:cNvPr id="8" name="Title 7"/>
-          <p:cNvSpPr>
-            <a:spLocks noGrp="1"/>
-          </p:cNvSpPr>
-          <p:nvPr>
-            <p:ph type="title"/>
-          </p:nvPr>
-        </p:nvSpPr>
-        <p:spPr/>
-        <p:txBody>
-          <a:bodyPr/>
-          <a:lstStyle/>
-          <a:p>
-            <a:r>
-              <a:rPr lang="en-US" dirty="0" smtClean="0"/>
-              <a:t>Questions?</a:t>
-            </a:r>
-            <a:endParaRPr lang="en-US" dirty="0"/>
-          </a:p>
-        </p:txBody>
-      </p:sp>
-      <p:sp>
-        <p:nvSpPr>
-          <p:cNvPr id="4" name="Date Placeholder 3"/>
-          <p:cNvSpPr>
-            <a:spLocks noGrp="1"/>
-          </p:cNvSpPr>
-          <p:nvPr>
-            <p:ph type="dt" sz="half" idx="10"/>
-          </p:nvPr>
-        </p:nvSpPr>
-        <p:spPr/>
-        <p:txBody>
-          <a:bodyPr/>
-          <a:lstStyle/>
-          <a:p>
-            <a:pPr>
-              <a:defRPr/>
-            </a:pPr>
-            <a:fld id="{4C1DFB75-B4A1-4E54-8AFD-FBCAC108816F}" type="datetime1">
-              <a:rPr lang="en-US" smtClean="0">
-                <a:solidFill>
-                  <a:srgbClr val="04617B">
-                    <a:shade val="90000"/>
-                  </a:srgbClr>
-                </a:solidFill>
-              </a:rPr>
-              <a:t>5/8/2015</a:t>
-            </a:fld>
-            <a:endParaRPr lang="en-US" dirty="0">
-              <a:solidFill>
-                <a:srgbClr val="04617B">
-                  <a:shade val="90000"/>
-                </a:srgbClr>
-              </a:solidFill>
-            </a:endParaRPr>
-          </a:p>
-        </p:txBody>
-      </p:sp>
-      <p:sp>
-        <p:nvSpPr>
-          <p:cNvPr id="6" name="Footer Placeholder 5"/>
-          <p:cNvSpPr>
-            <a:spLocks noGrp="1"/>
-          </p:cNvSpPr>
-          <p:nvPr>
-            <p:ph type="ftr" sz="quarter" idx="11"/>
-          </p:nvPr>
-        </p:nvSpPr>
-        <p:spPr/>
-        <p:txBody>
-          <a:bodyPr/>
-          <a:lstStyle/>
-          <a:p>
-            <a:pPr>
-              <a:defRPr/>
-            </a:pPr>
-            <a:r>
-              <a:rPr lang="en-US" smtClean="0">
-                <a:solidFill>
-                  <a:srgbClr val="04617B">
-                    <a:shade val="90000"/>
-                  </a:srgbClr>
-                </a:solidFill>
-              </a:rPr>
-              <a:t>www.adiwg.org</a:t>
-            </a:r>
-            <a:endParaRPr lang="en-US" dirty="0" smtClean="0">
-              <a:solidFill>
-                <a:srgbClr val="04617B">
-                  <a:shade val="90000"/>
-                </a:srgbClr>
-              </a:solidFill>
-            </a:endParaRPr>
-          </a:p>
-        </p:txBody>
-      </p:sp>
-      <p:sp>
-        <p:nvSpPr>
-          <p:cNvPr id="2" name="Slide Number Placeholder 1"/>
-          <p:cNvSpPr>
-            <a:spLocks noGrp="1"/>
-          </p:cNvSpPr>
-          <p:nvPr>
-            <p:ph type="sldNum" sz="quarter" idx="12"/>
-          </p:nvPr>
-        </p:nvSpPr>
-        <p:spPr/>
-        <p:txBody>
-          <a:bodyPr/>
-          <a:lstStyle/>
-          <a:p>
-            <a:fld id="{521E745E-8DCD-4372-A04E-1A39D68E2162}" type="slidenum">
-              <a:rPr lang="en-US" smtClean="0"/>
-              <a:t>24</a:t>
-            </a:fld>
-            <a:endParaRPr lang="en-US" dirty="0"/>
-          </a:p>
-        </p:txBody>
-      </p:sp>
-      <p:sp>
-        <p:nvSpPr>
-          <p:cNvPr id="3" name="Content Placeholder 2"/>
-          <p:cNvSpPr>
-            <a:spLocks noGrp="1"/>
-          </p:cNvSpPr>
-          <p:nvPr>
-            <p:ph idx="4294967295"/>
-          </p:nvPr>
-        </p:nvSpPr>
-        <p:spPr>
-          <a:xfrm>
-            <a:off x="0" y="1600200"/>
-            <a:ext cx="8229600" cy="3886200"/>
-          </a:xfrm>
-        </p:spPr>
-        <p:txBody>
-          <a:bodyPr>
-            <a:normAutofit/>
-          </a:bodyPr>
-          <a:lstStyle/>
-          <a:p>
-            <a:endParaRPr lang="en-US" sz="1600" dirty="0" smtClean="0"/>
-          </a:p>
-          <a:p>
-            <a:pPr marL="0" indent="0">
-              <a:buNone/>
-            </a:pPr>
-            <a:endParaRPr lang="en-US" sz="2000" dirty="0" smtClean="0"/>
-          </a:p>
-          <a:p>
-            <a:endParaRPr lang="en-US" sz="2000" dirty="0" smtClean="0"/>
-          </a:p>
-        </p:txBody>
-      </p:sp>
-      <p:graphicFrame>
-        <p:nvGraphicFramePr>
-          <p:cNvPr id="7" name="Diagram 6"/>
-          <p:cNvGraphicFramePr/>
-          <p:nvPr>
-            <p:extLst>
-              <p:ext uri="{D42A27DB-BD31-4B8C-83A1-F6EECF244321}">
-                <p14:modId xmlns:p14="http://schemas.microsoft.com/office/powerpoint/2010/main" val="4275234961"/>
-              </p:ext>
-            </p:extLst>
-          </p:nvPr>
-        </p:nvGraphicFramePr>
-        <p:xfrm>
-          <a:off x="1524000" y="1333500"/>
-          <a:ext cx="6096000" cy="4191000"/>
-        </p:xfrm>
-        <a:graphic>
-          <a:graphicData uri="http://schemas.openxmlformats.org/drawingml/2006/diagram">
-            <dgm:relIds xmlns:dgm="http://schemas.openxmlformats.org/drawingml/2006/diagram" xmlns:r="http://schemas.openxmlformats.org/officeDocument/2006/relationships" r:dm="rId3" r:lo="rId4" r:qs="rId5" r:cs="rId6"/>
-          </a:graphicData>
-        </a:graphic>
-      </p:graphicFrame>
-    </p:spTree>
-    <p:extLst>
-      <p:ext uri="{BB962C8B-B14F-4D97-AF65-F5344CB8AC3E}">
-        <p14:creationId xmlns:p14="http://schemas.microsoft.com/office/powerpoint/2010/main" val="3037910115"/>
-      </p:ext>
-    </p:extLst>
-  </p:cSld>
-  <p:clrMapOvr>
-    <a:masterClrMapping/>
-  </p:clrMapOvr>
-  <p:timing>
-    <p:tnLst>
-      <p:par>
-        <p:cTn id="1" dur="indefinite" restart="never" nodeType="tmRoot"/>
-      </p:par>
-    </p:tnLst>
-  </p:timing>
-</p:sld>
-</file>
-
 <file path=ppt/slides/slide3.xml><?xml version="1.0" encoding="utf-8"?>
 <p:sld xmlns:a="http://schemas.openxmlformats.org/drawingml/2006/main" xmlns:r="http://schemas.openxmlformats.org/officeDocument/2006/relationships" xmlns:p="http://schemas.openxmlformats.org/presentationml/2006/main">
   <p:cSld>
@@ -17071,13 +11766,8 @@
             </a:pPr>
             <a:r>
               <a:rPr lang="en-US" sz="2800" dirty="0" smtClean="0"/>
-              <a:t>Project </a:t>
-            </a:r>
-            <a:r>
-              <a:rPr lang="en-US" sz="2800" dirty="0" smtClean="0"/>
-              <a:t>introduction</a:t>
-            </a:r>
-            <a:endParaRPr lang="en-US" sz="2800" dirty="0" smtClean="0"/>
+              <a:t>Project introduction</a:t>
+            </a:r>
           </a:p>
           <a:p>
             <a:pPr>
@@ -17093,7 +11783,6 @@
               <a:rPr lang="en-US" sz="2800" dirty="0" smtClean="0"/>
               <a:t>evelopment background</a:t>
             </a:r>
-            <a:endParaRPr lang="en-US" sz="2800" dirty="0" smtClean="0"/>
           </a:p>
           <a:p>
             <a:pPr>
@@ -17113,7 +11802,6 @@
               <a:rPr lang="en-US" sz="2800" dirty="0" smtClean="0"/>
               <a:t>ntroduction</a:t>
             </a:r>
-            <a:endParaRPr lang="en-US" sz="2800" dirty="0" smtClean="0"/>
           </a:p>
           <a:p>
             <a:pPr>
@@ -17151,7 +11839,7 @@
               <a:pPr>
                 <a:defRPr/>
               </a:pPr>
-              <a:t>5/8/2015</a:t>
+              <a:t>5/11/2015</a:t>
             </a:fld>
             <a:endParaRPr dirty="0"/>
           </a:p>
@@ -17595,7 +12283,7 @@
                   </a:srgbClr>
                 </a:solidFill>
               </a:rPr>
-              <a:t>5/8/2015</a:t>
+              <a:t>5/11/2015</a:t>
             </a:fld>
             <a:endParaRPr lang="en-US" dirty="0">
               <a:solidFill>
@@ -18022,7 +12710,7 @@
                   </a:srgbClr>
                 </a:solidFill>
               </a:rPr>
-              <a:t>5/8/2015</a:t>
+              <a:t>5/11/2015</a:t>
             </a:fld>
             <a:endParaRPr lang="en-US" dirty="0">
               <a:solidFill>
@@ -18413,7 +13101,7 @@
                   </a:srgbClr>
                 </a:solidFill>
               </a:rPr>
-              <a:t>5/8/2015</a:t>
+              <a:t>5/11/2015</a:t>
             </a:fld>
             <a:endParaRPr lang="en-US" dirty="0">
               <a:solidFill>
@@ -18510,11 +13198,7 @@
           <a:p>
             <a:r>
               <a:rPr lang="en-US" dirty="0" smtClean="0"/>
-              <a:t>Project</a:t>
-            </a:r>
-            <a:r>
-              <a:rPr lang="en-US" dirty="0" smtClean="0"/>
-              <a:t> Objectives</a:t>
+              <a:t>Project Objectives</a:t>
             </a:r>
             <a:endParaRPr lang="en-US" dirty="0"/>
           </a:p>
@@ -18657,7 +13341,7 @@
                   </a:srgbClr>
                 </a:solidFill>
               </a:rPr>
-              <a:t>5/8/2015</a:t>
+              <a:t>5/11/2015</a:t>
             </a:fld>
             <a:endParaRPr lang="en-US" dirty="0">
               <a:solidFill>
@@ -18846,11 +13530,7 @@
           <a:p>
             <a:r>
               <a:rPr lang="en-US" dirty="0" smtClean="0"/>
-              <a:t>Project </a:t>
-            </a:r>
-            <a:r>
-              <a:rPr lang="en-US" dirty="0" smtClean="0"/>
-              <a:t>Scope</a:t>
+              <a:t>Project Scope</a:t>
             </a:r>
             <a:endParaRPr lang="en-US" dirty="0"/>
           </a:p>
@@ -18928,11 +13608,7 @@
           <a:p>
             <a:r>
               <a:rPr lang="en-US" sz="3200" dirty="0" smtClean="0"/>
-              <a:t>Extensible (create metadata in multiple standards</a:t>
-            </a:r>
-            <a:r>
-              <a:rPr lang="en-US" sz="3200" dirty="0" smtClean="0"/>
-              <a:t>)</a:t>
+              <a:t>Extensible (create metadata in multiple standards)</a:t>
             </a:r>
           </a:p>
           <a:p>
@@ -18980,7 +13656,7 @@
                   </a:srgbClr>
                 </a:solidFill>
               </a:rPr>
-              <a:t>5/8/2015</a:t>
+              <a:t>5/11/2015</a:t>
             </a:fld>
             <a:endParaRPr lang="en-US" dirty="0">
               <a:solidFill>
@@ -19215,7 +13891,7 @@
                   </a:srgbClr>
                 </a:solidFill>
               </a:rPr>
-              <a:t>5/8/2015</a:t>
+              <a:t>5/11/2015</a:t>
             </a:fld>
             <a:endParaRPr lang="en-US" dirty="0">
               <a:solidFill>

--- a/S1.1_Workshop_Intro.pptx
+++ b/S1.1_Workshop_Intro.pptx
@@ -6,7 +6,7 @@
     <p:sldMasterId id="2147483732" r:id="rId2"/>
   </p:sldMasterIdLst>
   <p:notesMasterIdLst>
-    <p:notesMasterId r:id="rId18"/>
+    <p:notesMasterId r:id="rId16"/>
   </p:notesMasterIdLst>
   <p:sldIdLst>
     <p:sldId id="335" r:id="rId3"/>
@@ -20,10 +20,8 @@
     <p:sldId id="368" r:id="rId11"/>
     <p:sldId id="373" r:id="rId12"/>
     <p:sldId id="369" r:id="rId13"/>
-    <p:sldId id="363" r:id="rId14"/>
-    <p:sldId id="364" r:id="rId15"/>
-    <p:sldId id="349" r:id="rId16"/>
-    <p:sldId id="359" r:id="rId17"/>
+    <p:sldId id="349" r:id="rId14"/>
+    <p:sldId id="359" r:id="rId15"/>
   </p:sldIdLst>
   <p:sldSz cx="9144000" cy="6858000" type="screen4x3"/>
   <p:notesSz cx="7077075" cy="9051925"/>
@@ -1192,102 +1190,6 @@
           <a:bodyPr/>
           <a:lstStyle/>
           <a:p>
-            <a:r>
-              <a:rPr lang="en-US" dirty="0" smtClean="0"/>
-              <a:t>ISO/TC 211  - Geographic information/</a:t>
-            </a:r>
-            <a:r>
-              <a:rPr lang="en-US" dirty="0" err="1" smtClean="0"/>
-              <a:t>Geomatics</a:t>
-            </a:r>
-            <a:r>
-              <a:rPr lang="en-US" dirty="0" smtClean="0"/>
-              <a:t>: http://www.iso.org/iso/home/store/catalogue_tc/catalogue_tc_browse.htm?commid=54904</a:t>
-            </a:r>
-            <a:endParaRPr lang="en-US" dirty="0"/>
-          </a:p>
-        </p:txBody>
-      </p:sp>
-      <p:sp>
-        <p:nvSpPr>
-          <p:cNvPr id="4" name="Slide Number Placeholder 3"/>
-          <p:cNvSpPr>
-            <a:spLocks noGrp="1"/>
-          </p:cNvSpPr>
-          <p:nvPr>
-            <p:ph type="sldNum" sz="quarter" idx="10"/>
-          </p:nvPr>
-        </p:nvSpPr>
-        <p:spPr/>
-        <p:txBody>
-          <a:bodyPr/>
-          <a:lstStyle/>
-          <a:p>
-            <a:fld id="{86E298D3-FAEC-4429-BBB2-6E24FE792F56}" type="slidenum">
-              <a:rPr lang="en-US" smtClean="0"/>
-              <a:t>12</a:t>
-            </a:fld>
-            <a:endParaRPr lang="en-US" dirty="0"/>
-          </a:p>
-        </p:txBody>
-      </p:sp>
-    </p:spTree>
-    <p:extLst>
-      <p:ext uri="{BB962C8B-B14F-4D97-AF65-F5344CB8AC3E}">
-        <p14:creationId xmlns:p14="http://schemas.microsoft.com/office/powerpoint/2010/main" val="832059687"/>
-      </p:ext>
-    </p:extLst>
-  </p:cSld>
-  <p:clrMapOvr>
-    <a:masterClrMapping/>
-  </p:clrMapOvr>
-</p:notes>
-</file>
-
-<file path=ppt/notesSlides/notesSlide9.xml><?xml version="1.0" encoding="utf-8"?>
-<p:notes xmlns:a="http://schemas.openxmlformats.org/drawingml/2006/main" xmlns:r="http://schemas.openxmlformats.org/officeDocument/2006/relationships" xmlns:p="http://schemas.openxmlformats.org/presentationml/2006/main">
-  <p:cSld>
-    <p:spTree>
-      <p:nvGrpSpPr>
-        <p:cNvPr id="1" name=""/>
-        <p:cNvGrpSpPr/>
-        <p:nvPr/>
-      </p:nvGrpSpPr>
-      <p:grpSpPr>
-        <a:xfrm>
-          <a:off x="0" y="0"/>
-          <a:ext cx="0" cy="0"/>
-          <a:chOff x="0" y="0"/>
-          <a:chExt cx="0" cy="0"/>
-        </a:xfrm>
-      </p:grpSpPr>
-      <p:sp>
-        <p:nvSpPr>
-          <p:cNvPr id="2" name="Slide Image Placeholder 1"/>
-          <p:cNvSpPr>
-            <a:spLocks noGrp="1" noRot="1" noChangeAspect="1"/>
-          </p:cNvSpPr>
-          <p:nvPr>
-            <p:ph type="sldImg"/>
-          </p:nvPr>
-        </p:nvSpPr>
-        <p:spPr/>
-      </p:sp>
-      <p:sp>
-        <p:nvSpPr>
-          <p:cNvPr id="3" name="Notes Placeholder 2"/>
-          <p:cNvSpPr>
-            <a:spLocks noGrp="1"/>
-          </p:cNvSpPr>
-          <p:nvPr>
-            <p:ph type="body" idx="1"/>
-          </p:nvPr>
-        </p:nvSpPr>
-        <p:spPr/>
-        <p:txBody>
-          <a:bodyPr/>
-          <a:lstStyle/>
-          <a:p>
             <a:pPr marL="171450" indent="-171450">
               <a:buFont typeface="Wingdings"/>
               <a:buChar char="Ø"/>
@@ -1412,7 +1314,7 @@
                 </a:solidFill>
               </a:rPr>
               <a:pPr/>
-              <a:t>14</a:t>
+              <a:t>12</a:t>
             </a:fld>
             <a:endParaRPr lang="en-US" dirty="0">
               <a:solidFill>
@@ -10242,526 +10144,6 @@
       </p:grpSpPr>
       <p:sp>
         <p:nvSpPr>
-          <p:cNvPr id="2" name="Title 1"/>
-          <p:cNvSpPr>
-            <a:spLocks noGrp="1"/>
-          </p:cNvSpPr>
-          <p:nvPr>
-            <p:ph type="title"/>
-          </p:nvPr>
-        </p:nvSpPr>
-        <p:spPr/>
-        <p:txBody>
-          <a:bodyPr/>
-          <a:lstStyle/>
-          <a:p>
-            <a:r>
-              <a:rPr lang="en-US" dirty="0" smtClean="0"/>
-              <a:t>“data </a:t>
-            </a:r>
-            <a:r>
-              <a:rPr lang="en-US" dirty="0"/>
-              <a:t>about </a:t>
-            </a:r>
-            <a:r>
-              <a:rPr lang="en-US" dirty="0" smtClean="0"/>
-              <a:t>data”</a:t>
-            </a:r>
-            <a:endParaRPr lang="en-US" dirty="0"/>
-          </a:p>
-        </p:txBody>
-      </p:sp>
-      <p:sp>
-        <p:nvSpPr>
-          <p:cNvPr id="3" name="Content Placeholder 2"/>
-          <p:cNvSpPr>
-            <a:spLocks noGrp="1"/>
-          </p:cNvSpPr>
-          <p:nvPr>
-            <p:ph idx="1"/>
-          </p:nvPr>
-        </p:nvSpPr>
-        <p:spPr/>
-        <p:txBody>
-          <a:bodyPr/>
-          <a:lstStyle/>
-          <a:p>
-            <a:r>
-              <a:rPr lang="en-US" dirty="0" smtClean="0"/>
-              <a:t>Which Standard?</a:t>
-            </a:r>
-          </a:p>
-          <a:p>
-            <a:pPr lvl="1"/>
-            <a:r>
-              <a:rPr lang="en-US" dirty="0"/>
-              <a:t>FGDC CSDGM, Dublin Core, EML, ISO/TC </a:t>
-            </a:r>
-            <a:r>
-              <a:rPr lang="en-US" dirty="0" smtClean="0"/>
-              <a:t>211, ...</a:t>
-            </a:r>
-          </a:p>
-          <a:p>
-            <a:r>
-              <a:rPr lang="en-US" dirty="0" smtClean="0"/>
-              <a:t>Which Version?</a:t>
-            </a:r>
-          </a:p>
-          <a:p>
-            <a:pPr lvl="1"/>
-            <a:r>
-              <a:rPr lang="en-US" dirty="0" smtClean="0"/>
-              <a:t>19115, 19115-2, 19115-1, …</a:t>
-            </a:r>
-          </a:p>
-          <a:p>
-            <a:r>
-              <a:rPr lang="en-US" dirty="0" smtClean="0"/>
-              <a:t>Which Profile?</a:t>
-            </a:r>
-          </a:p>
-          <a:p>
-            <a:pPr lvl="1"/>
-            <a:r>
-              <a:rPr lang="en-US" dirty="0" smtClean="0"/>
-              <a:t>Based on ISO 19115: North </a:t>
-            </a:r>
-            <a:r>
-              <a:rPr lang="en-US" dirty="0"/>
-              <a:t>American Profile, WMO Core, INSPIRE, Polar Metadata </a:t>
-            </a:r>
-            <a:r>
-              <a:rPr lang="en-US" dirty="0" smtClean="0"/>
-              <a:t>Profile, …</a:t>
-            </a:r>
-          </a:p>
-          <a:p>
-            <a:pPr lvl="1"/>
-            <a:endParaRPr lang="en-US" dirty="0" smtClean="0"/>
-          </a:p>
-          <a:p>
-            <a:pPr lvl="1"/>
-            <a:endParaRPr lang="en-US" dirty="0" smtClean="0"/>
-          </a:p>
-        </p:txBody>
-      </p:sp>
-      <p:sp>
-        <p:nvSpPr>
-          <p:cNvPr id="4" name="Date Placeholder 3"/>
-          <p:cNvSpPr>
-            <a:spLocks noGrp="1"/>
-          </p:cNvSpPr>
-          <p:nvPr>
-            <p:ph type="dt" sz="half" idx="10"/>
-          </p:nvPr>
-        </p:nvSpPr>
-        <p:spPr/>
-        <p:txBody>
-          <a:bodyPr/>
-          <a:lstStyle/>
-          <a:p>
-            <a:pPr>
-              <a:defRPr/>
-            </a:pPr>
-            <a:fld id="{6C3DD7D0-7E54-4926-8269-92427B4182BC}" type="datetime1">
-              <a:rPr lang="en-US" smtClean="0">
-                <a:solidFill>
-                  <a:srgbClr val="04617B">
-                    <a:shade val="90000"/>
-                  </a:srgbClr>
-                </a:solidFill>
-              </a:rPr>
-              <a:t>5/11/2015</a:t>
-            </a:fld>
-            <a:endParaRPr lang="en-US" dirty="0">
-              <a:solidFill>
-                <a:srgbClr val="04617B">
-                  <a:shade val="90000"/>
-                </a:srgbClr>
-              </a:solidFill>
-            </a:endParaRPr>
-          </a:p>
-        </p:txBody>
-      </p:sp>
-      <p:sp>
-        <p:nvSpPr>
-          <p:cNvPr id="5" name="Footer Placeholder 4"/>
-          <p:cNvSpPr>
-            <a:spLocks noGrp="1"/>
-          </p:cNvSpPr>
-          <p:nvPr>
-            <p:ph type="ftr" sz="quarter" idx="11"/>
-          </p:nvPr>
-        </p:nvSpPr>
-        <p:spPr/>
-        <p:txBody>
-          <a:bodyPr/>
-          <a:lstStyle/>
-          <a:p>
-            <a:pPr>
-              <a:defRPr/>
-            </a:pPr>
-            <a:r>
-              <a:rPr lang="en-US" smtClean="0">
-                <a:solidFill>
-                  <a:srgbClr val="04617B">
-                    <a:shade val="90000"/>
-                  </a:srgbClr>
-                </a:solidFill>
-              </a:rPr>
-              <a:t>www.adiwg.org</a:t>
-            </a:r>
-            <a:endParaRPr lang="en-US" dirty="0" smtClean="0">
-              <a:solidFill>
-                <a:srgbClr val="04617B">
-                  <a:shade val="90000"/>
-                </a:srgbClr>
-              </a:solidFill>
-            </a:endParaRPr>
-          </a:p>
-        </p:txBody>
-      </p:sp>
-      <p:sp>
-        <p:nvSpPr>
-          <p:cNvPr id="6" name="Slide Number Placeholder 5"/>
-          <p:cNvSpPr>
-            <a:spLocks noGrp="1"/>
-          </p:cNvSpPr>
-          <p:nvPr>
-            <p:ph type="sldNum" sz="quarter" idx="12"/>
-          </p:nvPr>
-        </p:nvSpPr>
-        <p:spPr/>
-        <p:txBody>
-          <a:bodyPr/>
-          <a:lstStyle/>
-          <a:p>
-            <a:pPr>
-              <a:defRPr/>
-            </a:pPr>
-            <a:fld id="{D96B19B3-FA35-4262-952F-7D873B09162D}" type="slidenum">
-              <a:rPr lang="en-US" smtClean="0">
-                <a:solidFill>
-                  <a:srgbClr val="04617B">
-                    <a:shade val="90000"/>
-                  </a:srgbClr>
-                </a:solidFill>
-              </a:rPr>
-              <a:pPr>
-                <a:defRPr/>
-              </a:pPr>
-              <a:t>12</a:t>
-            </a:fld>
-            <a:endParaRPr lang="en-US" dirty="0">
-              <a:solidFill>
-                <a:srgbClr val="04617B">
-                  <a:shade val="90000"/>
-                </a:srgbClr>
-              </a:solidFill>
-            </a:endParaRPr>
-          </a:p>
-        </p:txBody>
-      </p:sp>
-    </p:spTree>
-    <p:extLst>
-      <p:ext uri="{BB962C8B-B14F-4D97-AF65-F5344CB8AC3E}">
-        <p14:creationId xmlns:p14="http://schemas.microsoft.com/office/powerpoint/2010/main" val="310089740"/>
-      </p:ext>
-    </p:extLst>
-  </p:cSld>
-  <p:clrMapOvr>
-    <a:masterClrMapping/>
-  </p:clrMapOvr>
-  <p:timing>
-    <p:tnLst>
-      <p:par>
-        <p:cTn id="1" dur="indefinite" restart="never" nodeType="tmRoot"/>
-      </p:par>
-    </p:tnLst>
-  </p:timing>
-</p:sld>
-</file>
-
-<file path=ppt/slides/slide13.xml><?xml version="1.0" encoding="utf-8"?>
-<p:sld xmlns:a="http://schemas.openxmlformats.org/drawingml/2006/main" xmlns:r="http://schemas.openxmlformats.org/officeDocument/2006/relationships" xmlns:p="http://schemas.openxmlformats.org/presentationml/2006/main">
-  <p:cSld>
-    <p:spTree>
-      <p:nvGrpSpPr>
-        <p:cNvPr id="1" name=""/>
-        <p:cNvGrpSpPr/>
-        <p:nvPr/>
-      </p:nvGrpSpPr>
-      <p:grpSpPr>
-        <a:xfrm>
-          <a:off x="0" y="0"/>
-          <a:ext cx="0" cy="0"/>
-          <a:chOff x="0" y="0"/>
-          <a:chExt cx="0" cy="0"/>
-        </a:xfrm>
-      </p:grpSpPr>
-      <p:sp>
-        <p:nvSpPr>
-          <p:cNvPr id="2" name="Title 1"/>
-          <p:cNvSpPr>
-            <a:spLocks noGrp="1"/>
-          </p:cNvSpPr>
-          <p:nvPr>
-            <p:ph type="title"/>
-          </p:nvPr>
-        </p:nvSpPr>
-        <p:spPr/>
-        <p:txBody>
-          <a:bodyPr/>
-          <a:lstStyle/>
-          <a:p>
-            <a:r>
-              <a:rPr lang="en-US" dirty="0" smtClean="0"/>
-              <a:t>“human vs machine”</a:t>
-            </a:r>
-            <a:endParaRPr lang="en-US" dirty="0"/>
-          </a:p>
-        </p:txBody>
-      </p:sp>
-      <p:sp>
-        <p:nvSpPr>
-          <p:cNvPr id="3" name="Content Placeholder 2"/>
-          <p:cNvSpPr>
-            <a:spLocks noGrp="1"/>
-          </p:cNvSpPr>
-          <p:nvPr>
-            <p:ph idx="1"/>
-          </p:nvPr>
-        </p:nvSpPr>
-        <p:spPr/>
-        <p:txBody>
-          <a:bodyPr>
-            <a:normAutofit fontScale="92500" lnSpcReduction="10000"/>
-          </a:bodyPr>
-          <a:lstStyle/>
-          <a:p>
-            <a:r>
-              <a:rPr lang="en-US" dirty="0" smtClean="0"/>
-              <a:t>What’s it for?</a:t>
-            </a:r>
-          </a:p>
-          <a:p>
-            <a:pPr lvl="1"/>
-            <a:r>
-              <a:rPr lang="en-US" dirty="0" smtClean="0"/>
-              <a:t>Human eyes?</a:t>
-            </a:r>
-          </a:p>
-          <a:p>
-            <a:pPr lvl="1"/>
-            <a:r>
-              <a:rPr lang="en-US" dirty="0" smtClean="0"/>
-              <a:t>Machine-to-machine?</a:t>
-            </a:r>
-          </a:p>
-          <a:p>
-            <a:pPr lvl="1"/>
-            <a:r>
-              <a:rPr lang="en-US" dirty="0" smtClean="0"/>
-              <a:t>To discover, communicate, document, archive?</a:t>
-            </a:r>
-          </a:p>
-          <a:p>
-            <a:r>
-              <a:rPr lang="en-US" dirty="0" smtClean="0"/>
-              <a:t>Resource type?</a:t>
-            </a:r>
-          </a:p>
-          <a:p>
-            <a:pPr lvl="1"/>
-            <a:r>
-              <a:rPr lang="en-US" dirty="0" smtClean="0"/>
-              <a:t>Geospatial</a:t>
-            </a:r>
-          </a:p>
-          <a:p>
-            <a:pPr lvl="1"/>
-            <a:r>
-              <a:rPr lang="en-US" dirty="0" smtClean="0"/>
-              <a:t>Non-spatial (reports, images, tabular, …)</a:t>
-            </a:r>
-          </a:p>
-          <a:p>
-            <a:pPr lvl="1"/>
-            <a:r>
-              <a:rPr lang="en-US" dirty="0" smtClean="0"/>
-              <a:t>Project level</a:t>
-            </a:r>
-          </a:p>
-          <a:p>
-            <a:pPr lvl="1"/>
-            <a:r>
-              <a:rPr lang="en-US" dirty="0" smtClean="0"/>
-              <a:t>Collection</a:t>
-            </a:r>
-          </a:p>
-          <a:p>
-            <a:pPr lvl="1"/>
-            <a:endParaRPr lang="en-US" dirty="0" smtClean="0"/>
-          </a:p>
-        </p:txBody>
-      </p:sp>
-      <p:sp>
-        <p:nvSpPr>
-          <p:cNvPr id="4" name="Date Placeholder 3"/>
-          <p:cNvSpPr>
-            <a:spLocks noGrp="1"/>
-          </p:cNvSpPr>
-          <p:nvPr>
-            <p:ph type="dt" sz="half" idx="10"/>
-          </p:nvPr>
-        </p:nvSpPr>
-        <p:spPr/>
-        <p:txBody>
-          <a:bodyPr/>
-          <a:lstStyle/>
-          <a:p>
-            <a:pPr>
-              <a:defRPr/>
-            </a:pPr>
-            <a:fld id="{6C3DD7D0-7E54-4926-8269-92427B4182BC}" type="datetime1">
-              <a:rPr lang="en-US" smtClean="0">
-                <a:solidFill>
-                  <a:srgbClr val="04617B">
-                    <a:shade val="90000"/>
-                  </a:srgbClr>
-                </a:solidFill>
-              </a:rPr>
-              <a:t>5/11/2015</a:t>
-            </a:fld>
-            <a:endParaRPr lang="en-US" dirty="0">
-              <a:solidFill>
-                <a:srgbClr val="04617B">
-                  <a:shade val="90000"/>
-                </a:srgbClr>
-              </a:solidFill>
-            </a:endParaRPr>
-          </a:p>
-        </p:txBody>
-      </p:sp>
-      <p:sp>
-        <p:nvSpPr>
-          <p:cNvPr id="5" name="Footer Placeholder 4"/>
-          <p:cNvSpPr>
-            <a:spLocks noGrp="1"/>
-          </p:cNvSpPr>
-          <p:nvPr>
-            <p:ph type="ftr" sz="quarter" idx="11"/>
-          </p:nvPr>
-        </p:nvSpPr>
-        <p:spPr/>
-        <p:txBody>
-          <a:bodyPr/>
-          <a:lstStyle/>
-          <a:p>
-            <a:pPr>
-              <a:defRPr/>
-            </a:pPr>
-            <a:r>
-              <a:rPr lang="en-US" smtClean="0">
-                <a:solidFill>
-                  <a:srgbClr val="04617B">
-                    <a:shade val="90000"/>
-                  </a:srgbClr>
-                </a:solidFill>
-              </a:rPr>
-              <a:t>www.adiwg.org</a:t>
-            </a:r>
-            <a:endParaRPr lang="en-US" dirty="0" smtClean="0">
-              <a:solidFill>
-                <a:srgbClr val="04617B">
-                  <a:shade val="90000"/>
-                </a:srgbClr>
-              </a:solidFill>
-            </a:endParaRPr>
-          </a:p>
-        </p:txBody>
-      </p:sp>
-      <p:sp>
-        <p:nvSpPr>
-          <p:cNvPr id="6" name="Slide Number Placeholder 5"/>
-          <p:cNvSpPr>
-            <a:spLocks noGrp="1"/>
-          </p:cNvSpPr>
-          <p:nvPr>
-            <p:ph type="sldNum" sz="quarter" idx="12"/>
-          </p:nvPr>
-        </p:nvSpPr>
-        <p:spPr/>
-        <p:txBody>
-          <a:bodyPr/>
-          <a:lstStyle/>
-          <a:p>
-            <a:pPr>
-              <a:defRPr/>
-            </a:pPr>
-            <a:fld id="{D96B19B3-FA35-4262-952F-7D873B09162D}" type="slidenum">
-              <a:rPr lang="en-US" smtClean="0">
-                <a:solidFill>
-                  <a:srgbClr val="04617B">
-                    <a:shade val="90000"/>
-                  </a:srgbClr>
-                </a:solidFill>
-              </a:rPr>
-              <a:pPr>
-                <a:defRPr/>
-              </a:pPr>
-              <a:t>13</a:t>
-            </a:fld>
-            <a:endParaRPr lang="en-US" dirty="0">
-              <a:solidFill>
-                <a:srgbClr val="04617B">
-                  <a:shade val="90000"/>
-                </a:srgbClr>
-              </a:solidFill>
-            </a:endParaRPr>
-          </a:p>
-        </p:txBody>
-      </p:sp>
-    </p:spTree>
-    <p:extLst>
-      <p:ext uri="{BB962C8B-B14F-4D97-AF65-F5344CB8AC3E}">
-        <p14:creationId xmlns:p14="http://schemas.microsoft.com/office/powerpoint/2010/main" val="3119900220"/>
-      </p:ext>
-    </p:extLst>
-  </p:cSld>
-  <p:clrMapOvr>
-    <a:masterClrMapping/>
-  </p:clrMapOvr>
-  <p:timing>
-    <p:tnLst>
-      <p:par>
-        <p:cTn id="1" dur="indefinite" restart="never" nodeType="tmRoot"/>
-      </p:par>
-    </p:tnLst>
-  </p:timing>
-</p:sld>
-</file>
-
-<file path=ppt/slides/slide14.xml><?xml version="1.0" encoding="utf-8"?>
-<p:sld xmlns:a="http://schemas.openxmlformats.org/drawingml/2006/main" xmlns:r="http://schemas.openxmlformats.org/officeDocument/2006/relationships" xmlns:p="http://schemas.openxmlformats.org/presentationml/2006/main">
-  <p:cSld>
-    <p:spTree>
-      <p:nvGrpSpPr>
-        <p:cNvPr id="1" name=""/>
-        <p:cNvGrpSpPr/>
-        <p:nvPr/>
-      </p:nvGrpSpPr>
-      <p:grpSpPr>
-        <a:xfrm>
-          <a:off x="0" y="0"/>
-          <a:ext cx="0" cy="0"/>
-          <a:chOff x="0" y="0"/>
-          <a:chExt cx="0" cy="0"/>
-        </a:xfrm>
-      </p:grpSpPr>
-      <p:sp>
-        <p:nvSpPr>
           <p:cNvPr id="4" name="Title 3"/>
           <p:cNvSpPr>
             <a:spLocks noGrp="1"/>
@@ -10860,7 +10242,7 @@
             <a:fld id="{521E745E-8DCD-4372-A04E-1A39D68E2162}" type="slidenum">
               <a:rPr/>
               <a:pPr/>
-              <a:t>14</a:t>
+              <a:t>12</a:t>
             </a:fld>
             <a:endParaRPr dirty="0"/>
           </a:p>
@@ -11210,7 +10592,7 @@
 </p:sld>
 </file>
 
-<file path=ppt/slides/slide15.xml><?xml version="1.0" encoding="utf-8"?>
+<file path=ppt/slides/slide13.xml><?xml version="1.0" encoding="utf-8"?>
 <p:sld xmlns:a="http://schemas.openxmlformats.org/drawingml/2006/main" xmlns:r="http://schemas.openxmlformats.org/officeDocument/2006/relationships" xmlns:p="http://schemas.openxmlformats.org/presentationml/2006/main">
   <p:cSld>
     <p:spTree>
@@ -11418,7 +10800,7 @@
               <a:pPr>
                 <a:defRPr/>
               </a:pPr>
-              <a:t>15</a:t>
+              <a:t>13</a:t>
             </a:fld>
             <a:endParaRPr lang="en-US" dirty="0">
               <a:solidFill>
